--- a/Documentation/FORAC_carbone.pptx
+++ b/Documentation/FORAC_carbone.pptx
@@ -6,10 +6,10 @@
     <p:sldMasterId id="2147483760" r:id="rId5"/>
   </p:sldMasterIdLst>
   <p:notesMasterIdLst>
-    <p:notesMasterId r:id="rId20"/>
+    <p:notesMasterId r:id="rId21"/>
   </p:notesMasterIdLst>
   <p:handoutMasterIdLst>
-    <p:handoutMasterId r:id="rId21"/>
+    <p:handoutMasterId r:id="rId22"/>
   </p:handoutMasterIdLst>
   <p:sldIdLst>
     <p:sldId id="272" r:id="rId6"/>
@@ -23,9 +23,10 @@
     <p:sldId id="312" r:id="rId14"/>
     <p:sldId id="305" r:id="rId15"/>
     <p:sldId id="309" r:id="rId16"/>
-    <p:sldId id="314" r:id="rId17"/>
-    <p:sldId id="315" r:id="rId18"/>
-    <p:sldId id="316" r:id="rId19"/>
+    <p:sldId id="317" r:id="rId17"/>
+    <p:sldId id="314" r:id="rId18"/>
+    <p:sldId id="315" r:id="rId19"/>
+    <p:sldId id="316" r:id="rId20"/>
   </p:sldIdLst>
   <p:sldSz cx="12192000" cy="6858000"/>
   <p:notesSz cx="9144000" cy="6858000"/>
@@ -217,7 +218,7 @@
           <p:cNvPr id="4098" name="Rectangle 2">
             <a:extLst>
               <a:ext uri="{FF2B5EF4-FFF2-40B4-BE49-F238E27FC236}">
-                <a16:creationId xmlns:a16="http://schemas.microsoft.com/office/drawing/2014/main" xmlns="" id="{90000FB4-732C-304F-ABAC-DF5E79C70A33}"/>
+                <a16:creationId xmlns="" xmlns:a16="http://schemas.microsoft.com/office/drawing/2014/main" id="{90000FB4-732C-304F-ABAC-DF5E79C70A33}"/>
               </a:ext>
             </a:extLst>
           </p:cNvPr>
@@ -269,7 +270,7 @@
           <p:cNvPr id="4099" name="Rectangle 3">
             <a:extLst>
               <a:ext uri="{FF2B5EF4-FFF2-40B4-BE49-F238E27FC236}">
-                <a16:creationId xmlns:a16="http://schemas.microsoft.com/office/drawing/2014/main" xmlns="" id="{24B32E97-02BD-1046-B274-E90FCC0FE720}"/>
+                <a16:creationId xmlns="" xmlns:a16="http://schemas.microsoft.com/office/drawing/2014/main" id="{24B32E97-02BD-1046-B274-E90FCC0FE720}"/>
               </a:ext>
             </a:extLst>
           </p:cNvPr>
@@ -316,7 +317,7 @@
               <a:pPr>
                 <a:defRPr/>
               </a:pPr>
-              <a:t>2022-03-03</a:t>
+              <a:t>2022-03-08</a:t>
             </a:fld>
             <a:endParaRPr lang="fr-FR" altLang="fr-FR"/>
           </a:p>
@@ -327,7 +328,7 @@
           <p:cNvPr id="4100" name="Rectangle 4">
             <a:extLst>
               <a:ext uri="{FF2B5EF4-FFF2-40B4-BE49-F238E27FC236}">
-                <a16:creationId xmlns:a16="http://schemas.microsoft.com/office/drawing/2014/main" xmlns="" id="{F2031963-01E9-DA4D-8753-FC566AD7D859}"/>
+                <a16:creationId xmlns="" xmlns:a16="http://schemas.microsoft.com/office/drawing/2014/main" id="{F2031963-01E9-DA4D-8753-FC566AD7D859}"/>
               </a:ext>
             </a:extLst>
           </p:cNvPr>
@@ -379,7 +380,7 @@
           <p:cNvPr id="4101" name="Rectangle 5">
             <a:extLst>
               <a:ext uri="{FF2B5EF4-FFF2-40B4-BE49-F238E27FC236}">
-                <a16:creationId xmlns:a16="http://schemas.microsoft.com/office/drawing/2014/main" xmlns="" id="{206707E7-D6C2-404A-A462-E3EAC5A3F62D}"/>
+                <a16:creationId xmlns="" xmlns:a16="http://schemas.microsoft.com/office/drawing/2014/main" id="{206707E7-D6C2-404A-A462-E3EAC5A3F62D}"/>
               </a:ext>
             </a:extLst>
           </p:cNvPr>
@@ -471,7 +472,7 @@
           <p:cNvPr id="2" name="Espace réservé de l'en-tête 1">
             <a:extLst>
               <a:ext uri="{FF2B5EF4-FFF2-40B4-BE49-F238E27FC236}">
-                <a16:creationId xmlns:a16="http://schemas.microsoft.com/office/drawing/2014/main" xmlns="" id="{AD31334D-A344-1848-8B76-4D4A38D8E8D0}"/>
+                <a16:creationId xmlns="" xmlns:a16="http://schemas.microsoft.com/office/drawing/2014/main" id="{AD31334D-A344-1848-8B76-4D4A38D8E8D0}"/>
               </a:ext>
             </a:extLst>
           </p:cNvPr>
@@ -515,7 +516,7 @@
           <p:cNvPr id="3" name="Espace réservé de la date 2">
             <a:extLst>
               <a:ext uri="{FF2B5EF4-FFF2-40B4-BE49-F238E27FC236}">
-                <a16:creationId xmlns:a16="http://schemas.microsoft.com/office/drawing/2014/main" xmlns="" id="{56C2149E-975F-0A4E-AAFA-F24C18D34B2C}"/>
+                <a16:creationId xmlns="" xmlns:a16="http://schemas.microsoft.com/office/drawing/2014/main" id="{56C2149E-975F-0A4E-AAFA-F24C18D34B2C}"/>
               </a:ext>
             </a:extLst>
           </p:cNvPr>
@@ -558,7 +559,7 @@
               <a:pPr>
                 <a:defRPr/>
               </a:pPr>
-              <a:t>2022-03-03</a:t>
+              <a:t>2022-03-08</a:t>
             </a:fld>
             <a:endParaRPr lang="fr-FR" altLang="fr-FR"/>
           </a:p>
@@ -569,7 +570,7 @@
           <p:cNvPr id="4" name="Espace réservé de l'image des diapositives 3">
             <a:extLst>
               <a:ext uri="{FF2B5EF4-FFF2-40B4-BE49-F238E27FC236}">
-                <a16:creationId xmlns:a16="http://schemas.microsoft.com/office/drawing/2014/main" xmlns="" id="{235D1E7E-1754-3641-878F-BE7749996731}"/>
+                <a16:creationId xmlns="" xmlns:a16="http://schemas.microsoft.com/office/drawing/2014/main" id="{235D1E7E-1754-3641-878F-BE7749996731}"/>
               </a:ext>
             </a:extLst>
           </p:cNvPr>
@@ -609,7 +610,7 @@
           <p:cNvPr id="5" name="Espace réservé des commentaires 4">
             <a:extLst>
               <a:ext uri="{FF2B5EF4-FFF2-40B4-BE49-F238E27FC236}">
-                <a16:creationId xmlns:a16="http://schemas.microsoft.com/office/drawing/2014/main" xmlns="" id="{4A046B4D-F677-3A4A-9A54-2108A90395A3}"/>
+                <a16:creationId xmlns="" xmlns:a16="http://schemas.microsoft.com/office/drawing/2014/main" id="{4A046B4D-F677-3A4A-9A54-2108A90395A3}"/>
               </a:ext>
             </a:extLst>
           </p:cNvPr>
@@ -679,7 +680,7 @@
           <p:cNvPr id="6" name="Espace réservé du pied de page 5">
             <a:extLst>
               <a:ext uri="{FF2B5EF4-FFF2-40B4-BE49-F238E27FC236}">
-                <a16:creationId xmlns:a16="http://schemas.microsoft.com/office/drawing/2014/main" xmlns="" id="{C64E5D71-4987-744A-AA33-959CF89890FE}"/>
+                <a16:creationId xmlns="" xmlns:a16="http://schemas.microsoft.com/office/drawing/2014/main" id="{C64E5D71-4987-744A-AA33-959CF89890FE}"/>
               </a:ext>
             </a:extLst>
           </p:cNvPr>
@@ -723,7 +724,7 @@
           <p:cNvPr id="7" name="Espace réservé du numéro de diapositive 6">
             <a:extLst>
               <a:ext uri="{FF2B5EF4-FFF2-40B4-BE49-F238E27FC236}">
-                <a16:creationId xmlns:a16="http://schemas.microsoft.com/office/drawing/2014/main" xmlns="" id="{605EF121-2A48-9645-BD74-2E892ADA1351}"/>
+                <a16:creationId xmlns="" xmlns:a16="http://schemas.microsoft.com/office/drawing/2014/main" id="{605EF121-2A48-9645-BD74-2E892ADA1351}"/>
               </a:ext>
             </a:extLst>
           </p:cNvPr>
@@ -1048,7 +1049,7 @@
           <p:cNvPr id="2" name="Rectangle 2">
             <a:extLst>
               <a:ext uri="{FF2B5EF4-FFF2-40B4-BE49-F238E27FC236}">
-                <a16:creationId xmlns:a16="http://schemas.microsoft.com/office/drawing/2014/main" xmlns="" id="{805280BA-D4E5-884B-BA08-3871D8D5E3DF}"/>
+                <a16:creationId xmlns="" xmlns:a16="http://schemas.microsoft.com/office/drawing/2014/main" id="{805280BA-D4E5-884B-BA08-3871D8D5E3DF}"/>
               </a:ext>
             </a:extLst>
           </p:cNvPr>
@@ -1094,7 +1095,7 @@
           <p:cNvPr id="3" name="Rectangle 3">
             <a:extLst>
               <a:ext uri="{FF2B5EF4-FFF2-40B4-BE49-F238E27FC236}">
-                <a16:creationId xmlns:a16="http://schemas.microsoft.com/office/drawing/2014/main" xmlns="" id="{E4DD9B8A-C579-D043-A90E-F85E3BAAF117}"/>
+                <a16:creationId xmlns="" xmlns:a16="http://schemas.microsoft.com/office/drawing/2014/main" id="{E4DD9B8A-C579-D043-A90E-F85E3BAAF117}"/>
               </a:ext>
             </a:extLst>
           </p:cNvPr>
@@ -1280,7 +1281,7 @@
           <p:cNvPr id="4" name="Rectangle 6">
             <a:extLst>
               <a:ext uri="{FF2B5EF4-FFF2-40B4-BE49-F238E27FC236}">
-                <a16:creationId xmlns:a16="http://schemas.microsoft.com/office/drawing/2014/main" xmlns="" id="{FD95D089-71B6-2049-A638-C5ACEFE2B0E2}"/>
+                <a16:creationId xmlns="" xmlns:a16="http://schemas.microsoft.com/office/drawing/2014/main" id="{FD95D089-71B6-2049-A638-C5ACEFE2B0E2}"/>
               </a:ext>
             </a:extLst>
           </p:cNvPr>
@@ -1355,7 +1356,7 @@
           <p:cNvPr id="2" name="Rectangle 6">
             <a:extLst>
               <a:ext uri="{FF2B5EF4-FFF2-40B4-BE49-F238E27FC236}">
-                <a16:creationId xmlns:a16="http://schemas.microsoft.com/office/drawing/2014/main" xmlns="" id="{EAD6387B-1425-7047-931A-4FF9D6AFC3F4}"/>
+                <a16:creationId xmlns="" xmlns:a16="http://schemas.microsoft.com/office/drawing/2014/main" id="{EAD6387B-1425-7047-931A-4FF9D6AFC3F4}"/>
               </a:ext>
             </a:extLst>
           </p:cNvPr>
@@ -1400,7 +1401,7 @@
           <p:cNvPr id="4" name="Espace réservé du contenu 2">
             <a:extLst>
               <a:ext uri="{FF2B5EF4-FFF2-40B4-BE49-F238E27FC236}">
-                <a16:creationId xmlns:a16="http://schemas.microsoft.com/office/drawing/2014/main" xmlns="" id="{D9694374-1ECE-D046-BA62-7CFF281555BA}"/>
+                <a16:creationId xmlns="" xmlns:a16="http://schemas.microsoft.com/office/drawing/2014/main" id="{D9694374-1ECE-D046-BA62-7CFF281555BA}"/>
               </a:ext>
             </a:extLst>
           </p:cNvPr>
@@ -1467,7 +1468,7 @@
           <p:cNvPr id="5" name="Rectangle 2">
             <a:extLst>
               <a:ext uri="{FF2B5EF4-FFF2-40B4-BE49-F238E27FC236}">
-                <a16:creationId xmlns:a16="http://schemas.microsoft.com/office/drawing/2014/main" xmlns="" id="{5E98F860-71BA-C849-9614-EDA80DF350E1}"/>
+                <a16:creationId xmlns="" xmlns:a16="http://schemas.microsoft.com/office/drawing/2014/main" id="{5E98F860-71BA-C849-9614-EDA80DF350E1}"/>
               </a:ext>
             </a:extLst>
           </p:cNvPr>
@@ -1568,7 +1569,7 @@
           <p:cNvPr id="3" name="Rectangle 3">
             <a:extLst>
               <a:ext uri="{FF2B5EF4-FFF2-40B4-BE49-F238E27FC236}">
-                <a16:creationId xmlns:a16="http://schemas.microsoft.com/office/drawing/2014/main" xmlns="" id="{3F91709A-AC11-BE4A-A166-6E75E802938F}"/>
+                <a16:creationId xmlns="" xmlns:a16="http://schemas.microsoft.com/office/drawing/2014/main" id="{3F91709A-AC11-BE4A-A166-6E75E802938F}"/>
               </a:ext>
             </a:extLst>
           </p:cNvPr>
@@ -2114,7 +2115,7 @@
           <p:cNvPr id="1027" name="Rectangle 2">
             <a:extLst>
               <a:ext uri="{FF2B5EF4-FFF2-40B4-BE49-F238E27FC236}">
-                <a16:creationId xmlns:a16="http://schemas.microsoft.com/office/drawing/2014/main" xmlns="" id="{988116C6-1EEC-AB49-8F6C-0D2306B519A3}"/>
+                <a16:creationId xmlns="" xmlns:a16="http://schemas.microsoft.com/office/drawing/2014/main" id="{988116C6-1EEC-AB49-8F6C-0D2306B519A3}"/>
               </a:ext>
             </a:extLst>
           </p:cNvPr>
@@ -2185,7 +2186,7 @@
           <p:cNvPr id="1028" name="Rectangle 3">
             <a:extLst>
               <a:ext uri="{FF2B5EF4-FFF2-40B4-BE49-F238E27FC236}">
-                <a16:creationId xmlns:a16="http://schemas.microsoft.com/office/drawing/2014/main" xmlns="" id="{DFF316A8-DEA8-6649-ACFC-8CE1338F38CE}"/>
+                <a16:creationId xmlns="" xmlns:a16="http://schemas.microsoft.com/office/drawing/2014/main" id="{DFF316A8-DEA8-6649-ACFC-8CE1338F38CE}"/>
               </a:ext>
             </a:extLst>
           </p:cNvPr>
@@ -2263,7 +2264,7 @@
           <p:cNvPr id="1030" name="Rectangle 6">
             <a:extLst>
               <a:ext uri="{FF2B5EF4-FFF2-40B4-BE49-F238E27FC236}">
-                <a16:creationId xmlns:a16="http://schemas.microsoft.com/office/drawing/2014/main" xmlns="" id="{015A9C91-5968-1B46-9629-80463EDB329F}"/>
+                <a16:creationId xmlns="" xmlns:a16="http://schemas.microsoft.com/office/drawing/2014/main" id="{015A9C91-5968-1B46-9629-80463EDB329F}"/>
               </a:ext>
             </a:extLst>
           </p:cNvPr>
@@ -2767,7 +2768,7 @@
           <p:cNvPr id="2" name="Titre 1">
             <a:extLst>
               <a:ext uri="{FF2B5EF4-FFF2-40B4-BE49-F238E27FC236}">
-                <a16:creationId xmlns:a16="http://schemas.microsoft.com/office/drawing/2014/main" xmlns="" id="{B25FEF62-DBB7-2A48-8198-C132DC947FA7}"/>
+                <a16:creationId xmlns="" xmlns:a16="http://schemas.microsoft.com/office/drawing/2014/main" id="{B25FEF62-DBB7-2A48-8198-C132DC947FA7}"/>
               </a:ext>
             </a:extLst>
           </p:cNvPr>
@@ -2884,22 +2885,7 @@
                   </a:outerShdw>
                 </a:effectLst>
               </a:rPr>
-              <a:t>Planification forestière à l’aide Machine </a:t>
-            </a:r>
-            <a:r>
-              <a:rPr lang="fr-CA" sz="4400" b="1" dirty="0" smtClean="0">
-                <a:solidFill>
-                  <a:schemeClr val="bg1"/>
-                </a:solidFill>
-                <a:effectLst>
-                  <a:outerShdw blurRad="38100" dist="38100" dir="2700000" algn="tl">
-                    <a:srgbClr val="000000">
-                      <a:alpha val="43137"/>
-                    </a:srgbClr>
-                  </a:outerShdw>
-                </a:effectLst>
-              </a:rPr>
-              <a:t>Learning</a:t>
+              <a:t>Planification forestière à l’aide Machine Learning</a:t>
             </a:r>
           </a:p>
         </p:txBody>
@@ -3104,7 +3090,7 @@
           <p:cNvPr id="10241" name="Rectangle 2">
             <a:extLst>
               <a:ext uri="{FF2B5EF4-FFF2-40B4-BE49-F238E27FC236}">
-                <a16:creationId xmlns:a16="http://schemas.microsoft.com/office/drawing/2014/main" xmlns="" id="{2C64CE8F-6DC1-7B46-AA41-065734F9FFFA}"/>
+                <a16:creationId xmlns="" xmlns:a16="http://schemas.microsoft.com/office/drawing/2014/main" id="{2C64CE8F-6DC1-7B46-AA41-065734F9FFFA}"/>
               </a:ext>
             </a:extLst>
           </p:cNvPr>
@@ -3149,7 +3135,7 @@
           <p:cNvPr id="10243" name="Espace réservé du numéro de diapositive 1">
             <a:extLst>
               <a:ext uri="{FF2B5EF4-FFF2-40B4-BE49-F238E27FC236}">
-                <a16:creationId xmlns:a16="http://schemas.microsoft.com/office/drawing/2014/main" xmlns="" id="{A32D7E7E-5EC9-B640-8806-5F060AD25EEB}"/>
+                <a16:creationId xmlns="" xmlns:a16="http://schemas.microsoft.com/office/drawing/2014/main" id="{A32D7E7E-5EC9-B640-8806-5F060AD25EEB}"/>
               </a:ext>
             </a:extLst>
           </p:cNvPr>
@@ -3397,7 +3383,7 @@
           </a:scene3d>
           <a:extLst>
             <a:ext uri="{AF507438-7753-43e0-B8FC-AC1667EBCBE1}">
-              <a14:hiddenEffects xmlns="" xmlns:a14="http://schemas.microsoft.com/office/drawing/2010/main">
+              <a14:hiddenEffects xmlns:a14="http://schemas.microsoft.com/office/drawing/2010/main" xmlns="">
                 <a:effectLst>
                   <a:outerShdw blurRad="63500" dist="38099" dir="2700000" algn="ctr" rotWithShape="0">
                     <a:schemeClr val="bg2">
@@ -3475,7 +3461,7 @@
           <a:effectLst/>
           <a:extLst>
             <a:ext uri="{AF507438-7753-43e0-B8FC-AC1667EBCBE1}">
-              <a14:hiddenEffects xmlns="" xmlns:a14="http://schemas.microsoft.com/office/drawing/2010/main">
+              <a14:hiddenEffects xmlns:a14="http://schemas.microsoft.com/office/drawing/2010/main" xmlns="">
                 <a:effectLst>
                   <a:outerShdw blurRad="63500" dist="38099" dir="2700000" algn="ctr" rotWithShape="0">
                     <a:schemeClr val="bg2">
@@ -3553,7 +3539,7 @@
           <a:effectLst/>
           <a:extLst>
             <a:ext uri="{AF507438-7753-43e0-B8FC-AC1667EBCBE1}">
-              <a14:hiddenEffects xmlns="" xmlns:a14="http://schemas.microsoft.com/office/drawing/2010/main">
+              <a14:hiddenEffects xmlns:a14="http://schemas.microsoft.com/office/drawing/2010/main" xmlns="">
                 <a:effectLst>
                   <a:outerShdw blurRad="63500" dist="38099" dir="2700000" algn="ctr" rotWithShape="0">
                     <a:schemeClr val="bg2">
@@ -3631,7 +3617,7 @@
           <a:effectLst/>
           <a:extLst>
             <a:ext uri="{AF507438-7753-43e0-B8FC-AC1667EBCBE1}">
-              <a14:hiddenEffects xmlns="" xmlns:a14="http://schemas.microsoft.com/office/drawing/2010/main">
+              <a14:hiddenEffects xmlns:a14="http://schemas.microsoft.com/office/drawing/2010/main" xmlns="">
                 <a:effectLst>
                   <a:outerShdw blurRad="63500" dist="38099" dir="2700000" algn="ctr" rotWithShape="0">
                     <a:schemeClr val="bg2">
@@ -3709,7 +3695,7 @@
           <a:effectLst/>
           <a:extLst>
             <a:ext uri="{AF507438-7753-43e0-B8FC-AC1667EBCBE1}">
-              <a14:hiddenEffects xmlns="" xmlns:a14="http://schemas.microsoft.com/office/drawing/2010/main">
+              <a14:hiddenEffects xmlns:a14="http://schemas.microsoft.com/office/drawing/2010/main" xmlns="">
                 <a:effectLst>
                   <a:outerShdw blurRad="63500" dist="38099" dir="2700000" algn="ctr" rotWithShape="0">
                     <a:schemeClr val="bg2">
@@ -3787,7 +3773,7 @@
           <a:effectLst/>
           <a:extLst>
             <a:ext uri="{AF507438-7753-43e0-B8FC-AC1667EBCBE1}">
-              <a14:hiddenEffects xmlns="" xmlns:a14="http://schemas.microsoft.com/office/drawing/2010/main">
+              <a14:hiddenEffects xmlns:a14="http://schemas.microsoft.com/office/drawing/2010/main" xmlns="">
                 <a:effectLst>
                   <a:outerShdw blurRad="63500" dist="38099" dir="2700000" algn="ctr" rotWithShape="0">
                     <a:schemeClr val="bg2">
@@ -3865,7 +3851,7 @@
           <a:effectLst/>
           <a:extLst>
             <a:ext uri="{AF507438-7753-43e0-B8FC-AC1667EBCBE1}">
-              <a14:hiddenEffects xmlns="" xmlns:a14="http://schemas.microsoft.com/office/drawing/2010/main">
+              <a14:hiddenEffects xmlns:a14="http://schemas.microsoft.com/office/drawing/2010/main" xmlns="">
                 <a:effectLst>
                   <a:outerShdw blurRad="63500" dist="38099" dir="2700000" algn="ctr" rotWithShape="0">
                     <a:schemeClr val="bg2">
@@ -3943,7 +3929,7 @@
           <a:effectLst/>
           <a:extLst>
             <a:ext uri="{AF507438-7753-43e0-B8FC-AC1667EBCBE1}">
-              <a14:hiddenEffects xmlns="" xmlns:a14="http://schemas.microsoft.com/office/drawing/2010/main">
+              <a14:hiddenEffects xmlns:a14="http://schemas.microsoft.com/office/drawing/2010/main" xmlns="">
                 <a:effectLst>
                   <a:outerShdw blurRad="63500" dist="38099" dir="2700000" algn="ctr" rotWithShape="0">
                     <a:schemeClr val="bg2">
@@ -4021,7 +4007,7 @@
           <a:effectLst/>
           <a:extLst>
             <a:ext uri="{AF507438-7753-43e0-B8FC-AC1667EBCBE1}">
-              <a14:hiddenEffects xmlns="" xmlns:a14="http://schemas.microsoft.com/office/drawing/2010/main">
+              <a14:hiddenEffects xmlns:a14="http://schemas.microsoft.com/office/drawing/2010/main" xmlns="">
                 <a:effectLst>
                   <a:outerShdw blurRad="63500" dist="38099" dir="2700000" algn="ctr" rotWithShape="0">
                     <a:schemeClr val="bg2">
@@ -4099,7 +4085,7 @@
           <a:effectLst/>
           <a:extLst>
             <a:ext uri="{AF507438-7753-43e0-B8FC-AC1667EBCBE1}">
-              <a14:hiddenEffects xmlns="" xmlns:a14="http://schemas.microsoft.com/office/drawing/2010/main">
+              <a14:hiddenEffects xmlns:a14="http://schemas.microsoft.com/office/drawing/2010/main" xmlns="">
                 <a:effectLst>
                   <a:outerShdw blurRad="63500" dist="38099" dir="2700000" algn="ctr" rotWithShape="0">
                     <a:schemeClr val="bg2">
@@ -4177,7 +4163,7 @@
           <a:effectLst/>
           <a:extLst>
             <a:ext uri="{AF507438-7753-43e0-B8FC-AC1667EBCBE1}">
-              <a14:hiddenEffects xmlns="" xmlns:a14="http://schemas.microsoft.com/office/drawing/2010/main">
+              <a14:hiddenEffects xmlns:a14="http://schemas.microsoft.com/office/drawing/2010/main" xmlns="">
                 <a:effectLst>
                   <a:outerShdw blurRad="63500" dist="38099" dir="2700000" algn="ctr" rotWithShape="0">
                     <a:schemeClr val="bg2">
@@ -4255,7 +4241,7 @@
           <a:effectLst/>
           <a:extLst>
             <a:ext uri="{AF507438-7753-43e0-B8FC-AC1667EBCBE1}">
-              <a14:hiddenEffects xmlns="" xmlns:a14="http://schemas.microsoft.com/office/drawing/2010/main">
+              <a14:hiddenEffects xmlns:a14="http://schemas.microsoft.com/office/drawing/2010/main" xmlns="">
                 <a:effectLst>
                   <a:outerShdw blurRad="63500" dist="38099" dir="2700000" algn="ctr" rotWithShape="0">
                     <a:schemeClr val="bg2">
@@ -4333,7 +4319,7 @@
           <a:effectLst/>
           <a:extLst>
             <a:ext uri="{AF507438-7753-43e0-B8FC-AC1667EBCBE1}">
-              <a14:hiddenEffects xmlns="" xmlns:a14="http://schemas.microsoft.com/office/drawing/2010/main">
+              <a14:hiddenEffects xmlns:a14="http://schemas.microsoft.com/office/drawing/2010/main" xmlns="">
                 <a:effectLst>
                   <a:outerShdw blurRad="63500" dist="38099" dir="2700000" algn="ctr" rotWithShape="0">
                     <a:schemeClr val="bg2">
@@ -4411,7 +4397,7 @@
           <a:effectLst/>
           <a:extLst>
             <a:ext uri="{AF507438-7753-43e0-B8FC-AC1667EBCBE1}">
-              <a14:hiddenEffects xmlns="" xmlns:a14="http://schemas.microsoft.com/office/drawing/2010/main">
+              <a14:hiddenEffects xmlns:a14="http://schemas.microsoft.com/office/drawing/2010/main" xmlns="">
                 <a:effectLst>
                   <a:outerShdw blurRad="63500" dist="38099" dir="2700000" algn="ctr" rotWithShape="0">
                     <a:schemeClr val="bg2">
@@ -4489,7 +4475,7 @@
           <a:effectLst/>
           <a:extLst>
             <a:ext uri="{AF507438-7753-43e0-B8FC-AC1667EBCBE1}">
-              <a14:hiddenEffects xmlns="" xmlns:a14="http://schemas.microsoft.com/office/drawing/2010/main">
+              <a14:hiddenEffects xmlns:a14="http://schemas.microsoft.com/office/drawing/2010/main" xmlns="">
                 <a:effectLst>
                   <a:outerShdw blurRad="63500" dist="38099" dir="2700000" algn="ctr" rotWithShape="0">
                     <a:schemeClr val="bg2">
@@ -4567,7 +4553,7 @@
           <a:effectLst/>
           <a:extLst>
             <a:ext uri="{AF507438-7753-43e0-B8FC-AC1667EBCBE1}">
-              <a14:hiddenEffects xmlns="" xmlns:a14="http://schemas.microsoft.com/office/drawing/2010/main">
+              <a14:hiddenEffects xmlns:a14="http://schemas.microsoft.com/office/drawing/2010/main" xmlns="">
                 <a:effectLst>
                   <a:outerShdw blurRad="63500" dist="38099" dir="2700000" algn="ctr" rotWithShape="0">
                     <a:schemeClr val="bg2">
@@ -4645,7 +4631,7 @@
           <a:effectLst/>
           <a:extLst>
             <a:ext uri="{AF507438-7753-43e0-B8FC-AC1667EBCBE1}">
-              <a14:hiddenEffects xmlns="" xmlns:a14="http://schemas.microsoft.com/office/drawing/2010/main">
+              <a14:hiddenEffects xmlns:a14="http://schemas.microsoft.com/office/drawing/2010/main" xmlns="">
                 <a:effectLst>
                   <a:outerShdw blurRad="63500" dist="38099" dir="2700000" algn="ctr" rotWithShape="0">
                     <a:schemeClr val="bg2">
@@ -4723,7 +4709,7 @@
           <a:effectLst/>
           <a:extLst>
             <a:ext uri="{AF507438-7753-43e0-B8FC-AC1667EBCBE1}">
-              <a14:hiddenEffects xmlns="" xmlns:a14="http://schemas.microsoft.com/office/drawing/2010/main">
+              <a14:hiddenEffects xmlns:a14="http://schemas.microsoft.com/office/drawing/2010/main" xmlns="">
                 <a:effectLst>
                   <a:outerShdw blurRad="63500" dist="38099" dir="2700000" algn="ctr" rotWithShape="0">
                     <a:schemeClr val="bg2">
@@ -4801,7 +4787,7 @@
           <a:effectLst/>
           <a:extLst>
             <a:ext uri="{AF507438-7753-43e0-B8FC-AC1667EBCBE1}">
-              <a14:hiddenEffects xmlns="" xmlns:a14="http://schemas.microsoft.com/office/drawing/2010/main">
+              <a14:hiddenEffects xmlns:a14="http://schemas.microsoft.com/office/drawing/2010/main" xmlns="">
                 <a:effectLst>
                   <a:outerShdw blurRad="63500" dist="38099" dir="2700000" algn="ctr" rotWithShape="0">
                     <a:schemeClr val="bg2">
@@ -4879,7 +4865,7 @@
           <a:effectLst/>
           <a:extLst>
             <a:ext uri="{AF507438-7753-43e0-B8FC-AC1667EBCBE1}">
-              <a14:hiddenEffects xmlns="" xmlns:a14="http://schemas.microsoft.com/office/drawing/2010/main">
+              <a14:hiddenEffects xmlns:a14="http://schemas.microsoft.com/office/drawing/2010/main" xmlns="">
                 <a:effectLst>
                   <a:outerShdw blurRad="63500" dist="38099" dir="2700000" algn="ctr" rotWithShape="0">
                     <a:schemeClr val="bg2">
@@ -4957,7 +4943,7 @@
           <a:effectLst/>
           <a:extLst>
             <a:ext uri="{AF507438-7753-43e0-B8FC-AC1667EBCBE1}">
-              <a14:hiddenEffects xmlns="" xmlns:a14="http://schemas.microsoft.com/office/drawing/2010/main">
+              <a14:hiddenEffects xmlns:a14="http://schemas.microsoft.com/office/drawing/2010/main" xmlns="">
                 <a:effectLst>
                   <a:outerShdw blurRad="63500" dist="38099" dir="2700000" algn="ctr" rotWithShape="0">
                     <a:schemeClr val="bg2">
@@ -5038,7 +5024,6 @@
               <a:rPr lang="fr-CA" dirty="0" smtClean="0"/>
               <a:t>Bilan de l’écosystème:</a:t>
             </a:r>
-            <a:endParaRPr lang="fr-CA" dirty="0" smtClean="0"/>
           </a:p>
           <a:p>
             <a:pPr marL="1257300" lvl="2" indent="-342900">
@@ -5059,7 +5044,6 @@
               <a:rPr lang="fr-CA" dirty="0" smtClean="0"/>
               <a:t>Productivité net</a:t>
             </a:r>
-            <a:endParaRPr lang="fr-CA" dirty="0" smtClean="0"/>
           </a:p>
         </p:txBody>
       </p:sp>
@@ -5373,7 +5357,7 @@
           <p:cNvPr id="10241" name="Rectangle 2">
             <a:extLst>
               <a:ext uri="{FF2B5EF4-FFF2-40B4-BE49-F238E27FC236}">
-                <a16:creationId xmlns:a16="http://schemas.microsoft.com/office/drawing/2014/main" xmlns="" id="{2C64CE8F-6DC1-7B46-AA41-065734F9FFFA}"/>
+                <a16:creationId xmlns="" xmlns:a16="http://schemas.microsoft.com/office/drawing/2014/main" id="{2C64CE8F-6DC1-7B46-AA41-065734F9FFFA}"/>
               </a:ext>
             </a:extLst>
           </p:cNvPr>
@@ -5407,7 +5391,11 @@
             </a:br>
             <a:r>
               <a:rPr lang="fr-CA" dirty="0" smtClean="0"/>
-              <a:t>Objectif: Calcul du Bilan</a:t>
+              <a:t>Objectif: </a:t>
+            </a:r>
+            <a:r>
+              <a:rPr lang="fr-CA" dirty="0" smtClean="0"/>
+              <a:t>Son utilisation</a:t>
             </a:r>
             <a:endParaRPr lang="fr-CA" altLang="fr-FR" dirty="0"/>
           </a:p>
@@ -5418,7 +5406,7 @@
           <p:cNvPr id="10243" name="Espace réservé du numéro de diapositive 1">
             <a:extLst>
               <a:ext uri="{FF2B5EF4-FFF2-40B4-BE49-F238E27FC236}">
-                <a16:creationId xmlns:a16="http://schemas.microsoft.com/office/drawing/2014/main" xmlns="" id="{A32D7E7E-5EC9-B640-8806-5F060AD25EEB}"/>
+                <a16:creationId xmlns="" xmlns:a16="http://schemas.microsoft.com/office/drawing/2014/main" id="{A32D7E7E-5EC9-B640-8806-5F060AD25EEB}"/>
               </a:ext>
             </a:extLst>
           </p:cNvPr>
@@ -5629,16 +5617,144 @@
           </a:p>
         </p:txBody>
       </p:sp>
-      <p:sp>
-        <p:nvSpPr>
-          <p:cNvPr id="6" name="ZoneTexte 5"/>
+      <p:pic>
+        <p:nvPicPr>
+          <p:cNvPr id="5" name="Image 4"/>
+          <p:cNvPicPr>
+            <a:picLocks noChangeAspect="1"/>
+          </p:cNvPicPr>
+          <p:nvPr/>
+        </p:nvPicPr>
+        <p:blipFill>
+          <a:blip r:embed="rId3">
+            <a:extLst>
+              <a:ext uri="{28A0092B-C50C-407E-A947-70E740481C1C}">
+                <a14:useLocalDpi xmlns:a14="http://schemas.microsoft.com/office/drawing/2010/main" val="0"/>
+              </a:ext>
+            </a:extLst>
+          </a:blip>
+          <a:stretch>
+            <a:fillRect/>
+          </a:stretch>
+        </p:blipFill>
+        <p:spPr>
+          <a:xfrm>
+            <a:off x="3407025" y="1339814"/>
+            <a:ext cx="1464840" cy="1201169"/>
+          </a:xfrm>
+          <a:prstGeom prst="rect">
+            <a:avLst/>
+          </a:prstGeom>
+        </p:spPr>
+      </p:pic>
+      <p:sp>
+        <p:nvSpPr>
+          <p:cNvPr id="8" name="Nuage 7"/>
+          <p:cNvSpPr/>
+          <p:nvPr/>
+        </p:nvSpPr>
+        <p:spPr bwMode="auto">
+          <a:xfrm>
+            <a:off x="4424314" y="3404094"/>
+            <a:ext cx="3127346" cy="904993"/>
+          </a:xfrm>
+          <a:prstGeom prst="cloud">
+            <a:avLst/>
+          </a:prstGeom>
+          <a:solidFill>
+            <a:schemeClr val="bg1"/>
+          </a:solidFill>
+          <a:ln w="9525" cap="flat" cmpd="sng" algn="ctr">
+            <a:solidFill>
+              <a:schemeClr val="tx1">
+                <a:lumMod val="65000"/>
+                <a:lumOff val="35000"/>
+              </a:schemeClr>
+            </a:solidFill>
+            <a:prstDash val="solid"/>
+            <a:round/>
+            <a:headEnd type="none" w="med" len="med"/>
+            <a:tailEnd type="none" w="med" len="med"/>
+          </a:ln>
+          <a:effectLst/>
+          <a:extLst>
+            <a:ext uri="{AF507438-7753-43e0-B8FC-AC1667EBCBE1}">
+              <a14:hiddenEffects xmlns:a14="http://schemas.microsoft.com/office/drawing/2010/main" xmlns="">
+                <a:effectLst>
+                  <a:outerShdw blurRad="63500" dist="38099" dir="2700000" algn="ctr" rotWithShape="0">
+                    <a:schemeClr val="bg2">
+                      <a:alpha val="74998"/>
+                    </a:schemeClr>
+                  </a:outerShdw>
+                </a:effectLst>
+              </a14:hiddenEffects>
+            </a:ext>
+          </a:extLst>
+        </p:spPr>
+        <p:txBody>
+          <a:bodyPr vert="horz" wrap="square" lIns="91440" tIns="45720" rIns="91440" bIns="45720" numCol="1" rtlCol="0" anchor="t" anchorCtr="0" compatLnSpc="1">
+            <a:prstTxWarp prst="textNoShape">
+              <a:avLst/>
+            </a:prstTxWarp>
+          </a:bodyPr>
+          <a:lstStyle/>
+          <a:p>
+            <a:pPr marL="0" marR="0" indent="0" algn="ctr" defTabSz="914400" rtl="0" eaLnBrk="0" fontAlgn="base" latinLnBrk="0" hangingPunct="0">
+              <a:lnSpc>
+                <a:spcPct val="100000"/>
+              </a:lnSpc>
+              <a:spcBef>
+                <a:spcPct val="0"/>
+              </a:spcBef>
+              <a:spcAft>
+                <a:spcPct val="0"/>
+              </a:spcAft>
+              <a:buClrTx/>
+              <a:buSzTx/>
+              <a:buFontTx/>
+              <a:buNone/>
+              <a:tabLst/>
+            </a:pPr>
+            <a:r>
+              <a:rPr kumimoji="0" lang="fr-CA" sz="1600" b="0" i="0" u="none" strike="noStrike" cap="none" normalizeH="0" baseline="0" dirty="0" smtClean="0">
+                <a:ln>
+                  <a:noFill/>
+                </a:ln>
+                <a:solidFill>
+                  <a:srgbClr val="000000"/>
+                </a:solidFill>
+                <a:effectLst/>
+                <a:latin typeface="Arial" charset="0"/>
+                <a:ea typeface="ヒラギノ角ゴ Pro W3" charset="0"/>
+                <a:cs typeface="ヒラギノ角ゴ Pro W3" charset="0"/>
+              </a:rPr>
+              <a:t>Bilan de carbone</a:t>
+            </a:r>
+            <a:endParaRPr kumimoji="0" lang="en-CA" sz="1600" b="0" i="0" u="none" strike="noStrike" cap="none" normalizeH="0" baseline="-25000" dirty="0">
+              <a:ln>
+                <a:noFill/>
+              </a:ln>
+              <a:solidFill>
+                <a:srgbClr val="000000"/>
+              </a:solidFill>
+              <a:effectLst/>
+              <a:latin typeface="Arial" charset="0"/>
+              <a:ea typeface="ヒラギノ角ゴ Pro W3" charset="0"/>
+              <a:cs typeface="ヒラギノ角ゴ Pro W3" charset="0"/>
+            </a:endParaRPr>
+          </a:p>
+        </p:txBody>
+      </p:sp>
+      <p:sp>
+        <p:nvSpPr>
+          <p:cNvPr id="2" name="ZoneTexte 1"/>
           <p:cNvSpPr txBox="1"/>
           <p:nvPr/>
         </p:nvSpPr>
         <p:spPr>
           <a:xfrm>
-            <a:off x="237121" y="1133128"/>
-            <a:ext cx="10945216" cy="1200329"/>
+            <a:off x="5015880" y="1700807"/>
+            <a:ext cx="635091" cy="461665"/>
           </a:xfrm>
           <a:prstGeom prst="rect">
             <a:avLst/>
@@ -5651,13 +5767,469 @@
           </a:bodyPr>
           <a:lstStyle/>
           <a:p>
+            <a:pPr algn="ctr"/>
+            <a:r>
+              <a:rPr lang="fr-CA" dirty="0" smtClean="0"/>
+              <a:t>+</a:t>
+            </a:r>
+            <a:endParaRPr lang="en-CA" dirty="0"/>
+          </a:p>
+        </p:txBody>
+      </p:sp>
+      <p:sp>
+        <p:nvSpPr>
+          <p:cNvPr id="3" name="Rectangle 2"/>
+          <p:cNvSpPr/>
+          <p:nvPr/>
+        </p:nvSpPr>
+        <p:spPr bwMode="auto">
+          <a:xfrm>
+            <a:off x="3071664" y="1196752"/>
+            <a:ext cx="5832648" cy="1440160"/>
+          </a:xfrm>
+          <a:prstGeom prst="rect">
+            <a:avLst/>
+          </a:prstGeom>
+          <a:noFill/>
+          <a:ln w="9525" cap="flat" cmpd="sng" algn="ctr">
+            <a:solidFill>
+              <a:schemeClr val="tx1"/>
+            </a:solidFill>
+            <a:prstDash val="solid"/>
+            <a:round/>
+            <a:headEnd type="none" w="med" len="med"/>
+            <a:tailEnd type="none" w="med" len="med"/>
+          </a:ln>
+          <a:effectLst/>
+          <a:extLst>
+            <a:ext uri="{AF507438-7753-43e0-B8FC-AC1667EBCBE1}">
+              <a14:hiddenEffects xmlns:a14="http://schemas.microsoft.com/office/drawing/2010/main" xmlns="">
+                <a:effectLst>
+                  <a:outerShdw blurRad="63500" dist="38099" dir="2700000" algn="ctr" rotWithShape="0">
+                    <a:schemeClr val="bg2">
+                      <a:alpha val="74998"/>
+                    </a:schemeClr>
+                  </a:outerShdw>
+                </a:effectLst>
+              </a14:hiddenEffects>
+            </a:ext>
+          </a:extLst>
+        </p:spPr>
+        <p:txBody>
+          <a:bodyPr vert="horz" wrap="square" lIns="91440" tIns="45720" rIns="91440" bIns="45720" numCol="1" rtlCol="0" anchor="t" anchorCtr="0" compatLnSpc="1">
+            <a:prstTxWarp prst="textNoShape">
+              <a:avLst/>
+            </a:prstTxWarp>
+          </a:bodyPr>
+          <a:lstStyle/>
+          <a:p>
+            <a:pPr marL="0" marR="0" indent="0" algn="l" defTabSz="914400" rtl="0" eaLnBrk="0" fontAlgn="base" latinLnBrk="0" hangingPunct="0">
+              <a:lnSpc>
+                <a:spcPct val="100000"/>
+              </a:lnSpc>
+              <a:spcBef>
+                <a:spcPct val="0"/>
+              </a:spcBef>
+              <a:spcAft>
+                <a:spcPct val="0"/>
+              </a:spcAft>
+              <a:buClrTx/>
+              <a:buSzTx/>
+              <a:buFontTx/>
+              <a:buNone/>
+              <a:tabLst/>
+            </a:pPr>
+            <a:endParaRPr kumimoji="0" lang="en-CA" sz="2400" b="0" i="0" u="none" strike="noStrike" cap="none" normalizeH="0" baseline="0">
+              <a:ln>
+                <a:noFill/>
+              </a:ln>
+              <a:solidFill>
+                <a:srgbClr val="000000"/>
+              </a:solidFill>
+              <a:effectLst/>
+              <a:latin typeface="Arial" charset="0"/>
+              <a:ea typeface="ヒラギノ角ゴ Pro W3" charset="0"/>
+              <a:cs typeface="ヒラギノ角ゴ Pro W3" charset="0"/>
+            </a:endParaRPr>
+          </a:p>
+        </p:txBody>
+      </p:sp>
+      <p:sp>
+        <p:nvSpPr>
+          <p:cNvPr id="10" name="Flèche vers le bas 9"/>
+          <p:cNvSpPr/>
+          <p:nvPr/>
+        </p:nvSpPr>
+        <p:spPr bwMode="auto">
+          <a:xfrm>
+            <a:off x="5742733" y="2636911"/>
+            <a:ext cx="490509" cy="772513"/>
+          </a:xfrm>
+          <a:prstGeom prst="downArrow">
+            <a:avLst/>
+          </a:prstGeom>
+          <a:solidFill>
+            <a:srgbClr val="0070C0"/>
+          </a:solidFill>
+          <a:ln w="9525" cap="flat" cmpd="sng" algn="ctr">
+            <a:noFill/>
+            <a:prstDash val="solid"/>
+            <a:round/>
+            <a:headEnd type="none" w="med" len="med"/>
+            <a:tailEnd type="none" w="med" len="med"/>
+          </a:ln>
+          <a:effectLst/>
+          <a:extLst>
+            <a:ext uri="{AF507438-7753-43e0-B8FC-AC1667EBCBE1}">
+              <a14:hiddenEffects xmlns:a14="http://schemas.microsoft.com/office/drawing/2010/main" xmlns="">
+                <a:effectLst>
+                  <a:outerShdw blurRad="63500" dist="38099" dir="2700000" algn="ctr" rotWithShape="0">
+                    <a:schemeClr val="bg2">
+                      <a:alpha val="74998"/>
+                    </a:schemeClr>
+                  </a:outerShdw>
+                </a:effectLst>
+              </a14:hiddenEffects>
+            </a:ext>
+          </a:extLst>
+        </p:spPr>
+        <p:txBody>
+          <a:bodyPr vert="horz" wrap="square" lIns="91440" tIns="45720" rIns="91440" bIns="45720" numCol="1" rtlCol="0" anchor="t" anchorCtr="0" compatLnSpc="1">
+            <a:prstTxWarp prst="textNoShape">
+              <a:avLst/>
+            </a:prstTxWarp>
+          </a:bodyPr>
+          <a:lstStyle/>
+          <a:p>
+            <a:pPr marL="0" marR="0" indent="0" algn="l" defTabSz="914400" rtl="0" eaLnBrk="0" fontAlgn="base" latinLnBrk="0" hangingPunct="0">
+              <a:lnSpc>
+                <a:spcPct val="100000"/>
+              </a:lnSpc>
+              <a:spcBef>
+                <a:spcPct val="0"/>
+              </a:spcBef>
+              <a:spcAft>
+                <a:spcPct val="0"/>
+              </a:spcAft>
+              <a:buClrTx/>
+              <a:buSzTx/>
+              <a:buFontTx/>
+              <a:buNone/>
+              <a:tabLst/>
+            </a:pPr>
+            <a:endParaRPr kumimoji="0" lang="en-CA" sz="2400" b="0" i="0" u="none" strike="noStrike" cap="none" normalizeH="0" baseline="0">
+              <a:ln>
+                <a:noFill/>
+              </a:ln>
+              <a:solidFill>
+                <a:srgbClr val="000000"/>
+              </a:solidFill>
+              <a:effectLst/>
+              <a:latin typeface="Arial" charset="0"/>
+              <a:ea typeface="ヒラギノ角ゴ Pro W3" charset="0"/>
+              <a:cs typeface="ヒラギノ角ゴ Pro W3" charset="0"/>
+            </a:endParaRPr>
+          </a:p>
+        </p:txBody>
+      </p:sp>
+      <p:sp>
+        <p:nvSpPr>
+          <p:cNvPr id="11" name="Nuage 10"/>
+          <p:cNvSpPr/>
+          <p:nvPr/>
+        </p:nvSpPr>
+        <p:spPr bwMode="auto">
+          <a:xfrm>
+            <a:off x="5756993" y="1616735"/>
+            <a:ext cx="3127346" cy="904993"/>
+          </a:xfrm>
+          <a:prstGeom prst="cloud">
+            <a:avLst/>
+          </a:prstGeom>
+          <a:solidFill>
+            <a:schemeClr val="bg1"/>
+          </a:solidFill>
+          <a:ln w="9525" cap="flat" cmpd="sng" algn="ctr">
+            <a:solidFill>
+              <a:schemeClr val="tx1">
+                <a:lumMod val="65000"/>
+                <a:lumOff val="35000"/>
+              </a:schemeClr>
+            </a:solidFill>
+            <a:prstDash val="solid"/>
+            <a:round/>
+            <a:headEnd type="none" w="med" len="med"/>
+            <a:tailEnd type="none" w="med" len="med"/>
+          </a:ln>
+          <a:effectLst/>
+          <a:extLst>
+            <a:ext uri="{AF507438-7753-43e0-B8FC-AC1667EBCBE1}">
+              <a14:hiddenEffects xmlns:a14="http://schemas.microsoft.com/office/drawing/2010/main" xmlns="">
+                <a:effectLst>
+                  <a:outerShdw blurRad="63500" dist="38099" dir="2700000" algn="ctr" rotWithShape="0">
+                    <a:schemeClr val="bg2">
+                      <a:alpha val="74998"/>
+                    </a:schemeClr>
+                  </a:outerShdw>
+                </a:effectLst>
+              </a14:hiddenEffects>
+            </a:ext>
+          </a:extLst>
+        </p:spPr>
+        <p:txBody>
+          <a:bodyPr vert="horz" wrap="square" lIns="91440" tIns="45720" rIns="91440" bIns="45720" numCol="1" rtlCol="0" anchor="t" anchorCtr="0" compatLnSpc="1">
+            <a:prstTxWarp prst="textNoShape">
+              <a:avLst/>
+            </a:prstTxWarp>
+          </a:bodyPr>
+          <a:lstStyle/>
+          <a:p>
+            <a:pPr marL="0" marR="0" indent="0" algn="ctr" defTabSz="914400" rtl="0" eaLnBrk="0" fontAlgn="base" latinLnBrk="0" hangingPunct="0">
+              <a:lnSpc>
+                <a:spcPct val="100000"/>
+              </a:lnSpc>
+              <a:spcBef>
+                <a:spcPct val="0"/>
+              </a:spcBef>
+              <a:spcAft>
+                <a:spcPct val="0"/>
+              </a:spcAft>
+              <a:buClrTx/>
+              <a:buSzTx/>
+              <a:buFontTx/>
+              <a:buNone/>
+              <a:tabLst/>
+            </a:pPr>
+            <a:r>
+              <a:rPr kumimoji="0" lang="fr-CA" sz="1600" b="0" i="0" u="none" strike="noStrike" cap="none" normalizeH="0" baseline="0" dirty="0" err="1" smtClean="0">
+                <a:ln>
+                  <a:noFill/>
+                </a:ln>
+                <a:solidFill>
+                  <a:srgbClr val="000000"/>
+                </a:solidFill>
+                <a:effectLst/>
+                <a:latin typeface="Arial" charset="0"/>
+                <a:ea typeface="ヒラギノ角ゴ Pro W3" charset="0"/>
+                <a:cs typeface="ヒラギノ角ゴ Pro W3" charset="0"/>
+              </a:rPr>
+              <a:t>Multilayer</a:t>
+            </a:r>
+            <a:r>
+              <a:rPr kumimoji="0" lang="fr-CA" sz="1600" b="0" i="0" u="none" strike="noStrike" cap="none" normalizeH="0" baseline="0" dirty="0" smtClean="0">
+                <a:ln>
+                  <a:noFill/>
+                </a:ln>
+                <a:solidFill>
+                  <a:srgbClr val="000000"/>
+                </a:solidFill>
+                <a:effectLst/>
+                <a:latin typeface="Arial" charset="0"/>
+                <a:ea typeface="ヒラギノ角ゴ Pro W3" charset="0"/>
+                <a:cs typeface="ヒラギノ角ゴ Pro W3" charset="0"/>
+              </a:rPr>
+              <a:t> perceptron</a:t>
+            </a:r>
+            <a:endParaRPr kumimoji="0" lang="en-CA" sz="1600" b="0" i="0" u="none" strike="noStrike" cap="none" normalizeH="0" baseline="-25000" dirty="0">
+              <a:ln>
+                <a:noFill/>
+              </a:ln>
+              <a:solidFill>
+                <a:srgbClr val="000000"/>
+              </a:solidFill>
+              <a:effectLst/>
+              <a:latin typeface="Arial" charset="0"/>
+              <a:ea typeface="ヒラギノ角ゴ Pro W3" charset="0"/>
+              <a:cs typeface="ヒラギノ角ゴ Pro W3" charset="0"/>
+            </a:endParaRPr>
+          </a:p>
+        </p:txBody>
+      </p:sp>
+      <p:sp>
+        <p:nvSpPr>
+          <p:cNvPr id="12" name="Flèche vers le bas 11"/>
+          <p:cNvSpPr/>
+          <p:nvPr/>
+        </p:nvSpPr>
+        <p:spPr bwMode="auto">
+          <a:xfrm rot="3619873">
+            <a:off x="3618592" y="3666268"/>
+            <a:ext cx="490509" cy="1597667"/>
+          </a:xfrm>
+          <a:prstGeom prst="downArrow">
+            <a:avLst/>
+          </a:prstGeom>
+          <a:solidFill>
+            <a:srgbClr val="0070C0"/>
+          </a:solidFill>
+          <a:ln w="9525" cap="flat" cmpd="sng" algn="ctr">
+            <a:noFill/>
+            <a:prstDash val="solid"/>
+            <a:round/>
+            <a:headEnd type="none" w="med" len="med"/>
+            <a:tailEnd type="none" w="med" len="med"/>
+          </a:ln>
+          <a:effectLst/>
+          <a:extLst>
+            <a:ext uri="{AF507438-7753-43e0-B8FC-AC1667EBCBE1}">
+              <a14:hiddenEffects xmlns:a14="http://schemas.microsoft.com/office/drawing/2010/main" xmlns="">
+                <a:effectLst>
+                  <a:outerShdw blurRad="63500" dist="38099" dir="2700000" algn="ctr" rotWithShape="0">
+                    <a:schemeClr val="bg2">
+                      <a:alpha val="74998"/>
+                    </a:schemeClr>
+                  </a:outerShdw>
+                </a:effectLst>
+              </a14:hiddenEffects>
+            </a:ext>
+          </a:extLst>
+        </p:spPr>
+        <p:txBody>
+          <a:bodyPr vert="horz" wrap="square" lIns="91440" tIns="45720" rIns="91440" bIns="45720" numCol="1" rtlCol="0" anchor="t" anchorCtr="0" compatLnSpc="1">
+            <a:prstTxWarp prst="textNoShape">
+              <a:avLst/>
+            </a:prstTxWarp>
+          </a:bodyPr>
+          <a:lstStyle/>
+          <a:p>
+            <a:pPr marL="0" marR="0" indent="0" algn="l" defTabSz="914400" rtl="0" eaLnBrk="0" fontAlgn="base" latinLnBrk="0" hangingPunct="0">
+              <a:lnSpc>
+                <a:spcPct val="100000"/>
+              </a:lnSpc>
+              <a:spcBef>
+                <a:spcPct val="0"/>
+              </a:spcBef>
+              <a:spcAft>
+                <a:spcPct val="0"/>
+              </a:spcAft>
+              <a:buClrTx/>
+              <a:buSzTx/>
+              <a:buFontTx/>
+              <a:buNone/>
+              <a:tabLst/>
+            </a:pPr>
+            <a:endParaRPr kumimoji="0" lang="en-CA" sz="2400" b="0" i="0" u="none" strike="noStrike" cap="none" normalizeH="0" baseline="0">
+              <a:ln>
+                <a:noFill/>
+              </a:ln>
+              <a:solidFill>
+                <a:srgbClr val="000000"/>
+              </a:solidFill>
+              <a:effectLst/>
+              <a:latin typeface="Arial" charset="0"/>
+              <a:ea typeface="ヒラギノ角ゴ Pro W3" charset="0"/>
+              <a:cs typeface="ヒラギノ角ゴ Pro W3" charset="0"/>
+            </a:endParaRPr>
+          </a:p>
+        </p:txBody>
+      </p:sp>
+      <p:sp>
+        <p:nvSpPr>
+          <p:cNvPr id="14" name="Flèche vers le bas 13"/>
+          <p:cNvSpPr/>
+          <p:nvPr/>
+        </p:nvSpPr>
+        <p:spPr bwMode="auto">
+          <a:xfrm rot="18672921">
+            <a:off x="7843170" y="3649881"/>
+            <a:ext cx="490509" cy="1469371"/>
+          </a:xfrm>
+          <a:prstGeom prst="downArrow">
+            <a:avLst/>
+          </a:prstGeom>
+          <a:solidFill>
+            <a:srgbClr val="0070C0"/>
+          </a:solidFill>
+          <a:ln w="9525" cap="flat" cmpd="sng" algn="ctr">
+            <a:noFill/>
+            <a:prstDash val="solid"/>
+            <a:round/>
+            <a:headEnd type="none" w="med" len="med"/>
+            <a:tailEnd type="none" w="med" len="med"/>
+          </a:ln>
+          <a:effectLst/>
+          <a:extLst>
+            <a:ext uri="{AF507438-7753-43e0-B8FC-AC1667EBCBE1}">
+              <a14:hiddenEffects xmlns:a14="http://schemas.microsoft.com/office/drawing/2010/main" xmlns="">
+                <a:effectLst>
+                  <a:outerShdw blurRad="63500" dist="38099" dir="2700000" algn="ctr" rotWithShape="0">
+                    <a:schemeClr val="bg2">
+                      <a:alpha val="74998"/>
+                    </a:schemeClr>
+                  </a:outerShdw>
+                </a:effectLst>
+              </a14:hiddenEffects>
+            </a:ext>
+          </a:extLst>
+        </p:spPr>
+        <p:txBody>
+          <a:bodyPr vert="horz" wrap="square" lIns="91440" tIns="45720" rIns="91440" bIns="45720" numCol="1" rtlCol="0" anchor="t" anchorCtr="0" compatLnSpc="1">
+            <a:prstTxWarp prst="textNoShape">
+              <a:avLst/>
+            </a:prstTxWarp>
+          </a:bodyPr>
+          <a:lstStyle/>
+          <a:p>
+            <a:pPr marL="0" marR="0" indent="0" algn="l" defTabSz="914400" rtl="0" eaLnBrk="0" fontAlgn="base" latinLnBrk="0" hangingPunct="0">
+              <a:lnSpc>
+                <a:spcPct val="100000"/>
+              </a:lnSpc>
+              <a:spcBef>
+                <a:spcPct val="0"/>
+              </a:spcBef>
+              <a:spcAft>
+                <a:spcPct val="0"/>
+              </a:spcAft>
+              <a:buClrTx/>
+              <a:buSzTx/>
+              <a:buFontTx/>
+              <a:buNone/>
+              <a:tabLst/>
+            </a:pPr>
+            <a:endParaRPr kumimoji="0" lang="en-CA" sz="2400" b="0" i="0" u="none" strike="noStrike" cap="none" normalizeH="0" baseline="0">
+              <a:ln>
+                <a:noFill/>
+              </a:ln>
+              <a:solidFill>
+                <a:srgbClr val="000000"/>
+              </a:solidFill>
+              <a:effectLst/>
+              <a:latin typeface="Arial" charset="0"/>
+              <a:ea typeface="ヒラギノ角ゴ Pro W3" charset="0"/>
+              <a:cs typeface="ヒラギノ角ゴ Pro W3" charset="0"/>
+            </a:endParaRPr>
+          </a:p>
+        </p:txBody>
+      </p:sp>
+      <p:sp>
+        <p:nvSpPr>
+          <p:cNvPr id="15" name="ZoneTexte 14"/>
+          <p:cNvSpPr txBox="1"/>
+          <p:nvPr/>
+        </p:nvSpPr>
+        <p:spPr>
+          <a:xfrm>
+            <a:off x="-69526" y="4814754"/>
+            <a:ext cx="5274014" cy="1200329"/>
+          </a:xfrm>
+          <a:prstGeom prst="rect">
+            <a:avLst/>
+          </a:prstGeom>
+          <a:noFill/>
+        </p:spPr>
+        <p:txBody>
+          <a:bodyPr wrap="square" rtlCol="0">
+            <a:spAutoFit/>
+          </a:bodyPr>
+          <a:lstStyle/>
+          <a:p>
             <a:pPr marL="800100" lvl="1" indent="-342900">
               <a:buFont typeface="Wingdings" panose="05000000000000000000" pitchFamily="2" charset="2"/>
               <a:buChar char="Ø"/>
             </a:pPr>
             <a:r>
               <a:rPr lang="fr-CA" dirty="0" smtClean="0"/>
-              <a:t>Réussie:</a:t>
+              <a:t>Solution</a:t>
             </a:r>
             <a:endParaRPr lang="fr-CA" dirty="0" smtClean="0"/>
           </a:p>
@@ -5668,8 +6240,9 @@
             </a:pPr>
             <a:r>
               <a:rPr lang="fr-CA" dirty="0" smtClean="0"/>
-              <a:t>À partir du solution spatiale.</a:t>
+              <a:t>Spatialement explicite</a:t>
             </a:r>
+            <a:endParaRPr lang="fr-CA" dirty="0" smtClean="0"/>
           </a:p>
           <a:p>
             <a:pPr marL="1257300" lvl="2" indent="-342900">
@@ -5678,8 +6251,43 @@
             </a:pPr>
             <a:r>
               <a:rPr lang="fr-CA" dirty="0" smtClean="0"/>
-              <a:t>À partir d’une solution non spatiale.</a:t>
+              <a:t>Spatialement référencée</a:t>
             </a:r>
+            <a:endParaRPr lang="fr-CA" dirty="0" smtClean="0"/>
+          </a:p>
+        </p:txBody>
+      </p:sp>
+      <p:sp>
+        <p:nvSpPr>
+          <p:cNvPr id="16" name="ZoneTexte 15"/>
+          <p:cNvSpPr txBox="1"/>
+          <p:nvPr/>
+        </p:nvSpPr>
+        <p:spPr>
+          <a:xfrm>
+            <a:off x="6600056" y="4888582"/>
+            <a:ext cx="5274014" cy="830997"/>
+          </a:xfrm>
+          <a:prstGeom prst="rect">
+            <a:avLst/>
+          </a:prstGeom>
+          <a:noFill/>
+        </p:spPr>
+        <p:txBody>
+          <a:bodyPr wrap="square" rtlCol="0">
+            <a:spAutoFit/>
+          </a:bodyPr>
+          <a:lstStyle/>
+          <a:p>
+            <a:pPr marL="800100" lvl="1" indent="-342900">
+              <a:buFont typeface="Wingdings" panose="05000000000000000000" pitchFamily="2" charset="2"/>
+              <a:buChar char="Ø"/>
+            </a:pPr>
+            <a:r>
+              <a:rPr lang="fr-CA" dirty="0" smtClean="0"/>
+              <a:t>Optimisation du bilan de carbone</a:t>
+            </a:r>
+            <a:endParaRPr lang="fr-CA" dirty="0" smtClean="0"/>
           </a:p>
         </p:txBody>
       </p:sp>
@@ -5727,7 +6335,7 @@
                                           </p:stCondLst>
                                         </p:cTn>
                                         <p:tgtEl>
-                                          <p:spTgt spid="6">
+                                          <p:spTgt spid="15">
                                             <p:txEl>
                                               <p:pRg st="1" end="1"/>
                                             </p:txEl>
@@ -5776,7 +6384,7 @@
                                           </p:stCondLst>
                                         </p:cTn>
                                         <p:tgtEl>
-                                          <p:spTgt spid="6">
+                                          <p:spTgt spid="15">
                                             <p:txEl>
                                               <p:pRg st="2" end="2"/>
                                             </p:txEl>
@@ -5803,7 +6411,7 @@
                                       <p:cBhvr rctx="PPT">
                                         <p:cTn id="12" dur="indefinite"/>
                                         <p:tgtEl>
-                                          <p:spTgt spid="6">
+                                          <p:spTgt spid="15">
                                             <p:txEl>
                                               <p:pRg st="0" end="0"/>
                                             </p:txEl>
@@ -5821,7 +6429,7 @@
                                       <p:cBhvr rctx="IE">
                                         <p:cTn id="13" dur="indefinite"/>
                                         <p:tgtEl>
-                                          <p:spTgt spid="6">
+                                          <p:spTgt spid="15">
                                             <p:txEl>
                                               <p:pRg st="0" end="0"/>
                                             </p:txEl>
@@ -5842,7 +6450,7 @@
                                       <p:cBhvr rctx="PPT">
                                         <p:cTn id="15" dur="indefinite"/>
                                         <p:tgtEl>
-                                          <p:spTgt spid="6">
+                                          <p:spTgt spid="15">
                                             <p:txEl>
                                               <p:pRg st="1" end="1"/>
                                             </p:txEl>
@@ -5860,7 +6468,7 @@
                                       <p:cBhvr rctx="IE">
                                         <p:cTn id="16" dur="indefinite"/>
                                         <p:tgtEl>
-                                          <p:spTgt spid="6">
+                                          <p:spTgt spid="15">
                                             <p:txEl>
                                               <p:pRg st="1" end="1"/>
                                             </p:txEl>
@@ -5881,7 +6489,7 @@
                                       <p:cBhvr rctx="PPT">
                                         <p:cTn id="18" dur="indefinite"/>
                                         <p:tgtEl>
-                                          <p:spTgt spid="6">
+                                          <p:spTgt spid="15">
                                             <p:txEl>
                                               <p:pRg st="2" end="2"/>
                                             </p:txEl>
@@ -5899,9 +6507,48 @@
                                       <p:cBhvr rctx="IE">
                                         <p:cTn id="19" dur="indefinite"/>
                                         <p:tgtEl>
-                                          <p:spTgt spid="6">
+                                          <p:spTgt spid="15">
                                             <p:txEl>
                                               <p:pRg st="2" end="2"/>
+                                            </p:txEl>
+                                          </p:spTgt>
+                                        </p:tgtEl>
+                                      </p:cBhvr>
+                                    </p:animEffect>
+                                  </p:childTnLst>
+                                </p:cTn>
+                              </p:par>
+                              <p:par>
+                                <p:cTn id="20" presetID="9" presetClass="emph" presetSubtype="0" nodeType="withEffect">
+                                  <p:stCondLst>
+                                    <p:cond delay="0"/>
+                                  </p:stCondLst>
+                                  <p:childTnLst>
+                                    <p:set>
+                                      <p:cBhvr rctx="PPT">
+                                        <p:cTn id="21" dur="indefinite"/>
+                                        <p:tgtEl>
+                                          <p:spTgt spid="16">
+                                            <p:txEl>
+                                              <p:pRg st="0" end="0"/>
+                                            </p:txEl>
+                                          </p:spTgt>
+                                        </p:tgtEl>
+                                        <p:attrNameLst>
+                                          <p:attrName>style.opacity</p:attrName>
+                                        </p:attrNameLst>
+                                      </p:cBhvr>
+                                      <p:to>
+                                        <p:strVal val="0.5"/>
+                                      </p:to>
+                                    </p:set>
+                                    <p:animEffect filter="image" prLst="opacity: 0.5">
+                                      <p:cBhvr rctx="IE">
+                                        <p:cTn id="22" dur="indefinite"/>
+                                        <p:tgtEl>
+                                          <p:spTgt spid="16">
+                                            <p:txEl>
+                                              <p:pRg st="0" end="0"/>
                                             </p:txEl>
                                           </p:spTgt>
                                         </p:tgtEl>
@@ -5963,7 +6610,7 @@
           <p:cNvPr id="10241" name="Rectangle 2">
             <a:extLst>
               <a:ext uri="{FF2B5EF4-FFF2-40B4-BE49-F238E27FC236}">
-                <a16:creationId xmlns:a16="http://schemas.microsoft.com/office/drawing/2014/main" xmlns="" id="{2C64CE8F-6DC1-7B46-AA41-065734F9FFFA}"/>
+                <a16:creationId xmlns="" xmlns:a16="http://schemas.microsoft.com/office/drawing/2014/main" id="{2C64CE8F-6DC1-7B46-AA41-065734F9FFFA}"/>
               </a:ext>
             </a:extLst>
           </p:cNvPr>
@@ -5976,7 +6623,7 @@
         </p:nvSpPr>
         <p:spPr>
           <a:xfrm>
-            <a:off x="626368" y="74712"/>
+            <a:off x="666737" y="74712"/>
             <a:ext cx="10363200" cy="762000"/>
           </a:xfrm>
           <a:prstGeom prst="rect">
@@ -5996,12 +6643,12 @@
               <a:rPr lang="fr-CA" altLang="fr-FR" dirty="0"/>
             </a:br>
             <a:r>
-              <a:rPr lang="fr-CA" altLang="fr-FR" dirty="0" smtClean="0"/>
-              <a:t>Optimisation spatialement explicit</a:t>
+              <a:rPr lang="fr-CA" dirty="0" smtClean="0"/>
+              <a:t>Objectif: </a:t>
             </a:r>
             <a:r>
               <a:rPr lang="fr-CA" dirty="0" smtClean="0"/>
-              <a:t>:</a:t>
+              <a:t>Concrètement</a:t>
             </a:r>
             <a:endParaRPr lang="fr-CA" altLang="fr-FR" dirty="0"/>
           </a:p>
@@ -6012,7 +6659,7 @@
           <p:cNvPr id="10243" name="Espace réservé du numéro de diapositive 1">
             <a:extLst>
               <a:ext uri="{FF2B5EF4-FFF2-40B4-BE49-F238E27FC236}">
-                <a16:creationId xmlns:a16="http://schemas.microsoft.com/office/drawing/2014/main" xmlns="" id="{A32D7E7E-5EC9-B640-8806-5F060AD25EEB}"/>
+                <a16:creationId xmlns="" xmlns:a16="http://schemas.microsoft.com/office/drawing/2014/main" id="{A32D7E7E-5EC9-B640-8806-5F060AD25EEB}"/>
               </a:ext>
             </a:extLst>
           </p:cNvPr>
@@ -6214,6 +6861,572 @@
                 </a:spcBef>
               </a:pPr>
               <a:t>12</a:t>
+            </a:fld>
+            <a:endParaRPr lang="fr-FR" altLang="fr-FR" sz="1100">
+              <a:solidFill>
+                <a:srgbClr val="000000"/>
+              </a:solidFill>
+            </a:endParaRPr>
+          </a:p>
+        </p:txBody>
+      </p:sp>
+      <p:sp>
+        <p:nvSpPr>
+          <p:cNvPr id="15" name="ZoneTexte 14"/>
+          <p:cNvSpPr txBox="1"/>
+          <p:nvPr/>
+        </p:nvSpPr>
+        <p:spPr>
+          <a:xfrm>
+            <a:off x="-312712" y="836712"/>
+            <a:ext cx="7992888" cy="461665"/>
+          </a:xfrm>
+          <a:prstGeom prst="rect">
+            <a:avLst/>
+          </a:prstGeom>
+          <a:noFill/>
+        </p:spPr>
+        <p:txBody>
+          <a:bodyPr wrap="square" rtlCol="0">
+            <a:spAutoFit/>
+          </a:bodyPr>
+          <a:lstStyle/>
+          <a:p>
+            <a:pPr marL="800100" lvl="1" indent="-342900">
+              <a:buFont typeface="Wingdings" panose="05000000000000000000" pitchFamily="2" charset="2"/>
+              <a:buChar char="Ø"/>
+            </a:pPr>
+            <a:r>
+              <a:rPr lang="fr-CA" dirty="0" smtClean="0"/>
+              <a:t>Le bilan est accessible sous forme de </a:t>
+            </a:r>
+            <a:r>
+              <a:rPr lang="fr-CA" dirty="0" err="1" smtClean="0"/>
+              <a:t>yields</a:t>
+            </a:r>
+            <a:endParaRPr lang="fr-CA" dirty="0" smtClean="0"/>
+          </a:p>
+        </p:txBody>
+      </p:sp>
+      <p:sp>
+        <p:nvSpPr>
+          <p:cNvPr id="17" name="ZoneTexte 16"/>
+          <p:cNvSpPr txBox="1"/>
+          <p:nvPr/>
+        </p:nvSpPr>
+        <p:spPr>
+          <a:xfrm>
+            <a:off x="0" y="998547"/>
+            <a:ext cx="7992888" cy="1200329"/>
+          </a:xfrm>
+          <a:prstGeom prst="rect">
+            <a:avLst/>
+          </a:prstGeom>
+          <a:noFill/>
+        </p:spPr>
+        <p:txBody>
+          <a:bodyPr wrap="square" rtlCol="0">
+            <a:spAutoFit/>
+          </a:bodyPr>
+          <a:lstStyle/>
+          <a:p>
+            <a:pPr marL="800100" lvl="1" indent="-342900">
+              <a:buFont typeface="Wingdings" panose="05000000000000000000" pitchFamily="2" charset="2"/>
+              <a:buChar char="Ø"/>
+            </a:pPr>
+            <a:endParaRPr lang="fr-CA" dirty="0"/>
+          </a:p>
+          <a:p>
+            <a:pPr lvl="1"/>
+            <a:r>
+              <a:rPr lang="fr-CA" dirty="0"/>
+              <a:t>*YM ? ? ?</a:t>
+            </a:r>
+          </a:p>
+          <a:p>
+            <a:pPr lvl="1"/>
+            <a:r>
+              <a:rPr lang="fr-CA" dirty="0" err="1" smtClean="0"/>
+              <a:t>ycarbone</a:t>
+            </a:r>
+            <a:r>
+              <a:rPr lang="fr-CA" dirty="0" smtClean="0"/>
+              <a:t> </a:t>
+            </a:r>
+            <a:r>
+              <a:rPr lang="fr-CA" dirty="0"/>
+              <a:t>_</a:t>
+            </a:r>
+            <a:r>
+              <a:rPr lang="fr-CA" dirty="0" smtClean="0"/>
+              <a:t>PRED(</a:t>
+            </a:r>
+            <a:r>
+              <a:rPr lang="fr-CA" dirty="0" err="1" smtClean="0"/>
+              <a:t>model_carbone</a:t>
+            </a:r>
+            <a:r>
+              <a:rPr lang="fr-CA" dirty="0" smtClean="0"/>
+              <a:t>)</a:t>
+            </a:r>
+            <a:endParaRPr lang="fr-CA" dirty="0" smtClean="0"/>
+          </a:p>
+        </p:txBody>
+      </p:sp>
+    </p:spTree>
+    <p:extLst>
+      <p:ext uri="{BB962C8B-B14F-4D97-AF65-F5344CB8AC3E}">
+        <p14:creationId xmlns:p14="http://schemas.microsoft.com/office/powerpoint/2010/main" val="1827388670"/>
+      </p:ext>
+    </p:extLst>
+  </p:cSld>
+  <p:clrMapOvr>
+    <a:masterClrMapping/>
+  </p:clrMapOvr>
+  <p:timing>
+    <p:tnLst>
+      <p:par>
+        <p:cTn id="1" dur="indefinite" restart="never" nodeType="tmRoot">
+          <p:childTnLst>
+            <p:seq concurrent="1" nextAc="seek">
+              <p:cTn id="2" dur="indefinite" nodeType="mainSeq">
+                <p:childTnLst>
+                  <p:par>
+                    <p:cTn id="3" fill="hold">
+                      <p:stCondLst>
+                        <p:cond delay="indefinite"/>
+                        <p:cond evt="onBegin" delay="0">
+                          <p:tn val="2"/>
+                        </p:cond>
+                      </p:stCondLst>
+                      <p:childTnLst>
+                        <p:par>
+                          <p:cTn id="4" fill="hold">
+                            <p:stCondLst>
+                              <p:cond delay="0"/>
+                            </p:stCondLst>
+                            <p:childTnLst>
+                              <p:par>
+                                <p:cTn id="5" presetID="9" presetClass="emph" presetSubtype="0" nodeType="withEffect">
+                                  <p:stCondLst>
+                                    <p:cond delay="0"/>
+                                  </p:stCondLst>
+                                  <p:childTnLst>
+                                    <p:set>
+                                      <p:cBhvr rctx="PPT">
+                                        <p:cTn id="6" dur="indefinite"/>
+                                        <p:tgtEl>
+                                          <p:spTgt spid="15">
+                                            <p:txEl>
+                                              <p:pRg st="0" end="0"/>
+                                            </p:txEl>
+                                          </p:spTgt>
+                                        </p:tgtEl>
+                                        <p:attrNameLst>
+                                          <p:attrName>style.opacity</p:attrName>
+                                        </p:attrNameLst>
+                                      </p:cBhvr>
+                                      <p:to>
+                                        <p:strVal val="0.5"/>
+                                      </p:to>
+                                    </p:set>
+                                    <p:animEffect filter="image" prLst="opacity: 0.5">
+                                      <p:cBhvr rctx="IE">
+                                        <p:cTn id="7" dur="indefinite"/>
+                                        <p:tgtEl>
+                                          <p:spTgt spid="15">
+                                            <p:txEl>
+                                              <p:pRg st="0" end="0"/>
+                                            </p:txEl>
+                                          </p:spTgt>
+                                        </p:tgtEl>
+                                      </p:cBhvr>
+                                    </p:animEffect>
+                                  </p:childTnLst>
+                                </p:cTn>
+                              </p:par>
+                              <p:par>
+                                <p:cTn id="8" presetID="9" presetClass="emph" presetSubtype="0" nodeType="withEffect">
+                                  <p:stCondLst>
+                                    <p:cond delay="0"/>
+                                  </p:stCondLst>
+                                  <p:childTnLst>
+                                    <p:set>
+                                      <p:cBhvr rctx="PPT">
+                                        <p:cTn id="9" dur="indefinite"/>
+                                        <p:tgtEl>
+                                          <p:spTgt spid="17">
+                                            <p:txEl>
+                                              <p:pRg st="1" end="1"/>
+                                            </p:txEl>
+                                          </p:spTgt>
+                                        </p:tgtEl>
+                                        <p:attrNameLst>
+                                          <p:attrName>style.opacity</p:attrName>
+                                        </p:attrNameLst>
+                                      </p:cBhvr>
+                                      <p:to>
+                                        <p:strVal val="0.5"/>
+                                      </p:to>
+                                    </p:set>
+                                    <p:animEffect filter="image" prLst="opacity: 0.5">
+                                      <p:cBhvr rctx="IE">
+                                        <p:cTn id="10" dur="indefinite"/>
+                                        <p:tgtEl>
+                                          <p:spTgt spid="17">
+                                            <p:txEl>
+                                              <p:pRg st="1" end="1"/>
+                                            </p:txEl>
+                                          </p:spTgt>
+                                        </p:tgtEl>
+                                      </p:cBhvr>
+                                    </p:animEffect>
+                                  </p:childTnLst>
+                                </p:cTn>
+                              </p:par>
+                              <p:par>
+                                <p:cTn id="11" presetID="9" presetClass="emph" presetSubtype="0" nodeType="withEffect">
+                                  <p:stCondLst>
+                                    <p:cond delay="0"/>
+                                  </p:stCondLst>
+                                  <p:childTnLst>
+                                    <p:set>
+                                      <p:cBhvr rctx="PPT">
+                                        <p:cTn id="12" dur="indefinite"/>
+                                        <p:tgtEl>
+                                          <p:spTgt spid="17">
+                                            <p:txEl>
+                                              <p:pRg st="2" end="2"/>
+                                            </p:txEl>
+                                          </p:spTgt>
+                                        </p:tgtEl>
+                                        <p:attrNameLst>
+                                          <p:attrName>style.opacity</p:attrName>
+                                        </p:attrNameLst>
+                                      </p:cBhvr>
+                                      <p:to>
+                                        <p:strVal val="0.5"/>
+                                      </p:to>
+                                    </p:set>
+                                    <p:animEffect filter="image" prLst="opacity: 0.5">
+                                      <p:cBhvr rctx="IE">
+                                        <p:cTn id="13" dur="indefinite"/>
+                                        <p:tgtEl>
+                                          <p:spTgt spid="17">
+                                            <p:txEl>
+                                              <p:pRg st="2" end="2"/>
+                                            </p:txEl>
+                                          </p:spTgt>
+                                        </p:tgtEl>
+                                      </p:cBhvr>
+                                    </p:animEffect>
+                                  </p:childTnLst>
+                                </p:cTn>
+                              </p:par>
+                            </p:childTnLst>
+                          </p:cTn>
+                        </p:par>
+                      </p:childTnLst>
+                    </p:cTn>
+                  </p:par>
+                </p:childTnLst>
+              </p:cTn>
+              <p:prevCondLst>
+                <p:cond evt="onPrev" delay="0">
+                  <p:tgtEl>
+                    <p:sldTgt/>
+                  </p:tgtEl>
+                </p:cond>
+              </p:prevCondLst>
+              <p:nextCondLst>
+                <p:cond evt="onNext" delay="0">
+                  <p:tgtEl>
+                    <p:sldTgt/>
+                  </p:tgtEl>
+                </p:cond>
+              </p:nextCondLst>
+            </p:seq>
+          </p:childTnLst>
+        </p:cTn>
+      </p:par>
+    </p:tnLst>
+  </p:timing>
+</p:sld>
+</file>
+
+<file path=ppt/slides/slide13.xml><?xml version="1.0" encoding="utf-8"?>
+<p:sld xmlns:a="http://schemas.openxmlformats.org/drawingml/2006/main" xmlns:r="http://schemas.openxmlformats.org/officeDocument/2006/relationships" xmlns:p="http://schemas.openxmlformats.org/presentationml/2006/main">
+  <p:cSld>
+    <p:spTree>
+      <p:nvGrpSpPr>
+        <p:cNvPr id="1" name=""/>
+        <p:cNvGrpSpPr/>
+        <p:nvPr/>
+      </p:nvGrpSpPr>
+      <p:grpSpPr>
+        <a:xfrm>
+          <a:off x="0" y="0"/>
+          <a:ext cx="0" cy="0"/>
+          <a:chOff x="0" y="0"/>
+          <a:chExt cx="0" cy="0"/>
+        </a:xfrm>
+      </p:grpSpPr>
+      <p:sp>
+        <p:nvSpPr>
+          <p:cNvPr id="10241" name="Rectangle 2">
+            <a:extLst>
+              <a:ext uri="{FF2B5EF4-FFF2-40B4-BE49-F238E27FC236}">
+                <a16:creationId xmlns="" xmlns:a16="http://schemas.microsoft.com/office/drawing/2014/main" id="{2C64CE8F-6DC1-7B46-AA41-065734F9FFFA}"/>
+              </a:ext>
+            </a:extLst>
+          </p:cNvPr>
+          <p:cNvSpPr>
+            <a:spLocks noGrp="1" noChangeArrowheads="1"/>
+          </p:cNvSpPr>
+          <p:nvPr>
+            <p:ph type="title"/>
+          </p:nvPr>
+        </p:nvSpPr>
+        <p:spPr>
+          <a:xfrm>
+            <a:off x="626368" y="74712"/>
+            <a:ext cx="10363200" cy="762000"/>
+          </a:xfrm>
+          <a:prstGeom prst="rect">
+            <a:avLst/>
+          </a:prstGeom>
+        </p:spPr>
+        <p:txBody>
+          <a:bodyPr/>
+          <a:lstStyle/>
+          <a:p>
+            <a:pPr eaLnBrk="1" hangingPunct="1"/>
+            <a:r>
+              <a:rPr lang="fr-CA" altLang="fr-FR" dirty="0"/>
+              <a:t/>
+            </a:r>
+            <a:br>
+              <a:rPr lang="fr-CA" altLang="fr-FR" dirty="0"/>
+            </a:br>
+            <a:r>
+              <a:rPr lang="fr-CA" altLang="fr-FR" dirty="0" smtClean="0"/>
+              <a:t>Optimisation spatialement explicit</a:t>
+            </a:r>
+            <a:r>
+              <a:rPr lang="fr-CA" dirty="0" smtClean="0"/>
+              <a:t>:</a:t>
+            </a:r>
+            <a:endParaRPr lang="fr-CA" altLang="fr-FR" dirty="0"/>
+          </a:p>
+        </p:txBody>
+      </p:sp>
+      <p:sp>
+        <p:nvSpPr>
+          <p:cNvPr id="10243" name="Espace réservé du numéro de diapositive 1">
+            <a:extLst>
+              <a:ext uri="{FF2B5EF4-FFF2-40B4-BE49-F238E27FC236}">
+                <a16:creationId xmlns="" xmlns:a16="http://schemas.microsoft.com/office/drawing/2014/main" id="{A32D7E7E-5EC9-B640-8806-5F060AD25EEB}"/>
+              </a:ext>
+            </a:extLst>
+          </p:cNvPr>
+          <p:cNvSpPr>
+            <a:spLocks noGrp="1"/>
+          </p:cNvSpPr>
+          <p:nvPr>
+            <p:ph type="sldNum" sz="quarter" idx="10"/>
+          </p:nvPr>
+        </p:nvSpPr>
+        <p:spPr>
+          <a:prstGeom prst="rect">
+            <a:avLst/>
+          </a:prstGeom>
+          <a:noFill/>
+          <a:extLst>
+            <a:ext uri="{909E8E84-426E-40DD-AFC4-6F175D3DCCD1}">
+              <a14:hiddenFill xmlns:a14="http://schemas.microsoft.com/office/drawing/2010/main">
+                <a:solidFill>
+                  <a:srgbClr val="FFFFFF"/>
+                </a:solidFill>
+              </a14:hiddenFill>
+            </a:ext>
+            <a:ext uri="{91240B29-F687-4F45-9708-019B960494DF}">
+              <a14:hiddenLine xmlns:a14="http://schemas.microsoft.com/office/drawing/2010/main" w="9525">
+                <a:solidFill>
+                  <a:srgbClr val="000000"/>
+                </a:solidFill>
+                <a:miter lim="800000"/>
+                <a:headEnd/>
+                <a:tailEnd/>
+              </a14:hiddenLine>
+            </a:ext>
+          </a:extLst>
+        </p:spPr>
+        <p:txBody>
+          <a:bodyPr/>
+          <a:lstStyle>
+            <a:lvl1pPr>
+              <a:spcBef>
+                <a:spcPct val="20000"/>
+              </a:spcBef>
+              <a:defRPr sz="2400">
+                <a:solidFill>
+                  <a:schemeClr val="tx1"/>
+                </a:solidFill>
+                <a:latin typeface="Arial" panose="020B0604020202020204" pitchFamily="34" charset="0"/>
+                <a:ea typeface="ヒラギノ角ゴ Pro W3" panose="020B0300000000000000" pitchFamily="34" charset="-128"/>
+                <a:cs typeface="ヒラギノ角ゴ Pro W3" panose="020B0300000000000000" pitchFamily="34" charset="-128"/>
+              </a:defRPr>
+            </a:lvl1pPr>
+            <a:lvl2pPr marL="742950" indent="-285750">
+              <a:spcBef>
+                <a:spcPct val="20000"/>
+              </a:spcBef>
+              <a:buSzPct val="90000"/>
+              <a:buFont typeface="Courier New" panose="02070309020205020404" pitchFamily="49" charset="0"/>
+              <a:buBlip>
+                <a:blip r:embed="rId2"/>
+              </a:buBlip>
+              <a:defRPr sz="2200">
+                <a:solidFill>
+                  <a:srgbClr val="000000"/>
+                </a:solidFill>
+                <a:latin typeface="Arial" panose="020B0604020202020204" pitchFamily="34" charset="0"/>
+                <a:ea typeface="ヒラギノ角ゴ Pro W3" panose="020B0300000000000000" pitchFamily="34" charset="-128"/>
+                <a:cs typeface="ヒラギノ角ゴ Pro W3" panose="020B0300000000000000" pitchFamily="34" charset="-128"/>
+              </a:defRPr>
+            </a:lvl2pPr>
+            <a:lvl3pPr marL="1143000" indent="-228600">
+              <a:spcBef>
+                <a:spcPct val="20000"/>
+              </a:spcBef>
+              <a:buSzPct val="70000"/>
+              <a:buBlip>
+                <a:blip r:embed="rId2"/>
+              </a:buBlip>
+              <a:defRPr sz="2000">
+                <a:solidFill>
+                  <a:srgbClr val="000000"/>
+                </a:solidFill>
+                <a:latin typeface="Arial" panose="020B0604020202020204" pitchFamily="34" charset="0"/>
+                <a:ea typeface="ヒラギノ角ゴ Pro W3" panose="020B0300000000000000" pitchFamily="34" charset="-128"/>
+                <a:cs typeface="ヒラギノ角ゴ Pro W3" panose="020B0300000000000000" pitchFamily="34" charset="-128"/>
+              </a:defRPr>
+            </a:lvl3pPr>
+            <a:lvl4pPr marL="1600200" indent="-228600">
+              <a:spcBef>
+                <a:spcPct val="20000"/>
+              </a:spcBef>
+              <a:buChar char="–"/>
+              <a:defRPr sz="2000">
+                <a:solidFill>
+                  <a:schemeClr val="tx1"/>
+                </a:solidFill>
+                <a:latin typeface="Helvetica" pitchFamily="2" charset="0"/>
+                <a:ea typeface="ヒラギノ角ゴ Pro W3" panose="020B0300000000000000" pitchFamily="34" charset="-128"/>
+                <a:cs typeface="ヒラギノ角ゴ Pro W3" panose="020B0300000000000000" pitchFamily="34" charset="-128"/>
+              </a:defRPr>
+            </a:lvl4pPr>
+            <a:lvl5pPr marL="2057400" indent="-228600">
+              <a:spcBef>
+                <a:spcPct val="20000"/>
+              </a:spcBef>
+              <a:buChar char="»"/>
+              <a:defRPr sz="2000">
+                <a:solidFill>
+                  <a:schemeClr val="tx1"/>
+                </a:solidFill>
+                <a:latin typeface="Helvetica" pitchFamily="2" charset="0"/>
+                <a:ea typeface="ヒラギノ角ゴ Pro W3" panose="020B0300000000000000" pitchFamily="34" charset="-128"/>
+                <a:cs typeface="ヒラギノ角ゴ Pro W3" panose="020B0300000000000000" pitchFamily="34" charset="-128"/>
+              </a:defRPr>
+            </a:lvl5pPr>
+            <a:lvl6pPr marL="2514600" indent="-228600" eaLnBrk="0" fontAlgn="base" hangingPunct="0">
+              <a:spcBef>
+                <a:spcPct val="20000"/>
+              </a:spcBef>
+              <a:spcAft>
+                <a:spcPct val="0"/>
+              </a:spcAft>
+              <a:buChar char="»"/>
+              <a:defRPr sz="2000">
+                <a:solidFill>
+                  <a:schemeClr val="tx1"/>
+                </a:solidFill>
+                <a:latin typeface="Helvetica" pitchFamily="2" charset="0"/>
+                <a:ea typeface="ヒラギノ角ゴ Pro W3" panose="020B0300000000000000" pitchFamily="34" charset="-128"/>
+                <a:cs typeface="ヒラギノ角ゴ Pro W3" panose="020B0300000000000000" pitchFamily="34" charset="-128"/>
+              </a:defRPr>
+            </a:lvl6pPr>
+            <a:lvl7pPr marL="2971800" indent="-228600" eaLnBrk="0" fontAlgn="base" hangingPunct="0">
+              <a:spcBef>
+                <a:spcPct val="20000"/>
+              </a:spcBef>
+              <a:spcAft>
+                <a:spcPct val="0"/>
+              </a:spcAft>
+              <a:buChar char="»"/>
+              <a:defRPr sz="2000">
+                <a:solidFill>
+                  <a:schemeClr val="tx1"/>
+                </a:solidFill>
+                <a:latin typeface="Helvetica" pitchFamily="2" charset="0"/>
+                <a:ea typeface="ヒラギノ角ゴ Pro W3" panose="020B0300000000000000" pitchFamily="34" charset="-128"/>
+                <a:cs typeface="ヒラギノ角ゴ Pro W3" panose="020B0300000000000000" pitchFamily="34" charset="-128"/>
+              </a:defRPr>
+            </a:lvl7pPr>
+            <a:lvl8pPr marL="3429000" indent="-228600" eaLnBrk="0" fontAlgn="base" hangingPunct="0">
+              <a:spcBef>
+                <a:spcPct val="20000"/>
+              </a:spcBef>
+              <a:spcAft>
+                <a:spcPct val="0"/>
+              </a:spcAft>
+              <a:buChar char="»"/>
+              <a:defRPr sz="2000">
+                <a:solidFill>
+                  <a:schemeClr val="tx1"/>
+                </a:solidFill>
+                <a:latin typeface="Helvetica" pitchFamily="2" charset="0"/>
+                <a:ea typeface="ヒラギノ角ゴ Pro W3" panose="020B0300000000000000" pitchFamily="34" charset="-128"/>
+                <a:cs typeface="ヒラギノ角ゴ Pro W3" panose="020B0300000000000000" pitchFamily="34" charset="-128"/>
+              </a:defRPr>
+            </a:lvl8pPr>
+            <a:lvl9pPr marL="3886200" indent="-228600" eaLnBrk="0" fontAlgn="base" hangingPunct="0">
+              <a:spcBef>
+                <a:spcPct val="20000"/>
+              </a:spcBef>
+              <a:spcAft>
+                <a:spcPct val="0"/>
+              </a:spcAft>
+              <a:buChar char="»"/>
+              <a:defRPr sz="2000">
+                <a:solidFill>
+                  <a:schemeClr val="tx1"/>
+                </a:solidFill>
+                <a:latin typeface="Helvetica" pitchFamily="2" charset="0"/>
+                <a:ea typeface="ヒラギノ角ゴ Pro W3" panose="020B0300000000000000" pitchFamily="34" charset="-128"/>
+                <a:cs typeface="ヒラギノ角ゴ Pro W3" panose="020B0300000000000000" pitchFamily="34" charset="-128"/>
+              </a:defRPr>
+            </a:lvl9pPr>
+          </a:lstStyle>
+          <a:p>
+            <a:pPr>
+              <a:spcBef>
+                <a:spcPct val="0"/>
+              </a:spcBef>
+            </a:pPr>
+            <a:fld id="{9FBA7238-3D46-9545-868D-82165EA7AAB4}" type="slidenum">
+              <a:rPr lang="fr-FR" altLang="fr-FR" sz="1300" smtClean="0">
+                <a:solidFill>
+                  <a:srgbClr val="000000"/>
+                </a:solidFill>
+              </a:rPr>
+              <a:pPr>
+                <a:spcBef>
+                  <a:spcPct val="0"/>
+                </a:spcBef>
+              </a:pPr>
+              <a:t>13</a:t>
             </a:fld>
             <a:endParaRPr lang="fr-FR" altLang="fr-FR" sz="1100">
               <a:solidFill>
@@ -6713,7 +7926,7 @@
 </p:sld>
 </file>
 
-<file path=ppt/slides/slide13.xml><?xml version="1.0" encoding="utf-8"?>
+<file path=ppt/slides/slide14.xml><?xml version="1.0" encoding="utf-8"?>
 <p:sld xmlns:a="http://schemas.openxmlformats.org/drawingml/2006/main" xmlns:r="http://schemas.openxmlformats.org/officeDocument/2006/relationships" xmlns:p="http://schemas.openxmlformats.org/presentationml/2006/main">
   <p:cSld>
     <p:spTree>
@@ -6735,7 +7948,7 @@
           <p:cNvPr id="10241" name="Rectangle 2">
             <a:extLst>
               <a:ext uri="{FF2B5EF4-FFF2-40B4-BE49-F238E27FC236}">
-                <a16:creationId xmlns:a16="http://schemas.microsoft.com/office/drawing/2014/main" xmlns="" id="{2C64CE8F-6DC1-7B46-AA41-065734F9FFFA}"/>
+                <a16:creationId xmlns="" xmlns:a16="http://schemas.microsoft.com/office/drawing/2014/main" id="{2C64CE8F-6DC1-7B46-AA41-065734F9FFFA}"/>
               </a:ext>
             </a:extLst>
           </p:cNvPr>
@@ -6784,7 +7997,7 @@
           <p:cNvPr id="10243" name="Espace réservé du numéro de diapositive 1">
             <a:extLst>
               <a:ext uri="{FF2B5EF4-FFF2-40B4-BE49-F238E27FC236}">
-                <a16:creationId xmlns:a16="http://schemas.microsoft.com/office/drawing/2014/main" xmlns="" id="{A32D7E7E-5EC9-B640-8806-5F060AD25EEB}"/>
+                <a16:creationId xmlns="" xmlns:a16="http://schemas.microsoft.com/office/drawing/2014/main" id="{A32D7E7E-5EC9-B640-8806-5F060AD25EEB}"/>
               </a:ext>
             </a:extLst>
           </p:cNvPr>
@@ -6985,7 +8198,7 @@
                   <a:spcPct val="0"/>
                 </a:spcBef>
               </a:pPr>
-              <a:t>13</a:t>
+              <a:t>14</a:t>
             </a:fld>
             <a:endParaRPr lang="fr-FR" altLang="fr-FR" sz="1100">
               <a:solidFill>
@@ -7091,7 +8304,6 @@
               <a:rPr lang="fr-CA" dirty="0" smtClean="0"/>
               <a:t>Approche heur</a:t>
             </a:r>
-            <a:endParaRPr lang="fr-CA" dirty="0" smtClean="0"/>
           </a:p>
         </p:txBody>
       </p:sp>
@@ -7276,7 +8488,7 @@
 </p:sld>
 </file>
 
-<file path=ppt/slides/slide14.xml><?xml version="1.0" encoding="utf-8"?>
+<file path=ppt/slides/slide15.xml><?xml version="1.0" encoding="utf-8"?>
 <p:sld xmlns:a="http://schemas.openxmlformats.org/drawingml/2006/main" xmlns:r="http://schemas.openxmlformats.org/officeDocument/2006/relationships" xmlns:p="http://schemas.openxmlformats.org/presentationml/2006/main">
   <p:cSld>
     <p:spTree>
@@ -7298,7 +8510,7 @@
           <p:cNvPr id="10241" name="Rectangle 2">
             <a:extLst>
               <a:ext uri="{FF2B5EF4-FFF2-40B4-BE49-F238E27FC236}">
-                <a16:creationId xmlns:a16="http://schemas.microsoft.com/office/drawing/2014/main" xmlns="" id="{2C64CE8F-6DC1-7B46-AA41-065734F9FFFA}"/>
+                <a16:creationId xmlns="" xmlns:a16="http://schemas.microsoft.com/office/drawing/2014/main" id="{2C64CE8F-6DC1-7B46-AA41-065734F9FFFA}"/>
               </a:ext>
             </a:extLst>
           </p:cNvPr>
@@ -7343,7 +8555,7 @@
           <p:cNvPr id="10243" name="Espace réservé du numéro de diapositive 1">
             <a:extLst>
               <a:ext uri="{FF2B5EF4-FFF2-40B4-BE49-F238E27FC236}">
-                <a16:creationId xmlns:a16="http://schemas.microsoft.com/office/drawing/2014/main" xmlns="" id="{A32D7E7E-5EC9-B640-8806-5F060AD25EEB}"/>
+                <a16:creationId xmlns="" xmlns:a16="http://schemas.microsoft.com/office/drawing/2014/main" id="{A32D7E7E-5EC9-B640-8806-5F060AD25EEB}"/>
               </a:ext>
             </a:extLst>
           </p:cNvPr>
@@ -7544,7 +8756,7 @@
                   <a:spcPct val="0"/>
                 </a:spcBef>
               </a:pPr>
-              <a:t>14</a:t>
+              <a:t>15</a:t>
             </a:fld>
             <a:endParaRPr lang="fr-FR" altLang="fr-FR" sz="1100">
               <a:solidFill>
@@ -7614,7 +8826,7 @@
           <a:effectLst/>
           <a:extLst>
             <a:ext uri="{AF507438-7753-43e0-B8FC-AC1667EBCBE1}">
-              <a14:hiddenEffects xmlns="" xmlns:a14="http://schemas.microsoft.com/office/drawing/2010/main">
+              <a14:hiddenEffects xmlns:a14="http://schemas.microsoft.com/office/drawing/2010/main" xmlns="">
                 <a:effectLst>
                   <a:outerShdw blurRad="63500" dist="38099" dir="2700000" algn="ctr" rotWithShape="0">
                     <a:schemeClr val="bg2">
@@ -7692,7 +8904,7 @@
           <a:effectLst/>
           <a:extLst>
             <a:ext uri="{AF507438-7753-43e0-B8FC-AC1667EBCBE1}">
-              <a14:hiddenEffects xmlns="" xmlns:a14="http://schemas.microsoft.com/office/drawing/2010/main">
+              <a14:hiddenEffects xmlns:a14="http://schemas.microsoft.com/office/drawing/2010/main" xmlns="">
                 <a:effectLst>
                   <a:outerShdw blurRad="63500" dist="38099" dir="2700000" algn="ctr" rotWithShape="0">
                     <a:schemeClr val="bg2">
@@ -7770,7 +8982,7 @@
           <a:effectLst/>
           <a:extLst>
             <a:ext uri="{AF507438-7753-43e0-B8FC-AC1667EBCBE1}">
-              <a14:hiddenEffects xmlns="" xmlns:a14="http://schemas.microsoft.com/office/drawing/2010/main">
+              <a14:hiddenEffects xmlns:a14="http://schemas.microsoft.com/office/drawing/2010/main" xmlns="">
                 <a:effectLst>
                   <a:outerShdw blurRad="63500" dist="38099" dir="2700000" algn="ctr" rotWithShape="0">
                     <a:schemeClr val="bg2">
@@ -7848,7 +9060,7 @@
           <a:effectLst/>
           <a:extLst>
             <a:ext uri="{AF507438-7753-43e0-B8FC-AC1667EBCBE1}">
-              <a14:hiddenEffects xmlns="" xmlns:a14="http://schemas.microsoft.com/office/drawing/2010/main">
+              <a14:hiddenEffects xmlns:a14="http://schemas.microsoft.com/office/drawing/2010/main" xmlns="">
                 <a:effectLst>
                   <a:outerShdw blurRad="63500" dist="38099" dir="2700000" algn="ctr" rotWithShape="0">
                     <a:schemeClr val="bg2">
@@ -7936,7 +9148,7 @@
           </a:scene3d>
           <a:extLst>
             <a:ext uri="{AF507438-7753-43e0-B8FC-AC1667EBCBE1}">
-              <a14:hiddenEffects xmlns="" xmlns:a14="http://schemas.microsoft.com/office/drawing/2010/main">
+              <a14:hiddenEffects xmlns:a14="http://schemas.microsoft.com/office/drawing/2010/main" xmlns="">
                 <a:effectLst>
                   <a:outerShdw blurRad="63500" dist="38099" dir="2700000" algn="ctr" rotWithShape="0">
                     <a:schemeClr val="bg2">
@@ -8024,7 +9236,7 @@
           </a:scene3d>
           <a:extLst>
             <a:ext uri="{AF507438-7753-43e0-B8FC-AC1667EBCBE1}">
-              <a14:hiddenEffects xmlns="" xmlns:a14="http://schemas.microsoft.com/office/drawing/2010/main">
+              <a14:hiddenEffects xmlns:a14="http://schemas.microsoft.com/office/drawing/2010/main" xmlns="">
                 <a:effectLst>
                   <a:outerShdw blurRad="63500" dist="38099" dir="2700000" algn="ctr" rotWithShape="0">
                     <a:schemeClr val="bg2">
@@ -8112,7 +9324,7 @@
           </a:scene3d>
           <a:extLst>
             <a:ext uri="{AF507438-7753-43e0-B8FC-AC1667EBCBE1}">
-              <a14:hiddenEffects xmlns="" xmlns:a14="http://schemas.microsoft.com/office/drawing/2010/main">
+              <a14:hiddenEffects xmlns:a14="http://schemas.microsoft.com/office/drawing/2010/main" xmlns="">
                 <a:effectLst>
                   <a:outerShdw blurRad="63500" dist="38099" dir="2700000" algn="ctr" rotWithShape="0">
                     <a:schemeClr val="bg2">
@@ -8200,7 +9412,7 @@
           </a:scene3d>
           <a:extLst>
             <a:ext uri="{AF507438-7753-43e0-B8FC-AC1667EBCBE1}">
-              <a14:hiddenEffects xmlns="" xmlns:a14="http://schemas.microsoft.com/office/drawing/2010/main">
+              <a14:hiddenEffects xmlns:a14="http://schemas.microsoft.com/office/drawing/2010/main" xmlns="">
                 <a:effectLst>
                   <a:outerShdw blurRad="63500" dist="38099" dir="2700000" algn="ctr" rotWithShape="0">
                     <a:schemeClr val="bg2">
@@ -8278,7 +9490,7 @@
           <a:effectLst/>
           <a:extLst>
             <a:ext uri="{AF507438-7753-43e0-B8FC-AC1667EBCBE1}">
-              <a14:hiddenEffects xmlns="" xmlns:a14="http://schemas.microsoft.com/office/drawing/2010/main">
+              <a14:hiddenEffects xmlns:a14="http://schemas.microsoft.com/office/drawing/2010/main" xmlns="">
                 <a:effectLst>
                   <a:outerShdw blurRad="63500" dist="38099" dir="2700000" algn="ctr" rotWithShape="0">
                     <a:schemeClr val="bg2">
@@ -8356,7 +9568,7 @@
           <a:effectLst/>
           <a:extLst>
             <a:ext uri="{AF507438-7753-43e0-B8FC-AC1667EBCBE1}">
-              <a14:hiddenEffects xmlns="" xmlns:a14="http://schemas.microsoft.com/office/drawing/2010/main">
+              <a14:hiddenEffects xmlns:a14="http://schemas.microsoft.com/office/drawing/2010/main" xmlns="">
                 <a:effectLst>
                   <a:outerShdw blurRad="63500" dist="38099" dir="2700000" algn="ctr" rotWithShape="0">
                     <a:schemeClr val="bg2">
@@ -8434,7 +9646,7 @@
           <a:effectLst/>
           <a:extLst>
             <a:ext uri="{AF507438-7753-43e0-B8FC-AC1667EBCBE1}">
-              <a14:hiddenEffects xmlns="" xmlns:a14="http://schemas.microsoft.com/office/drawing/2010/main">
+              <a14:hiddenEffects xmlns:a14="http://schemas.microsoft.com/office/drawing/2010/main" xmlns="">
                 <a:effectLst>
                   <a:outerShdw blurRad="63500" dist="38099" dir="2700000" algn="ctr" rotWithShape="0">
                     <a:schemeClr val="bg2">
@@ -8512,7 +9724,7 @@
           <a:effectLst/>
           <a:extLst>
             <a:ext uri="{AF507438-7753-43e0-B8FC-AC1667EBCBE1}">
-              <a14:hiddenEffects xmlns="" xmlns:a14="http://schemas.microsoft.com/office/drawing/2010/main">
+              <a14:hiddenEffects xmlns:a14="http://schemas.microsoft.com/office/drawing/2010/main" xmlns="">
                 <a:effectLst>
                   <a:outerShdw blurRad="63500" dist="38099" dir="2700000" algn="ctr" rotWithShape="0">
                     <a:schemeClr val="bg2">
@@ -8590,7 +9802,7 @@
           <a:effectLst/>
           <a:extLst>
             <a:ext uri="{AF507438-7753-43e0-B8FC-AC1667EBCBE1}">
-              <a14:hiddenEffects xmlns="" xmlns:a14="http://schemas.microsoft.com/office/drawing/2010/main">
+              <a14:hiddenEffects xmlns:a14="http://schemas.microsoft.com/office/drawing/2010/main" xmlns="">
                 <a:effectLst>
                   <a:outerShdw blurRad="63500" dist="38099" dir="2700000" algn="ctr" rotWithShape="0">
                     <a:schemeClr val="bg2">
@@ -8668,7 +9880,7 @@
           <a:effectLst/>
           <a:extLst>
             <a:ext uri="{AF507438-7753-43e0-B8FC-AC1667EBCBE1}">
-              <a14:hiddenEffects xmlns="" xmlns:a14="http://schemas.microsoft.com/office/drawing/2010/main">
+              <a14:hiddenEffects xmlns:a14="http://schemas.microsoft.com/office/drawing/2010/main" xmlns="">
                 <a:effectLst>
                   <a:outerShdw blurRad="63500" dist="38099" dir="2700000" algn="ctr" rotWithShape="0">
                     <a:schemeClr val="bg2">
@@ -8746,7 +9958,7 @@
           <a:effectLst/>
           <a:extLst>
             <a:ext uri="{AF507438-7753-43e0-B8FC-AC1667EBCBE1}">
-              <a14:hiddenEffects xmlns="" xmlns:a14="http://schemas.microsoft.com/office/drawing/2010/main">
+              <a14:hiddenEffects xmlns:a14="http://schemas.microsoft.com/office/drawing/2010/main" xmlns="">
                 <a:effectLst>
                   <a:outerShdw blurRad="63500" dist="38099" dir="2700000" algn="ctr" rotWithShape="0">
                     <a:schemeClr val="bg2">
@@ -8824,7 +10036,7 @@
           <a:effectLst/>
           <a:extLst>
             <a:ext uri="{AF507438-7753-43e0-B8FC-AC1667EBCBE1}">
-              <a14:hiddenEffects xmlns="" xmlns:a14="http://schemas.microsoft.com/office/drawing/2010/main">
+              <a14:hiddenEffects xmlns:a14="http://schemas.microsoft.com/office/drawing/2010/main" xmlns="">
                 <a:effectLst>
                   <a:outerShdw blurRad="63500" dist="38099" dir="2700000" algn="ctr" rotWithShape="0">
                     <a:schemeClr val="bg2">
@@ -8902,7 +10114,7 @@
           <a:effectLst/>
           <a:extLst>
             <a:ext uri="{AF507438-7753-43e0-B8FC-AC1667EBCBE1}">
-              <a14:hiddenEffects xmlns="" xmlns:a14="http://schemas.microsoft.com/office/drawing/2010/main">
+              <a14:hiddenEffects xmlns:a14="http://schemas.microsoft.com/office/drawing/2010/main" xmlns="">
                 <a:effectLst>
                   <a:outerShdw blurRad="63500" dist="38099" dir="2700000" algn="ctr" rotWithShape="0">
                     <a:schemeClr val="bg2">
@@ -8980,7 +10192,7 @@
           <a:effectLst/>
           <a:extLst>
             <a:ext uri="{AF507438-7753-43e0-B8FC-AC1667EBCBE1}">
-              <a14:hiddenEffects xmlns="" xmlns:a14="http://schemas.microsoft.com/office/drawing/2010/main">
+              <a14:hiddenEffects xmlns:a14="http://schemas.microsoft.com/office/drawing/2010/main" xmlns="">
                 <a:effectLst>
                   <a:outerShdw blurRad="63500" dist="38099" dir="2700000" algn="ctr" rotWithShape="0">
                     <a:schemeClr val="bg2">
@@ -9058,7 +10270,7 @@
           <a:effectLst/>
           <a:extLst>
             <a:ext uri="{AF507438-7753-43e0-B8FC-AC1667EBCBE1}">
-              <a14:hiddenEffects xmlns="" xmlns:a14="http://schemas.microsoft.com/office/drawing/2010/main">
+              <a14:hiddenEffects xmlns:a14="http://schemas.microsoft.com/office/drawing/2010/main" xmlns="">
                 <a:effectLst>
                   <a:outerShdw blurRad="63500" dist="38099" dir="2700000" algn="ctr" rotWithShape="0">
                     <a:schemeClr val="bg2">
@@ -9136,7 +10348,7 @@
           <a:effectLst/>
           <a:extLst>
             <a:ext uri="{AF507438-7753-43e0-B8FC-AC1667EBCBE1}">
-              <a14:hiddenEffects xmlns="" xmlns:a14="http://schemas.microsoft.com/office/drawing/2010/main">
+              <a14:hiddenEffects xmlns:a14="http://schemas.microsoft.com/office/drawing/2010/main" xmlns="">
                 <a:effectLst>
                   <a:outerShdw blurRad="63500" dist="38099" dir="2700000" algn="ctr" rotWithShape="0">
                     <a:schemeClr val="bg2">
@@ -9214,7 +10426,7 @@
           <a:effectLst/>
           <a:extLst>
             <a:ext uri="{AF507438-7753-43e0-B8FC-AC1667EBCBE1}">
-              <a14:hiddenEffects xmlns="" xmlns:a14="http://schemas.microsoft.com/office/drawing/2010/main">
+              <a14:hiddenEffects xmlns:a14="http://schemas.microsoft.com/office/drawing/2010/main" xmlns="">
                 <a:effectLst>
                   <a:outerShdw blurRad="63500" dist="38099" dir="2700000" algn="ctr" rotWithShape="0">
                     <a:schemeClr val="bg2">
@@ -9292,7 +10504,7 @@
           <a:effectLst/>
           <a:extLst>
             <a:ext uri="{AF507438-7753-43e0-B8FC-AC1667EBCBE1}">
-              <a14:hiddenEffects xmlns="" xmlns:a14="http://schemas.microsoft.com/office/drawing/2010/main">
+              <a14:hiddenEffects xmlns:a14="http://schemas.microsoft.com/office/drawing/2010/main" xmlns="">
                 <a:effectLst>
                   <a:outerShdw blurRad="63500" dist="38099" dir="2700000" algn="ctr" rotWithShape="0">
                     <a:schemeClr val="bg2">
@@ -9370,7 +10582,7 @@
           <a:effectLst/>
           <a:extLst>
             <a:ext uri="{AF507438-7753-43e0-B8FC-AC1667EBCBE1}">
-              <a14:hiddenEffects xmlns="" xmlns:a14="http://schemas.microsoft.com/office/drawing/2010/main">
+              <a14:hiddenEffects xmlns:a14="http://schemas.microsoft.com/office/drawing/2010/main" xmlns="">
                 <a:effectLst>
                   <a:outerShdw blurRad="63500" dist="38099" dir="2700000" algn="ctr" rotWithShape="0">
                     <a:schemeClr val="bg2">
@@ -9448,7 +10660,7 @@
           <a:effectLst/>
           <a:extLst>
             <a:ext uri="{AF507438-7753-43e0-B8FC-AC1667EBCBE1}">
-              <a14:hiddenEffects xmlns="" xmlns:a14="http://schemas.microsoft.com/office/drawing/2010/main">
+              <a14:hiddenEffects xmlns:a14="http://schemas.microsoft.com/office/drawing/2010/main" xmlns="">
                 <a:effectLst>
                   <a:outerShdw blurRad="63500" dist="38099" dir="2700000" algn="ctr" rotWithShape="0">
                     <a:schemeClr val="bg2">
@@ -9526,7 +10738,7 @@
           <a:effectLst/>
           <a:extLst>
             <a:ext uri="{AF507438-7753-43e0-B8FC-AC1667EBCBE1}">
-              <a14:hiddenEffects xmlns="" xmlns:a14="http://schemas.microsoft.com/office/drawing/2010/main">
+              <a14:hiddenEffects xmlns:a14="http://schemas.microsoft.com/office/drawing/2010/main" xmlns="">
                 <a:effectLst>
                   <a:outerShdw blurRad="63500" dist="38099" dir="2700000" algn="ctr" rotWithShape="0">
                     <a:schemeClr val="bg2">
@@ -9604,7 +10816,7 @@
           <a:effectLst/>
           <a:extLst>
             <a:ext uri="{AF507438-7753-43e0-B8FC-AC1667EBCBE1}">
-              <a14:hiddenEffects xmlns="" xmlns:a14="http://schemas.microsoft.com/office/drawing/2010/main">
+              <a14:hiddenEffects xmlns:a14="http://schemas.microsoft.com/office/drawing/2010/main" xmlns="">
                 <a:effectLst>
                   <a:outerShdw blurRad="63500" dist="38099" dir="2700000" algn="ctr" rotWithShape="0">
                     <a:schemeClr val="bg2">
@@ -9682,7 +10894,7 @@
           <a:effectLst/>
           <a:extLst>
             <a:ext uri="{AF507438-7753-43e0-B8FC-AC1667EBCBE1}">
-              <a14:hiddenEffects xmlns="" xmlns:a14="http://schemas.microsoft.com/office/drawing/2010/main">
+              <a14:hiddenEffects xmlns:a14="http://schemas.microsoft.com/office/drawing/2010/main" xmlns="">
                 <a:effectLst>
                   <a:outerShdw blurRad="63500" dist="38099" dir="2700000" algn="ctr" rotWithShape="0">
                     <a:schemeClr val="bg2">
@@ -9760,7 +10972,7 @@
           <a:effectLst/>
           <a:extLst>
             <a:ext uri="{AF507438-7753-43e0-B8FC-AC1667EBCBE1}">
-              <a14:hiddenEffects xmlns="" xmlns:a14="http://schemas.microsoft.com/office/drawing/2010/main">
+              <a14:hiddenEffects xmlns:a14="http://schemas.microsoft.com/office/drawing/2010/main" xmlns="">
                 <a:effectLst>
                   <a:outerShdw blurRad="63500" dist="38099" dir="2700000" algn="ctr" rotWithShape="0">
                     <a:schemeClr val="bg2">
@@ -9838,7 +11050,7 @@
           <a:effectLst/>
           <a:extLst>
             <a:ext uri="{AF507438-7753-43e0-B8FC-AC1667EBCBE1}">
-              <a14:hiddenEffects xmlns="" xmlns:a14="http://schemas.microsoft.com/office/drawing/2010/main">
+              <a14:hiddenEffects xmlns:a14="http://schemas.microsoft.com/office/drawing/2010/main" xmlns="">
                 <a:effectLst>
                   <a:outerShdw blurRad="63500" dist="38099" dir="2700000" algn="ctr" rotWithShape="0">
                     <a:schemeClr val="bg2">
@@ -9916,7 +11128,7 @@
           <a:effectLst/>
           <a:extLst>
             <a:ext uri="{AF507438-7753-43e0-B8FC-AC1667EBCBE1}">
-              <a14:hiddenEffects xmlns="" xmlns:a14="http://schemas.microsoft.com/office/drawing/2010/main">
+              <a14:hiddenEffects xmlns:a14="http://schemas.microsoft.com/office/drawing/2010/main" xmlns="">
                 <a:effectLst>
                   <a:outerShdw blurRad="63500" dist="38099" dir="2700000" algn="ctr" rotWithShape="0">
                     <a:schemeClr val="bg2">
@@ -9994,7 +11206,7 @@
           <a:effectLst/>
           <a:extLst>
             <a:ext uri="{AF507438-7753-43e0-B8FC-AC1667EBCBE1}">
-              <a14:hiddenEffects xmlns="" xmlns:a14="http://schemas.microsoft.com/office/drawing/2010/main">
+              <a14:hiddenEffects xmlns:a14="http://schemas.microsoft.com/office/drawing/2010/main" xmlns="">
                 <a:effectLst>
                   <a:outerShdw blurRad="63500" dist="38099" dir="2700000" algn="ctr" rotWithShape="0">
                     <a:schemeClr val="bg2">
@@ -10072,7 +11284,7 @@
           <a:effectLst/>
           <a:extLst>
             <a:ext uri="{AF507438-7753-43e0-B8FC-AC1667EBCBE1}">
-              <a14:hiddenEffects xmlns="" xmlns:a14="http://schemas.microsoft.com/office/drawing/2010/main">
+              <a14:hiddenEffects xmlns:a14="http://schemas.microsoft.com/office/drawing/2010/main" xmlns="">
                 <a:effectLst>
                   <a:outerShdw blurRad="63500" dist="38099" dir="2700000" algn="ctr" rotWithShape="0">
                     <a:schemeClr val="bg2">
@@ -10150,7 +11362,7 @@
           <a:effectLst/>
           <a:extLst>
             <a:ext uri="{AF507438-7753-43e0-B8FC-AC1667EBCBE1}">
-              <a14:hiddenEffects xmlns="" xmlns:a14="http://schemas.microsoft.com/office/drawing/2010/main">
+              <a14:hiddenEffects xmlns:a14="http://schemas.microsoft.com/office/drawing/2010/main" xmlns="">
                 <a:effectLst>
                   <a:outerShdw blurRad="63500" dist="38099" dir="2700000" algn="ctr" rotWithShape="0">
                     <a:schemeClr val="bg2">
@@ -10228,7 +11440,7 @@
           <a:effectLst/>
           <a:extLst>
             <a:ext uri="{AF507438-7753-43e0-B8FC-AC1667EBCBE1}">
-              <a14:hiddenEffects xmlns="" xmlns:a14="http://schemas.microsoft.com/office/drawing/2010/main">
+              <a14:hiddenEffects xmlns:a14="http://schemas.microsoft.com/office/drawing/2010/main" xmlns="">
                 <a:effectLst>
                   <a:outerShdw blurRad="63500" dist="38099" dir="2700000" algn="ctr" rotWithShape="0">
                     <a:schemeClr val="bg2">
@@ -10306,7 +11518,7 @@
           <a:effectLst/>
           <a:extLst>
             <a:ext uri="{AF507438-7753-43e0-B8FC-AC1667EBCBE1}">
-              <a14:hiddenEffects xmlns="" xmlns:a14="http://schemas.microsoft.com/office/drawing/2010/main">
+              <a14:hiddenEffects xmlns:a14="http://schemas.microsoft.com/office/drawing/2010/main" xmlns="">
                 <a:effectLst>
                   <a:outerShdw blurRad="63500" dist="38099" dir="2700000" algn="ctr" rotWithShape="0">
                     <a:schemeClr val="bg2">
@@ -10384,7 +11596,7 @@
           <a:effectLst/>
           <a:extLst>
             <a:ext uri="{AF507438-7753-43e0-B8FC-AC1667EBCBE1}">
-              <a14:hiddenEffects xmlns="" xmlns:a14="http://schemas.microsoft.com/office/drawing/2010/main">
+              <a14:hiddenEffects xmlns:a14="http://schemas.microsoft.com/office/drawing/2010/main" xmlns="">
                 <a:effectLst>
                   <a:outerShdw blurRad="63500" dist="38099" dir="2700000" algn="ctr" rotWithShape="0">
                     <a:schemeClr val="bg2">
@@ -10462,7 +11674,7 @@
           <a:effectLst/>
           <a:extLst>
             <a:ext uri="{AF507438-7753-43e0-B8FC-AC1667EBCBE1}">
-              <a14:hiddenEffects xmlns="" xmlns:a14="http://schemas.microsoft.com/office/drawing/2010/main">
+              <a14:hiddenEffects xmlns:a14="http://schemas.microsoft.com/office/drawing/2010/main" xmlns="">
                 <a:effectLst>
                   <a:outerShdw blurRad="63500" dist="38099" dir="2700000" algn="ctr" rotWithShape="0">
                     <a:schemeClr val="bg2">
@@ -10540,7 +11752,7 @@
           <a:effectLst/>
           <a:extLst>
             <a:ext uri="{AF507438-7753-43e0-B8FC-AC1667EBCBE1}">
-              <a14:hiddenEffects xmlns="" xmlns:a14="http://schemas.microsoft.com/office/drawing/2010/main">
+              <a14:hiddenEffects xmlns:a14="http://schemas.microsoft.com/office/drawing/2010/main" xmlns="">
                 <a:effectLst>
                   <a:outerShdw blurRad="63500" dist="38099" dir="2700000" algn="ctr" rotWithShape="0">
                     <a:schemeClr val="bg2">
@@ -10618,7 +11830,7 @@
           <a:effectLst/>
           <a:extLst>
             <a:ext uri="{AF507438-7753-43e0-B8FC-AC1667EBCBE1}">
-              <a14:hiddenEffects xmlns="" xmlns:a14="http://schemas.microsoft.com/office/drawing/2010/main">
+              <a14:hiddenEffects xmlns:a14="http://schemas.microsoft.com/office/drawing/2010/main" xmlns="">
                 <a:effectLst>
                   <a:outerShdw blurRad="63500" dist="38099" dir="2700000" algn="ctr" rotWithShape="0">
                     <a:schemeClr val="bg2">
@@ -10696,7 +11908,7 @@
           <a:effectLst/>
           <a:extLst>
             <a:ext uri="{AF507438-7753-43e0-B8FC-AC1667EBCBE1}">
-              <a14:hiddenEffects xmlns="" xmlns:a14="http://schemas.microsoft.com/office/drawing/2010/main">
+              <a14:hiddenEffects xmlns:a14="http://schemas.microsoft.com/office/drawing/2010/main" xmlns="">
                 <a:effectLst>
                   <a:outerShdw blurRad="63500" dist="38099" dir="2700000" algn="ctr" rotWithShape="0">
                     <a:schemeClr val="bg2">
@@ -10774,7 +11986,7 @@
           <a:effectLst/>
           <a:extLst>
             <a:ext uri="{AF507438-7753-43e0-B8FC-AC1667EBCBE1}">
-              <a14:hiddenEffects xmlns="" xmlns:a14="http://schemas.microsoft.com/office/drawing/2010/main">
+              <a14:hiddenEffects xmlns:a14="http://schemas.microsoft.com/office/drawing/2010/main" xmlns="">
                 <a:effectLst>
                   <a:outerShdw blurRad="63500" dist="38099" dir="2700000" algn="ctr" rotWithShape="0">
                     <a:schemeClr val="bg2">
@@ -10852,7 +12064,7 @@
           <a:effectLst/>
           <a:extLst>
             <a:ext uri="{AF507438-7753-43e0-B8FC-AC1667EBCBE1}">
-              <a14:hiddenEffects xmlns="" xmlns:a14="http://schemas.microsoft.com/office/drawing/2010/main">
+              <a14:hiddenEffects xmlns:a14="http://schemas.microsoft.com/office/drawing/2010/main" xmlns="">
                 <a:effectLst>
                   <a:outerShdw blurRad="63500" dist="38099" dir="2700000" algn="ctr" rotWithShape="0">
                     <a:schemeClr val="bg2">
@@ -10930,7 +12142,7 @@
           <a:effectLst/>
           <a:extLst>
             <a:ext uri="{AF507438-7753-43e0-B8FC-AC1667EBCBE1}">
-              <a14:hiddenEffects xmlns="" xmlns:a14="http://schemas.microsoft.com/office/drawing/2010/main">
+              <a14:hiddenEffects xmlns:a14="http://schemas.microsoft.com/office/drawing/2010/main" xmlns="">
                 <a:effectLst>
                   <a:outerShdw blurRad="63500" dist="38099" dir="2700000" algn="ctr" rotWithShape="0">
                     <a:schemeClr val="bg2">
@@ -11008,7 +12220,7 @@
           <a:effectLst/>
           <a:extLst>
             <a:ext uri="{AF507438-7753-43e0-B8FC-AC1667EBCBE1}">
-              <a14:hiddenEffects xmlns="" xmlns:a14="http://schemas.microsoft.com/office/drawing/2010/main">
+              <a14:hiddenEffects xmlns:a14="http://schemas.microsoft.com/office/drawing/2010/main" xmlns="">
                 <a:effectLst>
                   <a:outerShdw blurRad="63500" dist="38099" dir="2700000" algn="ctr" rotWithShape="0">
                     <a:schemeClr val="bg2">
@@ -11086,7 +12298,7 @@
           <a:effectLst/>
           <a:extLst>
             <a:ext uri="{AF507438-7753-43e0-B8FC-AC1667EBCBE1}">
-              <a14:hiddenEffects xmlns="" xmlns:a14="http://schemas.microsoft.com/office/drawing/2010/main">
+              <a14:hiddenEffects xmlns:a14="http://schemas.microsoft.com/office/drawing/2010/main" xmlns="">
                 <a:effectLst>
                   <a:outerShdw blurRad="63500" dist="38099" dir="2700000" algn="ctr" rotWithShape="0">
                     <a:schemeClr val="bg2">
@@ -11164,7 +12376,7 @@
           <a:effectLst/>
           <a:extLst>
             <a:ext uri="{AF507438-7753-43e0-B8FC-AC1667EBCBE1}">
-              <a14:hiddenEffects xmlns="" xmlns:a14="http://schemas.microsoft.com/office/drawing/2010/main">
+              <a14:hiddenEffects xmlns:a14="http://schemas.microsoft.com/office/drawing/2010/main" xmlns="">
                 <a:effectLst>
                   <a:outerShdw blurRad="63500" dist="38099" dir="2700000" algn="ctr" rotWithShape="0">
                     <a:schemeClr val="bg2">
@@ -11242,7 +12454,7 @@
           <a:effectLst/>
           <a:extLst>
             <a:ext uri="{AF507438-7753-43e0-B8FC-AC1667EBCBE1}">
-              <a14:hiddenEffects xmlns="" xmlns:a14="http://schemas.microsoft.com/office/drawing/2010/main">
+              <a14:hiddenEffects xmlns:a14="http://schemas.microsoft.com/office/drawing/2010/main" xmlns="">
                 <a:effectLst>
                   <a:outerShdw blurRad="63500" dist="38099" dir="2700000" algn="ctr" rotWithShape="0">
                     <a:schemeClr val="bg2">
@@ -11320,7 +12532,7 @@
           <a:effectLst/>
           <a:extLst>
             <a:ext uri="{AF507438-7753-43e0-B8FC-AC1667EBCBE1}">
-              <a14:hiddenEffects xmlns="" xmlns:a14="http://schemas.microsoft.com/office/drawing/2010/main">
+              <a14:hiddenEffects xmlns:a14="http://schemas.microsoft.com/office/drawing/2010/main" xmlns="">
                 <a:effectLst>
                   <a:outerShdw blurRad="63500" dist="38099" dir="2700000" algn="ctr" rotWithShape="0">
                     <a:schemeClr val="bg2">
@@ -11398,7 +12610,7 @@
           <a:effectLst/>
           <a:extLst>
             <a:ext uri="{AF507438-7753-43e0-B8FC-AC1667EBCBE1}">
-              <a14:hiddenEffects xmlns="" xmlns:a14="http://schemas.microsoft.com/office/drawing/2010/main">
+              <a14:hiddenEffects xmlns:a14="http://schemas.microsoft.com/office/drawing/2010/main" xmlns="">
                 <a:effectLst>
                   <a:outerShdw blurRad="63500" dist="38099" dir="2700000" algn="ctr" rotWithShape="0">
                     <a:schemeClr val="bg2">
@@ -11476,7 +12688,7 @@
           <a:effectLst/>
           <a:extLst>
             <a:ext uri="{AF507438-7753-43e0-B8FC-AC1667EBCBE1}">
-              <a14:hiddenEffects xmlns="" xmlns:a14="http://schemas.microsoft.com/office/drawing/2010/main">
+              <a14:hiddenEffects xmlns:a14="http://schemas.microsoft.com/office/drawing/2010/main" xmlns="">
                 <a:effectLst>
                   <a:outerShdw blurRad="63500" dist="38099" dir="2700000" algn="ctr" rotWithShape="0">
                     <a:schemeClr val="bg2">
@@ -11554,7 +12766,7 @@
           <a:effectLst/>
           <a:extLst>
             <a:ext uri="{AF507438-7753-43e0-B8FC-AC1667EBCBE1}">
-              <a14:hiddenEffects xmlns="" xmlns:a14="http://schemas.microsoft.com/office/drawing/2010/main">
+              <a14:hiddenEffects xmlns:a14="http://schemas.microsoft.com/office/drawing/2010/main" xmlns="">
                 <a:effectLst>
                   <a:outerShdw blurRad="63500" dist="38099" dir="2700000" algn="ctr" rotWithShape="0">
                     <a:schemeClr val="bg2">
@@ -11632,7 +12844,7 @@
           <a:effectLst/>
           <a:extLst>
             <a:ext uri="{AF507438-7753-43e0-B8FC-AC1667EBCBE1}">
-              <a14:hiddenEffects xmlns="" xmlns:a14="http://schemas.microsoft.com/office/drawing/2010/main">
+              <a14:hiddenEffects xmlns:a14="http://schemas.microsoft.com/office/drawing/2010/main" xmlns="">
                 <a:effectLst>
                   <a:outerShdw blurRad="63500" dist="38099" dir="2700000" algn="ctr" rotWithShape="0">
                     <a:schemeClr val="bg2">
@@ -11710,7 +12922,7 @@
           <a:effectLst/>
           <a:extLst>
             <a:ext uri="{AF507438-7753-43e0-B8FC-AC1667EBCBE1}">
-              <a14:hiddenEffects xmlns="" xmlns:a14="http://schemas.microsoft.com/office/drawing/2010/main">
+              <a14:hiddenEffects xmlns:a14="http://schemas.microsoft.com/office/drawing/2010/main" xmlns="">
                 <a:effectLst>
                   <a:outerShdw blurRad="63500" dist="38099" dir="2700000" algn="ctr" rotWithShape="0">
                     <a:schemeClr val="bg2">
@@ -11788,7 +13000,7 @@
           <a:effectLst/>
           <a:extLst>
             <a:ext uri="{AF507438-7753-43e0-B8FC-AC1667EBCBE1}">
-              <a14:hiddenEffects xmlns="" xmlns:a14="http://schemas.microsoft.com/office/drawing/2010/main">
+              <a14:hiddenEffects xmlns:a14="http://schemas.microsoft.com/office/drawing/2010/main" xmlns="">
                 <a:effectLst>
                   <a:outerShdw blurRad="63500" dist="38099" dir="2700000" algn="ctr" rotWithShape="0">
                     <a:schemeClr val="bg2">
@@ -11866,7 +13078,7 @@
           <a:effectLst/>
           <a:extLst>
             <a:ext uri="{AF507438-7753-43e0-B8FC-AC1667EBCBE1}">
-              <a14:hiddenEffects xmlns="" xmlns:a14="http://schemas.microsoft.com/office/drawing/2010/main">
+              <a14:hiddenEffects xmlns:a14="http://schemas.microsoft.com/office/drawing/2010/main" xmlns="">
                 <a:effectLst>
                   <a:outerShdw blurRad="63500" dist="38099" dir="2700000" algn="ctr" rotWithShape="0">
                     <a:schemeClr val="bg2">
@@ -11944,7 +13156,7 @@
           <a:effectLst/>
           <a:extLst>
             <a:ext uri="{AF507438-7753-43e0-B8FC-AC1667EBCBE1}">
-              <a14:hiddenEffects xmlns="" xmlns:a14="http://schemas.microsoft.com/office/drawing/2010/main">
+              <a14:hiddenEffects xmlns:a14="http://schemas.microsoft.com/office/drawing/2010/main" xmlns="">
                 <a:effectLst>
                   <a:outerShdw blurRad="63500" dist="38099" dir="2700000" algn="ctr" rotWithShape="0">
                     <a:schemeClr val="bg2">
@@ -12022,7 +13234,7 @@
           <a:effectLst/>
           <a:extLst>
             <a:ext uri="{AF507438-7753-43e0-B8FC-AC1667EBCBE1}">
-              <a14:hiddenEffects xmlns="" xmlns:a14="http://schemas.microsoft.com/office/drawing/2010/main">
+              <a14:hiddenEffects xmlns:a14="http://schemas.microsoft.com/office/drawing/2010/main" xmlns="">
                 <a:effectLst>
                   <a:outerShdw blurRad="63500" dist="38099" dir="2700000" algn="ctr" rotWithShape="0">
                     <a:schemeClr val="bg2">
@@ -12100,7 +13312,7 @@
           <a:effectLst/>
           <a:extLst>
             <a:ext uri="{AF507438-7753-43e0-B8FC-AC1667EBCBE1}">
-              <a14:hiddenEffects xmlns="" xmlns:a14="http://schemas.microsoft.com/office/drawing/2010/main">
+              <a14:hiddenEffects xmlns:a14="http://schemas.microsoft.com/office/drawing/2010/main" xmlns="">
                 <a:effectLst>
                   <a:outerShdw blurRad="63500" dist="38099" dir="2700000" algn="ctr" rotWithShape="0">
                     <a:schemeClr val="bg2">
@@ -12178,7 +13390,7 @@
           <a:effectLst/>
           <a:extLst>
             <a:ext uri="{AF507438-7753-43e0-B8FC-AC1667EBCBE1}">
-              <a14:hiddenEffects xmlns="" xmlns:a14="http://schemas.microsoft.com/office/drawing/2010/main">
+              <a14:hiddenEffects xmlns:a14="http://schemas.microsoft.com/office/drawing/2010/main" xmlns="">
                 <a:effectLst>
                   <a:outerShdw blurRad="63500" dist="38099" dir="2700000" algn="ctr" rotWithShape="0">
                     <a:schemeClr val="bg2">
@@ -12256,7 +13468,7 @@
           <a:effectLst/>
           <a:extLst>
             <a:ext uri="{AF507438-7753-43e0-B8FC-AC1667EBCBE1}">
-              <a14:hiddenEffects xmlns="" xmlns:a14="http://schemas.microsoft.com/office/drawing/2010/main">
+              <a14:hiddenEffects xmlns:a14="http://schemas.microsoft.com/office/drawing/2010/main" xmlns="">
                 <a:effectLst>
                   <a:outerShdw blurRad="63500" dist="38099" dir="2700000" algn="ctr" rotWithShape="0">
                     <a:schemeClr val="bg2">
@@ -12334,7 +13546,7 @@
           <a:effectLst/>
           <a:extLst>
             <a:ext uri="{AF507438-7753-43e0-B8FC-AC1667EBCBE1}">
-              <a14:hiddenEffects xmlns="" xmlns:a14="http://schemas.microsoft.com/office/drawing/2010/main">
+              <a14:hiddenEffects xmlns:a14="http://schemas.microsoft.com/office/drawing/2010/main" xmlns="">
                 <a:effectLst>
                   <a:outerShdw blurRad="63500" dist="38099" dir="2700000" algn="ctr" rotWithShape="0">
                     <a:schemeClr val="bg2">
@@ -12412,7 +13624,7 @@
           <a:effectLst/>
           <a:extLst>
             <a:ext uri="{AF507438-7753-43e0-B8FC-AC1667EBCBE1}">
-              <a14:hiddenEffects xmlns="" xmlns:a14="http://schemas.microsoft.com/office/drawing/2010/main">
+              <a14:hiddenEffects xmlns:a14="http://schemas.microsoft.com/office/drawing/2010/main" xmlns="">
                 <a:effectLst>
                   <a:outerShdw blurRad="63500" dist="38099" dir="2700000" algn="ctr" rotWithShape="0">
                     <a:schemeClr val="bg2">
@@ -12490,7 +13702,7 @@
           <a:effectLst/>
           <a:extLst>
             <a:ext uri="{AF507438-7753-43e0-B8FC-AC1667EBCBE1}">
-              <a14:hiddenEffects xmlns="" xmlns:a14="http://schemas.microsoft.com/office/drawing/2010/main">
+              <a14:hiddenEffects xmlns:a14="http://schemas.microsoft.com/office/drawing/2010/main" xmlns="">
                 <a:effectLst>
                   <a:outerShdw blurRad="63500" dist="38099" dir="2700000" algn="ctr" rotWithShape="0">
                     <a:schemeClr val="bg2">
@@ -12568,7 +13780,7 @@
           <a:effectLst/>
           <a:extLst>
             <a:ext uri="{AF507438-7753-43e0-B8FC-AC1667EBCBE1}">
-              <a14:hiddenEffects xmlns="" xmlns:a14="http://schemas.microsoft.com/office/drawing/2010/main">
+              <a14:hiddenEffects xmlns:a14="http://schemas.microsoft.com/office/drawing/2010/main" xmlns="">
                 <a:effectLst>
                   <a:outerShdw blurRad="63500" dist="38099" dir="2700000" algn="ctr" rotWithShape="0">
                     <a:schemeClr val="bg2">
@@ -12646,7 +13858,7 @@
           <a:effectLst/>
           <a:extLst>
             <a:ext uri="{AF507438-7753-43e0-B8FC-AC1667EBCBE1}">
-              <a14:hiddenEffects xmlns="" xmlns:a14="http://schemas.microsoft.com/office/drawing/2010/main">
+              <a14:hiddenEffects xmlns:a14="http://schemas.microsoft.com/office/drawing/2010/main" xmlns="">
                 <a:effectLst>
                   <a:outerShdw blurRad="63500" dist="38099" dir="2700000" algn="ctr" rotWithShape="0">
                     <a:schemeClr val="bg2">
@@ -12724,7 +13936,7 @@
           <a:effectLst/>
           <a:extLst>
             <a:ext uri="{AF507438-7753-43e0-B8FC-AC1667EBCBE1}">
-              <a14:hiddenEffects xmlns="" xmlns:a14="http://schemas.microsoft.com/office/drawing/2010/main">
+              <a14:hiddenEffects xmlns:a14="http://schemas.microsoft.com/office/drawing/2010/main" xmlns="">
                 <a:effectLst>
                   <a:outerShdw blurRad="63500" dist="38099" dir="2700000" algn="ctr" rotWithShape="0">
                     <a:schemeClr val="bg2">
@@ -12802,7 +14014,7 @@
           <a:effectLst/>
           <a:extLst>
             <a:ext uri="{AF507438-7753-43e0-B8FC-AC1667EBCBE1}">
-              <a14:hiddenEffects xmlns="" xmlns:a14="http://schemas.microsoft.com/office/drawing/2010/main">
+              <a14:hiddenEffects xmlns:a14="http://schemas.microsoft.com/office/drawing/2010/main" xmlns="">
                 <a:effectLst>
                   <a:outerShdw blurRad="63500" dist="38099" dir="2700000" algn="ctr" rotWithShape="0">
                     <a:schemeClr val="bg2">
@@ -12880,7 +14092,7 @@
           <a:effectLst/>
           <a:extLst>
             <a:ext uri="{AF507438-7753-43e0-B8FC-AC1667EBCBE1}">
-              <a14:hiddenEffects xmlns="" xmlns:a14="http://schemas.microsoft.com/office/drawing/2010/main">
+              <a14:hiddenEffects xmlns:a14="http://schemas.microsoft.com/office/drawing/2010/main" xmlns="">
                 <a:effectLst>
                   <a:outerShdw blurRad="63500" dist="38099" dir="2700000" algn="ctr" rotWithShape="0">
                     <a:schemeClr val="bg2">
@@ -12958,7 +14170,7 @@
           <a:effectLst/>
           <a:extLst>
             <a:ext uri="{AF507438-7753-43e0-B8FC-AC1667EBCBE1}">
-              <a14:hiddenEffects xmlns="" xmlns:a14="http://schemas.microsoft.com/office/drawing/2010/main">
+              <a14:hiddenEffects xmlns:a14="http://schemas.microsoft.com/office/drawing/2010/main" xmlns="">
                 <a:effectLst>
                   <a:outerShdw blurRad="63500" dist="38099" dir="2700000" algn="ctr" rotWithShape="0">
                     <a:schemeClr val="bg2">
@@ -13036,7 +14248,7 @@
           <a:effectLst/>
           <a:extLst>
             <a:ext uri="{AF507438-7753-43e0-B8FC-AC1667EBCBE1}">
-              <a14:hiddenEffects xmlns="" xmlns:a14="http://schemas.microsoft.com/office/drawing/2010/main">
+              <a14:hiddenEffects xmlns:a14="http://schemas.microsoft.com/office/drawing/2010/main" xmlns="">
                 <a:effectLst>
                   <a:outerShdw blurRad="63500" dist="38099" dir="2700000" algn="ctr" rotWithShape="0">
                     <a:schemeClr val="bg2">
@@ -13114,7 +14326,7 @@
           <a:effectLst/>
           <a:extLst>
             <a:ext uri="{AF507438-7753-43e0-B8FC-AC1667EBCBE1}">
-              <a14:hiddenEffects xmlns="" xmlns:a14="http://schemas.microsoft.com/office/drawing/2010/main">
+              <a14:hiddenEffects xmlns:a14="http://schemas.microsoft.com/office/drawing/2010/main" xmlns="">
                 <a:effectLst>
                   <a:outerShdw blurRad="63500" dist="38099" dir="2700000" algn="ctr" rotWithShape="0">
                     <a:schemeClr val="bg2">
@@ -13192,7 +14404,7 @@
           <a:effectLst/>
           <a:extLst>
             <a:ext uri="{AF507438-7753-43e0-B8FC-AC1667EBCBE1}">
-              <a14:hiddenEffects xmlns="" xmlns:a14="http://schemas.microsoft.com/office/drawing/2010/main">
+              <a14:hiddenEffects xmlns:a14="http://schemas.microsoft.com/office/drawing/2010/main" xmlns="">
                 <a:effectLst>
                   <a:outerShdw blurRad="63500" dist="38099" dir="2700000" algn="ctr" rotWithShape="0">
                     <a:schemeClr val="bg2">
@@ -13270,7 +14482,7 @@
           <a:effectLst/>
           <a:extLst>
             <a:ext uri="{AF507438-7753-43e0-B8FC-AC1667EBCBE1}">
-              <a14:hiddenEffects xmlns="" xmlns:a14="http://schemas.microsoft.com/office/drawing/2010/main">
+              <a14:hiddenEffects xmlns:a14="http://schemas.microsoft.com/office/drawing/2010/main" xmlns="">
                 <a:effectLst>
                   <a:outerShdw blurRad="63500" dist="38099" dir="2700000" algn="ctr" rotWithShape="0">
                     <a:schemeClr val="bg2">
@@ -13348,7 +14560,7 @@
           <a:effectLst/>
           <a:extLst>
             <a:ext uri="{AF507438-7753-43e0-B8FC-AC1667EBCBE1}">
-              <a14:hiddenEffects xmlns="" xmlns:a14="http://schemas.microsoft.com/office/drawing/2010/main">
+              <a14:hiddenEffects xmlns:a14="http://schemas.microsoft.com/office/drawing/2010/main" xmlns="">
                 <a:effectLst>
                   <a:outerShdw blurRad="63500" dist="38099" dir="2700000" algn="ctr" rotWithShape="0">
                     <a:schemeClr val="bg2">
@@ -13426,7 +14638,7 @@
           <a:effectLst/>
           <a:extLst>
             <a:ext uri="{AF507438-7753-43e0-B8FC-AC1667EBCBE1}">
-              <a14:hiddenEffects xmlns="" xmlns:a14="http://schemas.microsoft.com/office/drawing/2010/main">
+              <a14:hiddenEffects xmlns:a14="http://schemas.microsoft.com/office/drawing/2010/main" xmlns="">
                 <a:effectLst>
                   <a:outerShdw blurRad="63500" dist="38099" dir="2700000" algn="ctr" rotWithShape="0">
                     <a:schemeClr val="bg2">
@@ -13504,7 +14716,7 @@
           <a:effectLst/>
           <a:extLst>
             <a:ext uri="{AF507438-7753-43e0-B8FC-AC1667EBCBE1}">
-              <a14:hiddenEffects xmlns="" xmlns:a14="http://schemas.microsoft.com/office/drawing/2010/main">
+              <a14:hiddenEffects xmlns:a14="http://schemas.microsoft.com/office/drawing/2010/main" xmlns="">
                 <a:effectLst>
                   <a:outerShdw blurRad="63500" dist="38099" dir="2700000" algn="ctr" rotWithShape="0">
                     <a:schemeClr val="bg2">
@@ -13582,7 +14794,7 @@
           <a:effectLst/>
           <a:extLst>
             <a:ext uri="{AF507438-7753-43e0-B8FC-AC1667EBCBE1}">
-              <a14:hiddenEffects xmlns="" xmlns:a14="http://schemas.microsoft.com/office/drawing/2010/main">
+              <a14:hiddenEffects xmlns:a14="http://schemas.microsoft.com/office/drawing/2010/main" xmlns="">
                 <a:effectLst>
                   <a:outerShdw blurRad="63500" dist="38099" dir="2700000" algn="ctr" rotWithShape="0">
                     <a:schemeClr val="bg2">
@@ -13660,7 +14872,7 @@
           <a:effectLst/>
           <a:extLst>
             <a:ext uri="{AF507438-7753-43e0-B8FC-AC1667EBCBE1}">
-              <a14:hiddenEffects xmlns="" xmlns:a14="http://schemas.microsoft.com/office/drawing/2010/main">
+              <a14:hiddenEffects xmlns:a14="http://schemas.microsoft.com/office/drawing/2010/main" xmlns="">
                 <a:effectLst>
                   <a:outerShdw blurRad="63500" dist="38099" dir="2700000" algn="ctr" rotWithShape="0">
                     <a:schemeClr val="bg2">
@@ -13738,7 +14950,7 @@
           <a:effectLst/>
           <a:extLst>
             <a:ext uri="{AF507438-7753-43e0-B8FC-AC1667EBCBE1}">
-              <a14:hiddenEffects xmlns="" xmlns:a14="http://schemas.microsoft.com/office/drawing/2010/main">
+              <a14:hiddenEffects xmlns:a14="http://schemas.microsoft.com/office/drawing/2010/main" xmlns="">
                 <a:effectLst>
                   <a:outerShdw blurRad="63500" dist="38099" dir="2700000" algn="ctr" rotWithShape="0">
                     <a:schemeClr val="bg2">
@@ -13816,7 +15028,7 @@
           <a:effectLst/>
           <a:extLst>
             <a:ext uri="{AF507438-7753-43e0-B8FC-AC1667EBCBE1}">
-              <a14:hiddenEffects xmlns="" xmlns:a14="http://schemas.microsoft.com/office/drawing/2010/main">
+              <a14:hiddenEffects xmlns:a14="http://schemas.microsoft.com/office/drawing/2010/main" xmlns="">
                 <a:effectLst>
                   <a:outerShdw blurRad="63500" dist="38099" dir="2700000" algn="ctr" rotWithShape="0">
                     <a:schemeClr val="bg2">
@@ -13904,7 +15116,7 @@
           </a:scene3d>
           <a:extLst>
             <a:ext uri="{AF507438-7753-43e0-B8FC-AC1667EBCBE1}">
-              <a14:hiddenEffects xmlns="" xmlns:a14="http://schemas.microsoft.com/office/drawing/2010/main">
+              <a14:hiddenEffects xmlns:a14="http://schemas.microsoft.com/office/drawing/2010/main" xmlns="">
                 <a:effectLst>
                   <a:outerShdw blurRad="63500" dist="38099" dir="2700000" algn="ctr" rotWithShape="0">
                     <a:schemeClr val="bg2">
@@ -13992,7 +15204,7 @@
           </a:scene3d>
           <a:extLst>
             <a:ext uri="{AF507438-7753-43e0-B8FC-AC1667EBCBE1}">
-              <a14:hiddenEffects xmlns="" xmlns:a14="http://schemas.microsoft.com/office/drawing/2010/main">
+              <a14:hiddenEffects xmlns:a14="http://schemas.microsoft.com/office/drawing/2010/main" xmlns="">
                 <a:effectLst>
                   <a:outerShdw blurRad="63500" dist="38099" dir="2700000" algn="ctr" rotWithShape="0">
                     <a:schemeClr val="bg2">
@@ -14080,7 +15292,7 @@
           </a:scene3d>
           <a:extLst>
             <a:ext uri="{AF507438-7753-43e0-B8FC-AC1667EBCBE1}">
-              <a14:hiddenEffects xmlns="" xmlns:a14="http://schemas.microsoft.com/office/drawing/2010/main">
+              <a14:hiddenEffects xmlns:a14="http://schemas.microsoft.com/office/drawing/2010/main" xmlns="">
                 <a:effectLst>
                   <a:outerShdw blurRad="63500" dist="38099" dir="2700000" algn="ctr" rotWithShape="0">
                     <a:schemeClr val="bg2">
@@ -14168,7 +15380,7 @@
           </a:scene3d>
           <a:extLst>
             <a:ext uri="{AF507438-7753-43e0-B8FC-AC1667EBCBE1}">
-              <a14:hiddenEffects xmlns="" xmlns:a14="http://schemas.microsoft.com/office/drawing/2010/main">
+              <a14:hiddenEffects xmlns:a14="http://schemas.microsoft.com/office/drawing/2010/main" xmlns="">
                 <a:effectLst>
                   <a:outerShdw blurRad="63500" dist="38099" dir="2700000" algn="ctr" rotWithShape="0">
                     <a:schemeClr val="bg2">
@@ -14246,7 +15458,7 @@
           <a:effectLst/>
           <a:extLst>
             <a:ext uri="{AF507438-7753-43e0-B8FC-AC1667EBCBE1}">
-              <a14:hiddenEffects xmlns="" xmlns:a14="http://schemas.microsoft.com/office/drawing/2010/main">
+              <a14:hiddenEffects xmlns:a14="http://schemas.microsoft.com/office/drawing/2010/main" xmlns="">
                 <a:effectLst>
                   <a:outerShdw blurRad="63500" dist="38099" dir="2700000" algn="ctr" rotWithShape="0">
                     <a:schemeClr val="bg2">
@@ -14324,7 +15536,7 @@
           <a:effectLst/>
           <a:extLst>
             <a:ext uri="{AF507438-7753-43e0-B8FC-AC1667EBCBE1}">
-              <a14:hiddenEffects xmlns="" xmlns:a14="http://schemas.microsoft.com/office/drawing/2010/main">
+              <a14:hiddenEffects xmlns:a14="http://schemas.microsoft.com/office/drawing/2010/main" xmlns="">
                 <a:effectLst>
                   <a:outerShdw blurRad="63500" dist="38099" dir="2700000" algn="ctr" rotWithShape="0">
                     <a:schemeClr val="bg2">
@@ -14402,7 +15614,7 @@
           <a:effectLst/>
           <a:extLst>
             <a:ext uri="{AF507438-7753-43e0-B8FC-AC1667EBCBE1}">
-              <a14:hiddenEffects xmlns="" xmlns:a14="http://schemas.microsoft.com/office/drawing/2010/main">
+              <a14:hiddenEffects xmlns:a14="http://schemas.microsoft.com/office/drawing/2010/main" xmlns="">
                 <a:effectLst>
                   <a:outerShdw blurRad="63500" dist="38099" dir="2700000" algn="ctr" rotWithShape="0">
                     <a:schemeClr val="bg2">
@@ -14480,7 +15692,7 @@
           <a:effectLst/>
           <a:extLst>
             <a:ext uri="{AF507438-7753-43e0-B8FC-AC1667EBCBE1}">
-              <a14:hiddenEffects xmlns="" xmlns:a14="http://schemas.microsoft.com/office/drawing/2010/main">
+              <a14:hiddenEffects xmlns:a14="http://schemas.microsoft.com/office/drawing/2010/main" xmlns="">
                 <a:effectLst>
                   <a:outerShdw blurRad="63500" dist="38099" dir="2700000" algn="ctr" rotWithShape="0">
                     <a:schemeClr val="bg2">
@@ -14558,7 +15770,7 @@
           <a:effectLst/>
           <a:extLst>
             <a:ext uri="{AF507438-7753-43e0-B8FC-AC1667EBCBE1}">
-              <a14:hiddenEffects xmlns="" xmlns:a14="http://schemas.microsoft.com/office/drawing/2010/main">
+              <a14:hiddenEffects xmlns:a14="http://schemas.microsoft.com/office/drawing/2010/main" xmlns="">
                 <a:effectLst>
                   <a:outerShdw blurRad="63500" dist="38099" dir="2700000" algn="ctr" rotWithShape="0">
                     <a:schemeClr val="bg2">
@@ -14636,7 +15848,7 @@
           <a:effectLst/>
           <a:extLst>
             <a:ext uri="{AF507438-7753-43e0-B8FC-AC1667EBCBE1}">
-              <a14:hiddenEffects xmlns="" xmlns:a14="http://schemas.microsoft.com/office/drawing/2010/main">
+              <a14:hiddenEffects xmlns:a14="http://schemas.microsoft.com/office/drawing/2010/main" xmlns="">
                 <a:effectLst>
                   <a:outerShdw blurRad="63500" dist="38099" dir="2700000" algn="ctr" rotWithShape="0">
                     <a:schemeClr val="bg2">
@@ -14714,7 +15926,7 @@
           <a:effectLst/>
           <a:extLst>
             <a:ext uri="{AF507438-7753-43e0-B8FC-AC1667EBCBE1}">
-              <a14:hiddenEffects xmlns="" xmlns:a14="http://schemas.microsoft.com/office/drawing/2010/main">
+              <a14:hiddenEffects xmlns:a14="http://schemas.microsoft.com/office/drawing/2010/main" xmlns="">
                 <a:effectLst>
                   <a:outerShdw blurRad="63500" dist="38099" dir="2700000" algn="ctr" rotWithShape="0">
                     <a:schemeClr val="bg2">
@@ -14792,7 +16004,7 @@
           <a:effectLst/>
           <a:extLst>
             <a:ext uri="{AF507438-7753-43e0-B8FC-AC1667EBCBE1}">
-              <a14:hiddenEffects xmlns="" xmlns:a14="http://schemas.microsoft.com/office/drawing/2010/main">
+              <a14:hiddenEffects xmlns:a14="http://schemas.microsoft.com/office/drawing/2010/main" xmlns="">
                 <a:effectLst>
                   <a:outerShdw blurRad="63500" dist="38099" dir="2700000" algn="ctr" rotWithShape="0">
                     <a:schemeClr val="bg2">
@@ -14870,7 +16082,7 @@
           <a:effectLst/>
           <a:extLst>
             <a:ext uri="{AF507438-7753-43e0-B8FC-AC1667EBCBE1}">
-              <a14:hiddenEffects xmlns="" xmlns:a14="http://schemas.microsoft.com/office/drawing/2010/main">
+              <a14:hiddenEffects xmlns:a14="http://schemas.microsoft.com/office/drawing/2010/main" xmlns="">
                 <a:effectLst>
                   <a:outerShdw blurRad="63500" dist="38099" dir="2700000" algn="ctr" rotWithShape="0">
                     <a:schemeClr val="bg2">
@@ -14948,7 +16160,7 @@
           <a:effectLst/>
           <a:extLst>
             <a:ext uri="{AF507438-7753-43e0-B8FC-AC1667EBCBE1}">
-              <a14:hiddenEffects xmlns="" xmlns:a14="http://schemas.microsoft.com/office/drawing/2010/main">
+              <a14:hiddenEffects xmlns:a14="http://schemas.microsoft.com/office/drawing/2010/main" xmlns="">
                 <a:effectLst>
                   <a:outerShdw blurRad="63500" dist="38099" dir="2700000" algn="ctr" rotWithShape="0">
                     <a:schemeClr val="bg2">
@@ -15026,7 +16238,7 @@
           <a:effectLst/>
           <a:extLst>
             <a:ext uri="{AF507438-7753-43e0-B8FC-AC1667EBCBE1}">
-              <a14:hiddenEffects xmlns="" xmlns:a14="http://schemas.microsoft.com/office/drawing/2010/main">
+              <a14:hiddenEffects xmlns:a14="http://schemas.microsoft.com/office/drawing/2010/main" xmlns="">
                 <a:effectLst>
                   <a:outerShdw blurRad="63500" dist="38099" dir="2700000" algn="ctr" rotWithShape="0">
                     <a:schemeClr val="bg2">
@@ -15104,7 +16316,7 @@
           <a:effectLst/>
           <a:extLst>
             <a:ext uri="{AF507438-7753-43e0-B8FC-AC1667EBCBE1}">
-              <a14:hiddenEffects xmlns="" xmlns:a14="http://schemas.microsoft.com/office/drawing/2010/main">
+              <a14:hiddenEffects xmlns:a14="http://schemas.microsoft.com/office/drawing/2010/main" xmlns="">
                 <a:effectLst>
                   <a:outerShdw blurRad="63500" dist="38099" dir="2700000" algn="ctr" rotWithShape="0">
                     <a:schemeClr val="bg2">
@@ -15182,7 +16394,7 @@
           <a:effectLst/>
           <a:extLst>
             <a:ext uri="{AF507438-7753-43e0-B8FC-AC1667EBCBE1}">
-              <a14:hiddenEffects xmlns="" xmlns:a14="http://schemas.microsoft.com/office/drawing/2010/main">
+              <a14:hiddenEffects xmlns:a14="http://schemas.microsoft.com/office/drawing/2010/main" xmlns="">
                 <a:effectLst>
                   <a:outerShdw blurRad="63500" dist="38099" dir="2700000" algn="ctr" rotWithShape="0">
                     <a:schemeClr val="bg2">
@@ -15260,7 +16472,7 @@
           <a:effectLst/>
           <a:extLst>
             <a:ext uri="{AF507438-7753-43e0-B8FC-AC1667EBCBE1}">
-              <a14:hiddenEffects xmlns="" xmlns:a14="http://schemas.microsoft.com/office/drawing/2010/main">
+              <a14:hiddenEffects xmlns:a14="http://schemas.microsoft.com/office/drawing/2010/main" xmlns="">
                 <a:effectLst>
                   <a:outerShdw blurRad="63500" dist="38099" dir="2700000" algn="ctr" rotWithShape="0">
                     <a:schemeClr val="bg2">
@@ -15338,7 +16550,7 @@
           <a:effectLst/>
           <a:extLst>
             <a:ext uri="{AF507438-7753-43e0-B8FC-AC1667EBCBE1}">
-              <a14:hiddenEffects xmlns="" xmlns:a14="http://schemas.microsoft.com/office/drawing/2010/main">
+              <a14:hiddenEffects xmlns:a14="http://schemas.microsoft.com/office/drawing/2010/main" xmlns="">
                 <a:effectLst>
                   <a:outerShdw blurRad="63500" dist="38099" dir="2700000" algn="ctr" rotWithShape="0">
                     <a:schemeClr val="bg2">
@@ -15416,7 +16628,7 @@
           <a:effectLst/>
           <a:extLst>
             <a:ext uri="{AF507438-7753-43e0-B8FC-AC1667EBCBE1}">
-              <a14:hiddenEffects xmlns="" xmlns:a14="http://schemas.microsoft.com/office/drawing/2010/main">
+              <a14:hiddenEffects xmlns:a14="http://schemas.microsoft.com/office/drawing/2010/main" xmlns="">
                 <a:effectLst>
                   <a:outerShdw blurRad="63500" dist="38099" dir="2700000" algn="ctr" rotWithShape="0">
                     <a:schemeClr val="bg2">
@@ -15494,7 +16706,7 @@
           <a:effectLst/>
           <a:extLst>
             <a:ext uri="{AF507438-7753-43e0-B8FC-AC1667EBCBE1}">
-              <a14:hiddenEffects xmlns="" xmlns:a14="http://schemas.microsoft.com/office/drawing/2010/main">
+              <a14:hiddenEffects xmlns:a14="http://schemas.microsoft.com/office/drawing/2010/main" xmlns="">
                 <a:effectLst>
                   <a:outerShdw blurRad="63500" dist="38099" dir="2700000" algn="ctr" rotWithShape="0">
                     <a:schemeClr val="bg2">
@@ -15572,7 +16784,7 @@
           <a:effectLst/>
           <a:extLst>
             <a:ext uri="{AF507438-7753-43e0-B8FC-AC1667EBCBE1}">
-              <a14:hiddenEffects xmlns="" xmlns:a14="http://schemas.microsoft.com/office/drawing/2010/main">
+              <a14:hiddenEffects xmlns:a14="http://schemas.microsoft.com/office/drawing/2010/main" xmlns="">
                 <a:effectLst>
                   <a:outerShdw blurRad="63500" dist="38099" dir="2700000" algn="ctr" rotWithShape="0">
                     <a:schemeClr val="bg2">
@@ -15650,7 +16862,7 @@
           <a:effectLst/>
           <a:extLst>
             <a:ext uri="{AF507438-7753-43e0-B8FC-AC1667EBCBE1}">
-              <a14:hiddenEffects xmlns="" xmlns:a14="http://schemas.microsoft.com/office/drawing/2010/main">
+              <a14:hiddenEffects xmlns:a14="http://schemas.microsoft.com/office/drawing/2010/main" xmlns="">
                 <a:effectLst>
                   <a:outerShdw blurRad="63500" dist="38099" dir="2700000" algn="ctr" rotWithShape="0">
                     <a:schemeClr val="bg2">
@@ -15728,7 +16940,7 @@
           <a:effectLst/>
           <a:extLst>
             <a:ext uri="{AF507438-7753-43e0-B8FC-AC1667EBCBE1}">
-              <a14:hiddenEffects xmlns="" xmlns:a14="http://schemas.microsoft.com/office/drawing/2010/main">
+              <a14:hiddenEffects xmlns:a14="http://schemas.microsoft.com/office/drawing/2010/main" xmlns="">
                 <a:effectLst>
                   <a:outerShdw blurRad="63500" dist="38099" dir="2700000" algn="ctr" rotWithShape="0">
                     <a:schemeClr val="bg2">
@@ -15806,7 +17018,7 @@
           <a:effectLst/>
           <a:extLst>
             <a:ext uri="{AF507438-7753-43e0-B8FC-AC1667EBCBE1}">
-              <a14:hiddenEffects xmlns="" xmlns:a14="http://schemas.microsoft.com/office/drawing/2010/main">
+              <a14:hiddenEffects xmlns:a14="http://schemas.microsoft.com/office/drawing/2010/main" xmlns="">
                 <a:effectLst>
                   <a:outerShdw blurRad="63500" dist="38099" dir="2700000" algn="ctr" rotWithShape="0">
                     <a:schemeClr val="bg2">
@@ -15884,7 +17096,7 @@
           <a:effectLst/>
           <a:extLst>
             <a:ext uri="{AF507438-7753-43e0-B8FC-AC1667EBCBE1}">
-              <a14:hiddenEffects xmlns="" xmlns:a14="http://schemas.microsoft.com/office/drawing/2010/main">
+              <a14:hiddenEffects xmlns:a14="http://schemas.microsoft.com/office/drawing/2010/main" xmlns="">
                 <a:effectLst>
                   <a:outerShdw blurRad="63500" dist="38099" dir="2700000" algn="ctr" rotWithShape="0">
                     <a:schemeClr val="bg2">
@@ -15962,7 +17174,7 @@
           <a:effectLst/>
           <a:extLst>
             <a:ext uri="{AF507438-7753-43e0-B8FC-AC1667EBCBE1}">
-              <a14:hiddenEffects xmlns="" xmlns:a14="http://schemas.microsoft.com/office/drawing/2010/main">
+              <a14:hiddenEffects xmlns:a14="http://schemas.microsoft.com/office/drawing/2010/main" xmlns="">
                 <a:effectLst>
                   <a:outerShdw blurRad="63500" dist="38099" dir="2700000" algn="ctr" rotWithShape="0">
                     <a:schemeClr val="bg2">
@@ -16040,7 +17252,7 @@
           <a:effectLst/>
           <a:extLst>
             <a:ext uri="{AF507438-7753-43e0-B8FC-AC1667EBCBE1}">
-              <a14:hiddenEffects xmlns="" xmlns:a14="http://schemas.microsoft.com/office/drawing/2010/main">
+              <a14:hiddenEffects xmlns:a14="http://schemas.microsoft.com/office/drawing/2010/main" xmlns="">
                 <a:effectLst>
                   <a:outerShdw blurRad="63500" dist="38099" dir="2700000" algn="ctr" rotWithShape="0">
                     <a:schemeClr val="bg2">
@@ -16118,7 +17330,7 @@
           <a:effectLst/>
           <a:extLst>
             <a:ext uri="{AF507438-7753-43e0-B8FC-AC1667EBCBE1}">
-              <a14:hiddenEffects xmlns="" xmlns:a14="http://schemas.microsoft.com/office/drawing/2010/main">
+              <a14:hiddenEffects xmlns:a14="http://schemas.microsoft.com/office/drawing/2010/main" xmlns="">
                 <a:effectLst>
                   <a:outerShdw blurRad="63500" dist="38099" dir="2700000" algn="ctr" rotWithShape="0">
                     <a:schemeClr val="bg2">
@@ -16196,7 +17408,7 @@
           <a:effectLst/>
           <a:extLst>
             <a:ext uri="{AF507438-7753-43e0-B8FC-AC1667EBCBE1}">
-              <a14:hiddenEffects xmlns="" xmlns:a14="http://schemas.microsoft.com/office/drawing/2010/main">
+              <a14:hiddenEffects xmlns:a14="http://schemas.microsoft.com/office/drawing/2010/main" xmlns="">
                 <a:effectLst>
                   <a:outerShdw blurRad="63500" dist="38099" dir="2700000" algn="ctr" rotWithShape="0">
                     <a:schemeClr val="bg2">
@@ -16274,7 +17486,7 @@
           <a:effectLst/>
           <a:extLst>
             <a:ext uri="{AF507438-7753-43e0-B8FC-AC1667EBCBE1}">
-              <a14:hiddenEffects xmlns="" xmlns:a14="http://schemas.microsoft.com/office/drawing/2010/main">
+              <a14:hiddenEffects xmlns:a14="http://schemas.microsoft.com/office/drawing/2010/main" xmlns="">
                 <a:effectLst>
                   <a:outerShdw blurRad="63500" dist="38099" dir="2700000" algn="ctr" rotWithShape="0">
                     <a:schemeClr val="bg2">
@@ -16352,7 +17564,7 @@
           <a:effectLst/>
           <a:extLst>
             <a:ext uri="{AF507438-7753-43e0-B8FC-AC1667EBCBE1}">
-              <a14:hiddenEffects xmlns="" xmlns:a14="http://schemas.microsoft.com/office/drawing/2010/main">
+              <a14:hiddenEffects xmlns:a14="http://schemas.microsoft.com/office/drawing/2010/main" xmlns="">
                 <a:effectLst>
                   <a:outerShdw blurRad="63500" dist="38099" dir="2700000" algn="ctr" rotWithShape="0">
                     <a:schemeClr val="bg2">
@@ -16430,7 +17642,7 @@
           <a:effectLst/>
           <a:extLst>
             <a:ext uri="{AF507438-7753-43e0-B8FC-AC1667EBCBE1}">
-              <a14:hiddenEffects xmlns="" xmlns:a14="http://schemas.microsoft.com/office/drawing/2010/main">
+              <a14:hiddenEffects xmlns:a14="http://schemas.microsoft.com/office/drawing/2010/main" xmlns="">
                 <a:effectLst>
                   <a:outerShdw blurRad="63500" dist="38099" dir="2700000" algn="ctr" rotWithShape="0">
                     <a:schemeClr val="bg2">
@@ -16508,7 +17720,7 @@
           <a:effectLst/>
           <a:extLst>
             <a:ext uri="{AF507438-7753-43e0-B8FC-AC1667EBCBE1}">
-              <a14:hiddenEffects xmlns="" xmlns:a14="http://schemas.microsoft.com/office/drawing/2010/main">
+              <a14:hiddenEffects xmlns:a14="http://schemas.microsoft.com/office/drawing/2010/main" xmlns="">
                 <a:effectLst>
                   <a:outerShdw blurRad="63500" dist="38099" dir="2700000" algn="ctr" rotWithShape="0">
                     <a:schemeClr val="bg2">
@@ -16586,7 +17798,7 @@
           <a:effectLst/>
           <a:extLst>
             <a:ext uri="{AF507438-7753-43e0-B8FC-AC1667EBCBE1}">
-              <a14:hiddenEffects xmlns="" xmlns:a14="http://schemas.microsoft.com/office/drawing/2010/main">
+              <a14:hiddenEffects xmlns:a14="http://schemas.microsoft.com/office/drawing/2010/main" xmlns="">
                 <a:effectLst>
                   <a:outerShdw blurRad="63500" dist="38099" dir="2700000" algn="ctr" rotWithShape="0">
                     <a:schemeClr val="bg2">
@@ -16664,7 +17876,7 @@
           <a:effectLst/>
           <a:extLst>
             <a:ext uri="{AF507438-7753-43e0-B8FC-AC1667EBCBE1}">
-              <a14:hiddenEffects xmlns="" xmlns:a14="http://schemas.microsoft.com/office/drawing/2010/main">
+              <a14:hiddenEffects xmlns:a14="http://schemas.microsoft.com/office/drawing/2010/main" xmlns="">
                 <a:effectLst>
                   <a:outerShdw blurRad="63500" dist="38099" dir="2700000" algn="ctr" rotWithShape="0">
                     <a:schemeClr val="bg2">
@@ -16742,7 +17954,7 @@
           <a:effectLst/>
           <a:extLst>
             <a:ext uri="{AF507438-7753-43e0-B8FC-AC1667EBCBE1}">
-              <a14:hiddenEffects xmlns="" xmlns:a14="http://schemas.microsoft.com/office/drawing/2010/main">
+              <a14:hiddenEffects xmlns:a14="http://schemas.microsoft.com/office/drawing/2010/main" xmlns="">
                 <a:effectLst>
                   <a:outerShdw blurRad="63500" dist="38099" dir="2700000" algn="ctr" rotWithShape="0">
                     <a:schemeClr val="bg2">
@@ -16820,7 +18032,7 @@
           <a:effectLst/>
           <a:extLst>
             <a:ext uri="{AF507438-7753-43e0-B8FC-AC1667EBCBE1}">
-              <a14:hiddenEffects xmlns="" xmlns:a14="http://schemas.microsoft.com/office/drawing/2010/main">
+              <a14:hiddenEffects xmlns:a14="http://schemas.microsoft.com/office/drawing/2010/main" xmlns="">
                 <a:effectLst>
                   <a:outerShdw blurRad="63500" dist="38099" dir="2700000" algn="ctr" rotWithShape="0">
                     <a:schemeClr val="bg2">
@@ -16898,7 +18110,7 @@
           <a:effectLst/>
           <a:extLst>
             <a:ext uri="{AF507438-7753-43e0-B8FC-AC1667EBCBE1}">
-              <a14:hiddenEffects xmlns="" xmlns:a14="http://schemas.microsoft.com/office/drawing/2010/main">
+              <a14:hiddenEffects xmlns:a14="http://schemas.microsoft.com/office/drawing/2010/main" xmlns="">
                 <a:effectLst>
                   <a:outerShdw blurRad="63500" dist="38099" dir="2700000" algn="ctr" rotWithShape="0">
                     <a:schemeClr val="bg2">
@@ -16976,7 +18188,7 @@
           <a:effectLst/>
           <a:extLst>
             <a:ext uri="{AF507438-7753-43e0-B8FC-AC1667EBCBE1}">
-              <a14:hiddenEffects xmlns="" xmlns:a14="http://schemas.microsoft.com/office/drawing/2010/main">
+              <a14:hiddenEffects xmlns:a14="http://schemas.microsoft.com/office/drawing/2010/main" xmlns="">
                 <a:effectLst>
                   <a:outerShdw blurRad="63500" dist="38099" dir="2700000" algn="ctr" rotWithShape="0">
                     <a:schemeClr val="bg2">
@@ -17054,7 +18266,7 @@
           <a:effectLst/>
           <a:extLst>
             <a:ext uri="{AF507438-7753-43e0-B8FC-AC1667EBCBE1}">
-              <a14:hiddenEffects xmlns="" xmlns:a14="http://schemas.microsoft.com/office/drawing/2010/main">
+              <a14:hiddenEffects xmlns:a14="http://schemas.microsoft.com/office/drawing/2010/main" xmlns="">
                 <a:effectLst>
                   <a:outerShdw blurRad="63500" dist="38099" dir="2700000" algn="ctr" rotWithShape="0">
                     <a:schemeClr val="bg2">
@@ -17132,7 +18344,7 @@
           <a:effectLst/>
           <a:extLst>
             <a:ext uri="{AF507438-7753-43e0-B8FC-AC1667EBCBE1}">
-              <a14:hiddenEffects xmlns="" xmlns:a14="http://schemas.microsoft.com/office/drawing/2010/main">
+              <a14:hiddenEffects xmlns:a14="http://schemas.microsoft.com/office/drawing/2010/main" xmlns="">
                 <a:effectLst>
                   <a:outerShdw blurRad="63500" dist="38099" dir="2700000" algn="ctr" rotWithShape="0">
                     <a:schemeClr val="bg2">
@@ -17210,7 +18422,7 @@
           <a:effectLst/>
           <a:extLst>
             <a:ext uri="{AF507438-7753-43e0-B8FC-AC1667EBCBE1}">
-              <a14:hiddenEffects xmlns="" xmlns:a14="http://schemas.microsoft.com/office/drawing/2010/main">
+              <a14:hiddenEffects xmlns:a14="http://schemas.microsoft.com/office/drawing/2010/main" xmlns="">
                 <a:effectLst>
                   <a:outerShdw blurRad="63500" dist="38099" dir="2700000" algn="ctr" rotWithShape="0">
                     <a:schemeClr val="bg2">
@@ -17288,7 +18500,7 @@
           <a:effectLst/>
           <a:extLst>
             <a:ext uri="{AF507438-7753-43e0-B8FC-AC1667EBCBE1}">
-              <a14:hiddenEffects xmlns="" xmlns:a14="http://schemas.microsoft.com/office/drawing/2010/main">
+              <a14:hiddenEffects xmlns:a14="http://schemas.microsoft.com/office/drawing/2010/main" xmlns="">
                 <a:effectLst>
                   <a:outerShdw blurRad="63500" dist="38099" dir="2700000" algn="ctr" rotWithShape="0">
                     <a:schemeClr val="bg2">
@@ -17366,7 +18578,7 @@
           <a:effectLst/>
           <a:extLst>
             <a:ext uri="{AF507438-7753-43e0-B8FC-AC1667EBCBE1}">
-              <a14:hiddenEffects xmlns="" xmlns:a14="http://schemas.microsoft.com/office/drawing/2010/main">
+              <a14:hiddenEffects xmlns:a14="http://schemas.microsoft.com/office/drawing/2010/main" xmlns="">
                 <a:effectLst>
                   <a:outerShdw blurRad="63500" dist="38099" dir="2700000" algn="ctr" rotWithShape="0">
                     <a:schemeClr val="bg2">
@@ -17444,7 +18656,7 @@
           <a:effectLst/>
           <a:extLst>
             <a:ext uri="{AF507438-7753-43e0-B8FC-AC1667EBCBE1}">
-              <a14:hiddenEffects xmlns="" xmlns:a14="http://schemas.microsoft.com/office/drawing/2010/main">
+              <a14:hiddenEffects xmlns:a14="http://schemas.microsoft.com/office/drawing/2010/main" xmlns="">
                 <a:effectLst>
                   <a:outerShdw blurRad="63500" dist="38099" dir="2700000" algn="ctr" rotWithShape="0">
                     <a:schemeClr val="bg2">
@@ -17522,7 +18734,7 @@
           <a:effectLst/>
           <a:extLst>
             <a:ext uri="{AF507438-7753-43e0-B8FC-AC1667EBCBE1}">
-              <a14:hiddenEffects xmlns="" xmlns:a14="http://schemas.microsoft.com/office/drawing/2010/main">
+              <a14:hiddenEffects xmlns:a14="http://schemas.microsoft.com/office/drawing/2010/main" xmlns="">
                 <a:effectLst>
                   <a:outerShdw blurRad="63500" dist="38099" dir="2700000" algn="ctr" rotWithShape="0">
                     <a:schemeClr val="bg2">
@@ -17600,7 +18812,7 @@
           <a:effectLst/>
           <a:extLst>
             <a:ext uri="{AF507438-7753-43e0-B8FC-AC1667EBCBE1}">
-              <a14:hiddenEffects xmlns="" xmlns:a14="http://schemas.microsoft.com/office/drawing/2010/main">
+              <a14:hiddenEffects xmlns:a14="http://schemas.microsoft.com/office/drawing/2010/main" xmlns="">
                 <a:effectLst>
                   <a:outerShdw blurRad="63500" dist="38099" dir="2700000" algn="ctr" rotWithShape="0">
                     <a:schemeClr val="bg2">
@@ -17678,7 +18890,7 @@
           <a:effectLst/>
           <a:extLst>
             <a:ext uri="{AF507438-7753-43e0-B8FC-AC1667EBCBE1}">
-              <a14:hiddenEffects xmlns="" xmlns:a14="http://schemas.microsoft.com/office/drawing/2010/main">
+              <a14:hiddenEffects xmlns:a14="http://schemas.microsoft.com/office/drawing/2010/main" xmlns="">
                 <a:effectLst>
                   <a:outerShdw blurRad="63500" dist="38099" dir="2700000" algn="ctr" rotWithShape="0">
                     <a:schemeClr val="bg2">
@@ -17756,7 +18968,7 @@
           <a:effectLst/>
           <a:extLst>
             <a:ext uri="{AF507438-7753-43e0-B8FC-AC1667EBCBE1}">
-              <a14:hiddenEffects xmlns="" xmlns:a14="http://schemas.microsoft.com/office/drawing/2010/main">
+              <a14:hiddenEffects xmlns:a14="http://schemas.microsoft.com/office/drawing/2010/main" xmlns="">
                 <a:effectLst>
                   <a:outerShdw blurRad="63500" dist="38099" dir="2700000" algn="ctr" rotWithShape="0">
                     <a:schemeClr val="bg2">
@@ -17834,7 +19046,7 @@
           <a:effectLst/>
           <a:extLst>
             <a:ext uri="{AF507438-7753-43e0-B8FC-AC1667EBCBE1}">
-              <a14:hiddenEffects xmlns="" xmlns:a14="http://schemas.microsoft.com/office/drawing/2010/main">
+              <a14:hiddenEffects xmlns:a14="http://schemas.microsoft.com/office/drawing/2010/main" xmlns="">
                 <a:effectLst>
                   <a:outerShdw blurRad="63500" dist="38099" dir="2700000" algn="ctr" rotWithShape="0">
                     <a:schemeClr val="bg2">
@@ -17912,7 +19124,7 @@
           <a:effectLst/>
           <a:extLst>
             <a:ext uri="{AF507438-7753-43e0-B8FC-AC1667EBCBE1}">
-              <a14:hiddenEffects xmlns="" xmlns:a14="http://schemas.microsoft.com/office/drawing/2010/main">
+              <a14:hiddenEffects xmlns:a14="http://schemas.microsoft.com/office/drawing/2010/main" xmlns="">
                 <a:effectLst>
                   <a:outerShdw blurRad="63500" dist="38099" dir="2700000" algn="ctr" rotWithShape="0">
                     <a:schemeClr val="bg2">
@@ -17990,7 +19202,7 @@
           <a:effectLst/>
           <a:extLst>
             <a:ext uri="{AF507438-7753-43e0-B8FC-AC1667EBCBE1}">
-              <a14:hiddenEffects xmlns="" xmlns:a14="http://schemas.microsoft.com/office/drawing/2010/main">
+              <a14:hiddenEffects xmlns:a14="http://schemas.microsoft.com/office/drawing/2010/main" xmlns="">
                 <a:effectLst>
                   <a:outerShdw blurRad="63500" dist="38099" dir="2700000" algn="ctr" rotWithShape="0">
                     <a:schemeClr val="bg2">
@@ -18068,7 +19280,7 @@
           <a:effectLst/>
           <a:extLst>
             <a:ext uri="{AF507438-7753-43e0-B8FC-AC1667EBCBE1}">
-              <a14:hiddenEffects xmlns="" xmlns:a14="http://schemas.microsoft.com/office/drawing/2010/main">
+              <a14:hiddenEffects xmlns:a14="http://schemas.microsoft.com/office/drawing/2010/main" xmlns="">
                 <a:effectLst>
                   <a:outerShdw blurRad="63500" dist="38099" dir="2700000" algn="ctr" rotWithShape="0">
                     <a:schemeClr val="bg2">
@@ -18146,7 +19358,7 @@
           <a:effectLst/>
           <a:extLst>
             <a:ext uri="{AF507438-7753-43e0-B8FC-AC1667EBCBE1}">
-              <a14:hiddenEffects xmlns="" xmlns:a14="http://schemas.microsoft.com/office/drawing/2010/main">
+              <a14:hiddenEffects xmlns:a14="http://schemas.microsoft.com/office/drawing/2010/main" xmlns="">
                 <a:effectLst>
                   <a:outerShdw blurRad="63500" dist="38099" dir="2700000" algn="ctr" rotWithShape="0">
                     <a:schemeClr val="bg2">
@@ -18224,7 +19436,7 @@
           <a:effectLst/>
           <a:extLst>
             <a:ext uri="{AF507438-7753-43e0-B8FC-AC1667EBCBE1}">
-              <a14:hiddenEffects xmlns="" xmlns:a14="http://schemas.microsoft.com/office/drawing/2010/main">
+              <a14:hiddenEffects xmlns:a14="http://schemas.microsoft.com/office/drawing/2010/main" xmlns="">
                 <a:effectLst>
                   <a:outerShdw blurRad="63500" dist="38099" dir="2700000" algn="ctr" rotWithShape="0">
                     <a:schemeClr val="bg2">
@@ -18302,7 +19514,7 @@
           <a:effectLst/>
           <a:extLst>
             <a:ext uri="{AF507438-7753-43e0-B8FC-AC1667EBCBE1}">
-              <a14:hiddenEffects xmlns="" xmlns:a14="http://schemas.microsoft.com/office/drawing/2010/main">
+              <a14:hiddenEffects xmlns:a14="http://schemas.microsoft.com/office/drawing/2010/main" xmlns="">
                 <a:effectLst>
                   <a:outerShdw blurRad="63500" dist="38099" dir="2700000" algn="ctr" rotWithShape="0">
                     <a:schemeClr val="bg2">
@@ -18380,7 +19592,7 @@
           <a:effectLst/>
           <a:extLst>
             <a:ext uri="{AF507438-7753-43e0-B8FC-AC1667EBCBE1}">
-              <a14:hiddenEffects xmlns="" xmlns:a14="http://schemas.microsoft.com/office/drawing/2010/main">
+              <a14:hiddenEffects xmlns:a14="http://schemas.microsoft.com/office/drawing/2010/main" xmlns="">
                 <a:effectLst>
                   <a:outerShdw blurRad="63500" dist="38099" dir="2700000" algn="ctr" rotWithShape="0">
                     <a:schemeClr val="bg2">
@@ -18458,7 +19670,7 @@
           <a:effectLst/>
           <a:extLst>
             <a:ext uri="{AF507438-7753-43e0-B8FC-AC1667EBCBE1}">
-              <a14:hiddenEffects xmlns="" xmlns:a14="http://schemas.microsoft.com/office/drawing/2010/main">
+              <a14:hiddenEffects xmlns:a14="http://schemas.microsoft.com/office/drawing/2010/main" xmlns="">
                 <a:effectLst>
                   <a:outerShdw blurRad="63500" dist="38099" dir="2700000" algn="ctr" rotWithShape="0">
                     <a:schemeClr val="bg2">
@@ -18536,7 +19748,7 @@
           <a:effectLst/>
           <a:extLst>
             <a:ext uri="{AF507438-7753-43e0-B8FC-AC1667EBCBE1}">
-              <a14:hiddenEffects xmlns="" xmlns:a14="http://schemas.microsoft.com/office/drawing/2010/main">
+              <a14:hiddenEffects xmlns:a14="http://schemas.microsoft.com/office/drawing/2010/main" xmlns="">
                 <a:effectLst>
                   <a:outerShdw blurRad="63500" dist="38099" dir="2700000" algn="ctr" rotWithShape="0">
                     <a:schemeClr val="bg2">
@@ -18614,7 +19826,7 @@
           <a:effectLst/>
           <a:extLst>
             <a:ext uri="{AF507438-7753-43e0-B8FC-AC1667EBCBE1}">
-              <a14:hiddenEffects xmlns="" xmlns:a14="http://schemas.microsoft.com/office/drawing/2010/main">
+              <a14:hiddenEffects xmlns:a14="http://schemas.microsoft.com/office/drawing/2010/main" xmlns="">
                 <a:effectLst>
                   <a:outerShdw blurRad="63500" dist="38099" dir="2700000" algn="ctr" rotWithShape="0">
                     <a:schemeClr val="bg2">
@@ -18692,7 +19904,7 @@
           <a:effectLst/>
           <a:extLst>
             <a:ext uri="{AF507438-7753-43e0-B8FC-AC1667EBCBE1}">
-              <a14:hiddenEffects xmlns="" xmlns:a14="http://schemas.microsoft.com/office/drawing/2010/main">
+              <a14:hiddenEffects xmlns:a14="http://schemas.microsoft.com/office/drawing/2010/main" xmlns="">
                 <a:effectLst>
                   <a:outerShdw blurRad="63500" dist="38099" dir="2700000" algn="ctr" rotWithShape="0">
                     <a:schemeClr val="bg2">
@@ -18770,7 +19982,7 @@
           <a:effectLst/>
           <a:extLst>
             <a:ext uri="{AF507438-7753-43e0-B8FC-AC1667EBCBE1}">
-              <a14:hiddenEffects xmlns="" xmlns:a14="http://schemas.microsoft.com/office/drawing/2010/main">
+              <a14:hiddenEffects xmlns:a14="http://schemas.microsoft.com/office/drawing/2010/main" xmlns="">
                 <a:effectLst>
                   <a:outerShdw blurRad="63500" dist="38099" dir="2700000" algn="ctr" rotWithShape="0">
                     <a:schemeClr val="bg2">
@@ -18848,7 +20060,7 @@
           <a:effectLst/>
           <a:extLst>
             <a:ext uri="{AF507438-7753-43e0-B8FC-AC1667EBCBE1}">
-              <a14:hiddenEffects xmlns="" xmlns:a14="http://schemas.microsoft.com/office/drawing/2010/main">
+              <a14:hiddenEffects xmlns:a14="http://schemas.microsoft.com/office/drawing/2010/main" xmlns="">
                 <a:effectLst>
                   <a:outerShdw blurRad="63500" dist="38099" dir="2700000" algn="ctr" rotWithShape="0">
                     <a:schemeClr val="bg2">
@@ -18926,7 +20138,7 @@
           <a:effectLst/>
           <a:extLst>
             <a:ext uri="{AF507438-7753-43e0-B8FC-AC1667EBCBE1}">
-              <a14:hiddenEffects xmlns="" xmlns:a14="http://schemas.microsoft.com/office/drawing/2010/main">
+              <a14:hiddenEffects xmlns:a14="http://schemas.microsoft.com/office/drawing/2010/main" xmlns="">
                 <a:effectLst>
                   <a:outerShdw blurRad="63500" dist="38099" dir="2700000" algn="ctr" rotWithShape="0">
                     <a:schemeClr val="bg2">
@@ -19004,7 +20216,7 @@
           <a:effectLst/>
           <a:extLst>
             <a:ext uri="{AF507438-7753-43e0-B8FC-AC1667EBCBE1}">
-              <a14:hiddenEffects xmlns="" xmlns:a14="http://schemas.microsoft.com/office/drawing/2010/main">
+              <a14:hiddenEffects xmlns:a14="http://schemas.microsoft.com/office/drawing/2010/main" xmlns="">
                 <a:effectLst>
                   <a:outerShdw blurRad="63500" dist="38099" dir="2700000" algn="ctr" rotWithShape="0">
                     <a:schemeClr val="bg2">
@@ -19082,7 +20294,7 @@
           <a:effectLst/>
           <a:extLst>
             <a:ext uri="{AF507438-7753-43e0-B8FC-AC1667EBCBE1}">
-              <a14:hiddenEffects xmlns="" xmlns:a14="http://schemas.microsoft.com/office/drawing/2010/main">
+              <a14:hiddenEffects xmlns:a14="http://schemas.microsoft.com/office/drawing/2010/main" xmlns="">
                 <a:effectLst>
                   <a:outerShdw blurRad="63500" dist="38099" dir="2700000" algn="ctr" rotWithShape="0">
                     <a:schemeClr val="bg2">
@@ -19160,7 +20372,7 @@
           <a:effectLst/>
           <a:extLst>
             <a:ext uri="{AF507438-7753-43e0-B8FC-AC1667EBCBE1}">
-              <a14:hiddenEffects xmlns="" xmlns:a14="http://schemas.microsoft.com/office/drawing/2010/main">
+              <a14:hiddenEffects xmlns:a14="http://schemas.microsoft.com/office/drawing/2010/main" xmlns="">
                 <a:effectLst>
                   <a:outerShdw blurRad="63500" dist="38099" dir="2700000" algn="ctr" rotWithShape="0">
                     <a:schemeClr val="bg2">
@@ -19238,7 +20450,7 @@
           <a:effectLst/>
           <a:extLst>
             <a:ext uri="{AF507438-7753-43e0-B8FC-AC1667EBCBE1}">
-              <a14:hiddenEffects xmlns="" xmlns:a14="http://schemas.microsoft.com/office/drawing/2010/main">
+              <a14:hiddenEffects xmlns:a14="http://schemas.microsoft.com/office/drawing/2010/main" xmlns="">
                 <a:effectLst>
                   <a:outerShdw blurRad="63500" dist="38099" dir="2700000" algn="ctr" rotWithShape="0">
                     <a:schemeClr val="bg2">
@@ -19316,7 +20528,7 @@
           <a:effectLst/>
           <a:extLst>
             <a:ext uri="{AF507438-7753-43e0-B8FC-AC1667EBCBE1}">
-              <a14:hiddenEffects xmlns="" xmlns:a14="http://schemas.microsoft.com/office/drawing/2010/main">
+              <a14:hiddenEffects xmlns:a14="http://schemas.microsoft.com/office/drawing/2010/main" xmlns="">
                 <a:effectLst>
                   <a:outerShdw blurRad="63500" dist="38099" dir="2700000" algn="ctr" rotWithShape="0">
                     <a:schemeClr val="bg2">
@@ -19394,7 +20606,7 @@
           <a:effectLst/>
           <a:extLst>
             <a:ext uri="{AF507438-7753-43e0-B8FC-AC1667EBCBE1}">
-              <a14:hiddenEffects xmlns="" xmlns:a14="http://schemas.microsoft.com/office/drawing/2010/main">
+              <a14:hiddenEffects xmlns:a14="http://schemas.microsoft.com/office/drawing/2010/main" xmlns="">
                 <a:effectLst>
                   <a:outerShdw blurRad="63500" dist="38099" dir="2700000" algn="ctr" rotWithShape="0">
                     <a:schemeClr val="bg2">
@@ -19472,7 +20684,7 @@
           <a:effectLst/>
           <a:extLst>
             <a:ext uri="{AF507438-7753-43e0-B8FC-AC1667EBCBE1}">
-              <a14:hiddenEffects xmlns="" xmlns:a14="http://schemas.microsoft.com/office/drawing/2010/main">
+              <a14:hiddenEffects xmlns:a14="http://schemas.microsoft.com/office/drawing/2010/main" xmlns="">
                 <a:effectLst>
                   <a:outerShdw blurRad="63500" dist="38099" dir="2700000" algn="ctr" rotWithShape="0">
                     <a:schemeClr val="bg2">
@@ -19679,7 +20891,7 @@
           <p:cNvPr id="10241" name="Rectangle 2">
             <a:extLst>
               <a:ext uri="{FF2B5EF4-FFF2-40B4-BE49-F238E27FC236}">
-                <a16:creationId xmlns:a16="http://schemas.microsoft.com/office/drawing/2014/main" xmlns="" id="{2C64CE8F-6DC1-7B46-AA41-065734F9FFFA}"/>
+                <a16:creationId xmlns="" xmlns:a16="http://schemas.microsoft.com/office/drawing/2014/main" id="{2C64CE8F-6DC1-7B46-AA41-065734F9FFFA}"/>
               </a:ext>
             </a:extLst>
           </p:cNvPr>
@@ -19713,11 +20925,7 @@
             </a:br>
             <a:r>
               <a:rPr lang="fr-CA" dirty="0" smtClean="0"/>
-              <a:t>Problématique</a:t>
-            </a:r>
-            <a:r>
-              <a:rPr lang="fr-CA" dirty="0" smtClean="0"/>
-              <a:t>:</a:t>
+              <a:t>Problématique:</a:t>
             </a:r>
             <a:endParaRPr lang="fr-CA" altLang="fr-FR" dirty="0"/>
           </a:p>
@@ -19728,7 +20936,7 @@
           <p:cNvPr id="10243" name="Espace réservé du numéro de diapositive 1">
             <a:extLst>
               <a:ext uri="{FF2B5EF4-FFF2-40B4-BE49-F238E27FC236}">
-                <a16:creationId xmlns:a16="http://schemas.microsoft.com/office/drawing/2014/main" xmlns="" id="{A32D7E7E-5EC9-B640-8806-5F060AD25EEB}"/>
+                <a16:creationId xmlns="" xmlns:a16="http://schemas.microsoft.com/office/drawing/2014/main" id="{A32D7E7E-5EC9-B640-8806-5F060AD25EEB}"/>
               </a:ext>
             </a:extLst>
           </p:cNvPr>
@@ -20002,7 +21210,6 @@
               <a:rPr lang="fr-CA" dirty="0" smtClean="0"/>
               <a:t>Notre Bilan de carbone est difficile à obtenir rapidement:</a:t>
             </a:r>
-            <a:endParaRPr lang="fr-CA" dirty="0" smtClean="0"/>
           </a:p>
           <a:p>
             <a:pPr marL="1257300" lvl="2" indent="-342900">
@@ -20787,7 +21994,7 @@
           <p:cNvPr id="10241" name="Rectangle 2">
             <a:extLst>
               <a:ext uri="{FF2B5EF4-FFF2-40B4-BE49-F238E27FC236}">
-                <a16:creationId xmlns:a16="http://schemas.microsoft.com/office/drawing/2014/main" xmlns="" id="{2C64CE8F-6DC1-7B46-AA41-065734F9FFFA}"/>
+                <a16:creationId xmlns="" xmlns:a16="http://schemas.microsoft.com/office/drawing/2014/main" id="{2C64CE8F-6DC1-7B46-AA41-065734F9FFFA}"/>
               </a:ext>
             </a:extLst>
           </p:cNvPr>
@@ -20832,7 +22039,7 @@
           <p:cNvPr id="10243" name="Espace réservé du numéro de diapositive 1">
             <a:extLst>
               <a:ext uri="{FF2B5EF4-FFF2-40B4-BE49-F238E27FC236}">
-                <a16:creationId xmlns:a16="http://schemas.microsoft.com/office/drawing/2014/main" xmlns="" id="{A32D7E7E-5EC9-B640-8806-5F060AD25EEB}"/>
+                <a16:creationId xmlns="" xmlns:a16="http://schemas.microsoft.com/office/drawing/2014/main" id="{A32D7E7E-5EC9-B640-8806-5F060AD25EEB}"/>
               </a:ext>
             </a:extLst>
           </p:cNvPr>
@@ -21091,13 +22298,8 @@
             </a:pPr>
             <a:r>
               <a:rPr lang="fr-CA" dirty="0" smtClean="0"/>
-              <a:t>L’optimisation spatialement explicit de localisation travaux sylvicoles peut être très difficile à réaliser avec un modèle mathématique </a:t>
+              <a:t>L’optimisation spatialement explicit de localisation travaux sylvicoles peut être très difficile à réaliser avec un modèle mathématique classique</a:t>
             </a:r>
-            <a:r>
-              <a:rPr lang="fr-CA" dirty="0" smtClean="0"/>
-              <a:t>classique</a:t>
-            </a:r>
-            <a:endParaRPr lang="fr-CA" dirty="0" smtClean="0"/>
           </a:p>
         </p:txBody>
       </p:sp>
@@ -21381,7 +22583,7 @@
           <p:cNvPr id="10241" name="Rectangle 2">
             <a:extLst>
               <a:ext uri="{FF2B5EF4-FFF2-40B4-BE49-F238E27FC236}">
-                <a16:creationId xmlns:a16="http://schemas.microsoft.com/office/drawing/2014/main" xmlns="" id="{2C64CE8F-6DC1-7B46-AA41-065734F9FFFA}"/>
+                <a16:creationId xmlns="" xmlns:a16="http://schemas.microsoft.com/office/drawing/2014/main" id="{2C64CE8F-6DC1-7B46-AA41-065734F9FFFA}"/>
               </a:ext>
             </a:extLst>
           </p:cNvPr>
@@ -21415,11 +22617,7 @@
             </a:br>
             <a:r>
               <a:rPr lang="fr-CA" dirty="0" smtClean="0"/>
-              <a:t>Problématique</a:t>
-            </a:r>
-            <a:r>
-              <a:rPr lang="fr-CA" dirty="0" smtClean="0"/>
-              <a:t>: Productivité nette de l’écosystème</a:t>
+              <a:t>Problématique: Productivité nette de l’écosystème</a:t>
             </a:r>
             <a:endParaRPr lang="fr-CA" altLang="fr-FR" dirty="0"/>
           </a:p>
@@ -21430,7 +22628,7 @@
           <p:cNvPr id="10243" name="Espace réservé du numéro de diapositive 1">
             <a:extLst>
               <a:ext uri="{FF2B5EF4-FFF2-40B4-BE49-F238E27FC236}">
-                <a16:creationId xmlns:a16="http://schemas.microsoft.com/office/drawing/2014/main" xmlns="" id="{A32D7E7E-5EC9-B640-8806-5F060AD25EEB}"/>
+                <a16:creationId xmlns="" xmlns:a16="http://schemas.microsoft.com/office/drawing/2014/main" id="{A32D7E7E-5EC9-B640-8806-5F060AD25EEB}"/>
               </a:ext>
             </a:extLst>
           </p:cNvPr>
@@ -21678,7 +22876,7 @@
           </a:scene3d>
           <a:extLst>
             <a:ext uri="{AF507438-7753-43e0-B8FC-AC1667EBCBE1}">
-              <a14:hiddenEffects xmlns="" xmlns:a14="http://schemas.microsoft.com/office/drawing/2010/main">
+              <a14:hiddenEffects xmlns:a14="http://schemas.microsoft.com/office/drawing/2010/main" xmlns="">
                 <a:effectLst>
                   <a:outerShdw blurRad="63500" dist="38099" dir="2700000" algn="ctr" rotWithShape="0">
                     <a:schemeClr val="bg2">
@@ -21756,7 +22954,7 @@
           <a:effectLst/>
           <a:extLst>
             <a:ext uri="{AF507438-7753-43e0-B8FC-AC1667EBCBE1}">
-              <a14:hiddenEffects xmlns="" xmlns:a14="http://schemas.microsoft.com/office/drawing/2010/main">
+              <a14:hiddenEffects xmlns:a14="http://schemas.microsoft.com/office/drawing/2010/main" xmlns="">
                 <a:effectLst>
                   <a:outerShdw blurRad="63500" dist="38099" dir="2700000" algn="ctr" rotWithShape="0">
                     <a:schemeClr val="bg2">
@@ -21834,7 +23032,7 @@
           <a:effectLst/>
           <a:extLst>
             <a:ext uri="{AF507438-7753-43e0-B8FC-AC1667EBCBE1}">
-              <a14:hiddenEffects xmlns="" xmlns:a14="http://schemas.microsoft.com/office/drawing/2010/main">
+              <a14:hiddenEffects xmlns:a14="http://schemas.microsoft.com/office/drawing/2010/main" xmlns="">
                 <a:effectLst>
                   <a:outerShdw blurRad="63500" dist="38099" dir="2700000" algn="ctr" rotWithShape="0">
                     <a:schemeClr val="bg2">
@@ -21912,7 +23110,7 @@
           <a:effectLst/>
           <a:extLst>
             <a:ext uri="{AF507438-7753-43e0-B8FC-AC1667EBCBE1}">
-              <a14:hiddenEffects xmlns="" xmlns:a14="http://schemas.microsoft.com/office/drawing/2010/main">
+              <a14:hiddenEffects xmlns:a14="http://schemas.microsoft.com/office/drawing/2010/main" xmlns="">
                 <a:effectLst>
                   <a:outerShdw blurRad="63500" dist="38099" dir="2700000" algn="ctr" rotWithShape="0">
                     <a:schemeClr val="bg2">
@@ -22000,7 +23198,7 @@
           </a:scene3d>
           <a:extLst>
             <a:ext uri="{AF507438-7753-43e0-B8FC-AC1667EBCBE1}">
-              <a14:hiddenEffects xmlns="" xmlns:a14="http://schemas.microsoft.com/office/drawing/2010/main">
+              <a14:hiddenEffects xmlns:a14="http://schemas.microsoft.com/office/drawing/2010/main" xmlns="">
                 <a:effectLst>
                   <a:outerShdw blurRad="63500" dist="38099" dir="2700000" algn="ctr" rotWithShape="0">
                     <a:schemeClr val="bg2">
@@ -22078,7 +23276,7 @@
           <a:effectLst/>
           <a:extLst>
             <a:ext uri="{AF507438-7753-43e0-B8FC-AC1667EBCBE1}">
-              <a14:hiddenEffects xmlns="" xmlns:a14="http://schemas.microsoft.com/office/drawing/2010/main">
+              <a14:hiddenEffects xmlns:a14="http://schemas.microsoft.com/office/drawing/2010/main" xmlns="">
                 <a:effectLst>
                   <a:outerShdw blurRad="63500" dist="38099" dir="2700000" algn="ctr" rotWithShape="0">
                     <a:schemeClr val="bg2">
@@ -22156,7 +23354,7 @@
           <a:effectLst/>
           <a:extLst>
             <a:ext uri="{AF507438-7753-43e0-B8FC-AC1667EBCBE1}">
-              <a14:hiddenEffects xmlns="" xmlns:a14="http://schemas.microsoft.com/office/drawing/2010/main">
+              <a14:hiddenEffects xmlns:a14="http://schemas.microsoft.com/office/drawing/2010/main" xmlns="">
                 <a:effectLst>
                   <a:outerShdw blurRad="63500" dist="38099" dir="2700000" algn="ctr" rotWithShape="0">
                     <a:schemeClr val="bg2">
@@ -22234,7 +23432,7 @@
           <a:effectLst/>
           <a:extLst>
             <a:ext uri="{AF507438-7753-43e0-B8FC-AC1667EBCBE1}">
-              <a14:hiddenEffects xmlns="" xmlns:a14="http://schemas.microsoft.com/office/drawing/2010/main">
+              <a14:hiddenEffects xmlns:a14="http://schemas.microsoft.com/office/drawing/2010/main" xmlns="">
                 <a:effectLst>
                   <a:outerShdw blurRad="63500" dist="38099" dir="2700000" algn="ctr" rotWithShape="0">
                     <a:schemeClr val="bg2">
@@ -22312,7 +23510,7 @@
           <a:effectLst/>
           <a:extLst>
             <a:ext uri="{AF507438-7753-43e0-B8FC-AC1667EBCBE1}">
-              <a14:hiddenEffects xmlns="" xmlns:a14="http://schemas.microsoft.com/office/drawing/2010/main">
+              <a14:hiddenEffects xmlns:a14="http://schemas.microsoft.com/office/drawing/2010/main" xmlns="">
                 <a:effectLst>
                   <a:outerShdw blurRad="63500" dist="38099" dir="2700000" algn="ctr" rotWithShape="0">
                     <a:schemeClr val="bg2">
@@ -22390,7 +23588,7 @@
           <a:effectLst/>
           <a:extLst>
             <a:ext uri="{AF507438-7753-43e0-B8FC-AC1667EBCBE1}">
-              <a14:hiddenEffects xmlns="" xmlns:a14="http://schemas.microsoft.com/office/drawing/2010/main">
+              <a14:hiddenEffects xmlns:a14="http://schemas.microsoft.com/office/drawing/2010/main" xmlns="">
                 <a:effectLst>
                   <a:outerShdw blurRad="63500" dist="38099" dir="2700000" algn="ctr" rotWithShape="0">
                     <a:schemeClr val="bg2">
@@ -22468,7 +23666,7 @@
           <a:effectLst/>
           <a:extLst>
             <a:ext uri="{AF507438-7753-43e0-B8FC-AC1667EBCBE1}">
-              <a14:hiddenEffects xmlns="" xmlns:a14="http://schemas.microsoft.com/office/drawing/2010/main">
+              <a14:hiddenEffects xmlns:a14="http://schemas.microsoft.com/office/drawing/2010/main" xmlns="">
                 <a:effectLst>
                   <a:outerShdw blurRad="63500" dist="38099" dir="2700000" algn="ctr" rotWithShape="0">
                     <a:schemeClr val="bg2">
@@ -22546,7 +23744,7 @@
           <a:effectLst/>
           <a:extLst>
             <a:ext uri="{AF507438-7753-43e0-B8FC-AC1667EBCBE1}">
-              <a14:hiddenEffects xmlns="" xmlns:a14="http://schemas.microsoft.com/office/drawing/2010/main">
+              <a14:hiddenEffects xmlns:a14="http://schemas.microsoft.com/office/drawing/2010/main" xmlns="">
                 <a:effectLst>
                   <a:outerShdw blurRad="63500" dist="38099" dir="2700000" algn="ctr" rotWithShape="0">
                     <a:schemeClr val="bg2">
@@ -22624,7 +23822,7 @@
           <a:effectLst/>
           <a:extLst>
             <a:ext uri="{AF507438-7753-43e0-B8FC-AC1667EBCBE1}">
-              <a14:hiddenEffects xmlns="" xmlns:a14="http://schemas.microsoft.com/office/drawing/2010/main">
+              <a14:hiddenEffects xmlns:a14="http://schemas.microsoft.com/office/drawing/2010/main" xmlns="">
                 <a:effectLst>
                   <a:outerShdw blurRad="63500" dist="38099" dir="2700000" algn="ctr" rotWithShape="0">
                     <a:schemeClr val="bg2">
@@ -22702,7 +23900,7 @@
           <a:effectLst/>
           <a:extLst>
             <a:ext uri="{AF507438-7753-43e0-B8FC-AC1667EBCBE1}">
-              <a14:hiddenEffects xmlns="" xmlns:a14="http://schemas.microsoft.com/office/drawing/2010/main">
+              <a14:hiddenEffects xmlns:a14="http://schemas.microsoft.com/office/drawing/2010/main" xmlns="">
                 <a:effectLst>
                   <a:outerShdw blurRad="63500" dist="38099" dir="2700000" algn="ctr" rotWithShape="0">
                     <a:schemeClr val="bg2">
@@ -22780,7 +23978,7 @@
           <a:effectLst/>
           <a:extLst>
             <a:ext uri="{AF507438-7753-43e0-B8FC-AC1667EBCBE1}">
-              <a14:hiddenEffects xmlns="" xmlns:a14="http://schemas.microsoft.com/office/drawing/2010/main">
+              <a14:hiddenEffects xmlns:a14="http://schemas.microsoft.com/office/drawing/2010/main" xmlns="">
                 <a:effectLst>
                   <a:outerShdw blurRad="63500" dist="38099" dir="2700000" algn="ctr" rotWithShape="0">
                     <a:schemeClr val="bg2">
@@ -22858,7 +24056,7 @@
           <a:effectLst/>
           <a:extLst>
             <a:ext uri="{AF507438-7753-43e0-B8FC-AC1667EBCBE1}">
-              <a14:hiddenEffects xmlns="" xmlns:a14="http://schemas.microsoft.com/office/drawing/2010/main">
+              <a14:hiddenEffects xmlns:a14="http://schemas.microsoft.com/office/drawing/2010/main" xmlns="">
                 <a:effectLst>
                   <a:outerShdw blurRad="63500" dist="38099" dir="2700000" algn="ctr" rotWithShape="0">
                     <a:schemeClr val="bg2">
@@ -22936,7 +24134,7 @@
           <a:effectLst/>
           <a:extLst>
             <a:ext uri="{AF507438-7753-43e0-B8FC-AC1667EBCBE1}">
-              <a14:hiddenEffects xmlns="" xmlns:a14="http://schemas.microsoft.com/office/drawing/2010/main">
+              <a14:hiddenEffects xmlns:a14="http://schemas.microsoft.com/office/drawing/2010/main" xmlns="">
                 <a:effectLst>
                   <a:outerShdw blurRad="63500" dist="38099" dir="2700000" algn="ctr" rotWithShape="0">
                     <a:schemeClr val="bg2">
@@ -23014,7 +24212,7 @@
           <a:effectLst/>
           <a:extLst>
             <a:ext uri="{AF507438-7753-43e0-B8FC-AC1667EBCBE1}">
-              <a14:hiddenEffects xmlns="" xmlns:a14="http://schemas.microsoft.com/office/drawing/2010/main">
+              <a14:hiddenEffects xmlns:a14="http://schemas.microsoft.com/office/drawing/2010/main" xmlns="">
                 <a:effectLst>
                   <a:outerShdw blurRad="63500" dist="38099" dir="2700000" algn="ctr" rotWithShape="0">
                     <a:schemeClr val="bg2">
@@ -23092,7 +24290,7 @@
           <a:effectLst/>
           <a:extLst>
             <a:ext uri="{AF507438-7753-43e0-B8FC-AC1667EBCBE1}">
-              <a14:hiddenEffects xmlns="" xmlns:a14="http://schemas.microsoft.com/office/drawing/2010/main">
+              <a14:hiddenEffects xmlns:a14="http://schemas.microsoft.com/office/drawing/2010/main" xmlns="">
                 <a:effectLst>
                   <a:outerShdw blurRad="63500" dist="38099" dir="2700000" algn="ctr" rotWithShape="0">
                     <a:schemeClr val="bg2">
@@ -23170,7 +24368,7 @@
           <a:effectLst/>
           <a:extLst>
             <a:ext uri="{AF507438-7753-43e0-B8FC-AC1667EBCBE1}">
-              <a14:hiddenEffects xmlns="" xmlns:a14="http://schemas.microsoft.com/office/drawing/2010/main">
+              <a14:hiddenEffects xmlns:a14="http://schemas.microsoft.com/office/drawing/2010/main" xmlns="">
                 <a:effectLst>
                   <a:outerShdw blurRad="63500" dist="38099" dir="2700000" algn="ctr" rotWithShape="0">
                     <a:schemeClr val="bg2">
@@ -23248,7 +24446,7 @@
           <a:effectLst/>
           <a:extLst>
             <a:ext uri="{AF507438-7753-43e0-B8FC-AC1667EBCBE1}">
-              <a14:hiddenEffects xmlns="" xmlns:a14="http://schemas.microsoft.com/office/drawing/2010/main">
+              <a14:hiddenEffects xmlns:a14="http://schemas.microsoft.com/office/drawing/2010/main" xmlns="">
                 <a:effectLst>
                   <a:outerShdw blurRad="63500" dist="38099" dir="2700000" algn="ctr" rotWithShape="0">
                     <a:schemeClr val="bg2">
@@ -23326,7 +24524,7 @@
           <a:effectLst/>
           <a:extLst>
             <a:ext uri="{AF507438-7753-43e0-B8FC-AC1667EBCBE1}">
-              <a14:hiddenEffects xmlns="" xmlns:a14="http://schemas.microsoft.com/office/drawing/2010/main">
+              <a14:hiddenEffects xmlns:a14="http://schemas.microsoft.com/office/drawing/2010/main" xmlns="">
                 <a:effectLst>
                   <a:outerShdw blurRad="63500" dist="38099" dir="2700000" algn="ctr" rotWithShape="0">
                     <a:schemeClr val="bg2">
@@ -23414,7 +24612,7 @@
           </a:scene3d>
           <a:extLst>
             <a:ext uri="{AF507438-7753-43e0-B8FC-AC1667EBCBE1}">
-              <a14:hiddenEffects xmlns="" xmlns:a14="http://schemas.microsoft.com/office/drawing/2010/main">
+              <a14:hiddenEffects xmlns:a14="http://schemas.microsoft.com/office/drawing/2010/main" xmlns="">
                 <a:effectLst>
                   <a:outerShdw blurRad="63500" dist="38099" dir="2700000" algn="ctr" rotWithShape="0">
                     <a:schemeClr val="bg2">
@@ -23492,7 +24690,7 @@
           <a:effectLst/>
           <a:extLst>
             <a:ext uri="{AF507438-7753-43e0-B8FC-AC1667EBCBE1}">
-              <a14:hiddenEffects xmlns="" xmlns:a14="http://schemas.microsoft.com/office/drawing/2010/main">
+              <a14:hiddenEffects xmlns:a14="http://schemas.microsoft.com/office/drawing/2010/main" xmlns="">
                 <a:effectLst>
                   <a:outerShdw blurRad="63500" dist="38099" dir="2700000" algn="ctr" rotWithShape="0">
                     <a:schemeClr val="bg2">
@@ -23570,7 +24768,7 @@
           <a:effectLst/>
           <a:extLst>
             <a:ext uri="{AF507438-7753-43e0-B8FC-AC1667EBCBE1}">
-              <a14:hiddenEffects xmlns="" xmlns:a14="http://schemas.microsoft.com/office/drawing/2010/main">
+              <a14:hiddenEffects xmlns:a14="http://schemas.microsoft.com/office/drawing/2010/main" xmlns="">
                 <a:effectLst>
                   <a:outerShdw blurRad="63500" dist="38099" dir="2700000" algn="ctr" rotWithShape="0">
                     <a:schemeClr val="bg2">
@@ -23648,7 +24846,7 @@
           <a:effectLst/>
           <a:extLst>
             <a:ext uri="{AF507438-7753-43e0-B8FC-AC1667EBCBE1}">
-              <a14:hiddenEffects xmlns="" xmlns:a14="http://schemas.microsoft.com/office/drawing/2010/main">
+              <a14:hiddenEffects xmlns:a14="http://schemas.microsoft.com/office/drawing/2010/main" xmlns="">
                 <a:effectLst>
                   <a:outerShdw blurRad="63500" dist="38099" dir="2700000" algn="ctr" rotWithShape="0">
                     <a:schemeClr val="bg2">
@@ -23726,7 +24924,7 @@
           <a:effectLst/>
           <a:extLst>
             <a:ext uri="{AF507438-7753-43e0-B8FC-AC1667EBCBE1}">
-              <a14:hiddenEffects xmlns="" xmlns:a14="http://schemas.microsoft.com/office/drawing/2010/main">
+              <a14:hiddenEffects xmlns:a14="http://schemas.microsoft.com/office/drawing/2010/main" xmlns="">
                 <a:effectLst>
                   <a:outerShdw blurRad="63500" dist="38099" dir="2700000" algn="ctr" rotWithShape="0">
                     <a:schemeClr val="bg2">
@@ -23804,7 +25002,7 @@
           <a:effectLst/>
           <a:extLst>
             <a:ext uri="{AF507438-7753-43e0-B8FC-AC1667EBCBE1}">
-              <a14:hiddenEffects xmlns="" xmlns:a14="http://schemas.microsoft.com/office/drawing/2010/main">
+              <a14:hiddenEffects xmlns:a14="http://schemas.microsoft.com/office/drawing/2010/main" xmlns="">
                 <a:effectLst>
                   <a:outerShdw blurRad="63500" dist="38099" dir="2700000" algn="ctr" rotWithShape="0">
                     <a:schemeClr val="bg2">
@@ -23882,7 +25080,7 @@
           <a:effectLst/>
           <a:extLst>
             <a:ext uri="{AF507438-7753-43e0-B8FC-AC1667EBCBE1}">
-              <a14:hiddenEffects xmlns="" xmlns:a14="http://schemas.microsoft.com/office/drawing/2010/main">
+              <a14:hiddenEffects xmlns:a14="http://schemas.microsoft.com/office/drawing/2010/main" xmlns="">
                 <a:effectLst>
                   <a:outerShdw blurRad="63500" dist="38099" dir="2700000" algn="ctr" rotWithShape="0">
                     <a:schemeClr val="bg2">
@@ -23960,7 +25158,7 @@
           <a:effectLst/>
           <a:extLst>
             <a:ext uri="{AF507438-7753-43e0-B8FC-AC1667EBCBE1}">
-              <a14:hiddenEffects xmlns="" xmlns:a14="http://schemas.microsoft.com/office/drawing/2010/main">
+              <a14:hiddenEffects xmlns:a14="http://schemas.microsoft.com/office/drawing/2010/main" xmlns="">
                 <a:effectLst>
                   <a:outerShdw blurRad="63500" dist="38099" dir="2700000" algn="ctr" rotWithShape="0">
                     <a:schemeClr val="bg2">
@@ -24038,7 +25236,7 @@
           <a:effectLst/>
           <a:extLst>
             <a:ext uri="{AF507438-7753-43e0-B8FC-AC1667EBCBE1}">
-              <a14:hiddenEffects xmlns="" xmlns:a14="http://schemas.microsoft.com/office/drawing/2010/main">
+              <a14:hiddenEffects xmlns:a14="http://schemas.microsoft.com/office/drawing/2010/main" xmlns="">
                 <a:effectLst>
                   <a:outerShdw blurRad="63500" dist="38099" dir="2700000" algn="ctr" rotWithShape="0">
                     <a:schemeClr val="bg2">
@@ -24116,7 +25314,7 @@
           <a:effectLst/>
           <a:extLst>
             <a:ext uri="{AF507438-7753-43e0-B8FC-AC1667EBCBE1}">
-              <a14:hiddenEffects xmlns="" xmlns:a14="http://schemas.microsoft.com/office/drawing/2010/main">
+              <a14:hiddenEffects xmlns:a14="http://schemas.microsoft.com/office/drawing/2010/main" xmlns="">
                 <a:effectLst>
                   <a:outerShdw blurRad="63500" dist="38099" dir="2700000" algn="ctr" rotWithShape="0">
                     <a:schemeClr val="bg2">
@@ -24194,7 +25392,7 @@
           <a:effectLst/>
           <a:extLst>
             <a:ext uri="{AF507438-7753-43e0-B8FC-AC1667EBCBE1}">
-              <a14:hiddenEffects xmlns="" xmlns:a14="http://schemas.microsoft.com/office/drawing/2010/main">
+              <a14:hiddenEffects xmlns:a14="http://schemas.microsoft.com/office/drawing/2010/main" xmlns="">
                 <a:effectLst>
                   <a:outerShdw blurRad="63500" dist="38099" dir="2700000" algn="ctr" rotWithShape="0">
                     <a:schemeClr val="bg2">
@@ -24272,7 +25470,7 @@
           <a:effectLst/>
           <a:extLst>
             <a:ext uri="{AF507438-7753-43e0-B8FC-AC1667EBCBE1}">
-              <a14:hiddenEffects xmlns="" xmlns:a14="http://schemas.microsoft.com/office/drawing/2010/main">
+              <a14:hiddenEffects xmlns:a14="http://schemas.microsoft.com/office/drawing/2010/main" xmlns="">
                 <a:effectLst>
                   <a:outerShdw blurRad="63500" dist="38099" dir="2700000" algn="ctr" rotWithShape="0">
                     <a:schemeClr val="bg2">
@@ -24350,7 +25548,7 @@
           <a:effectLst/>
           <a:extLst>
             <a:ext uri="{AF507438-7753-43e0-B8FC-AC1667EBCBE1}">
-              <a14:hiddenEffects xmlns="" xmlns:a14="http://schemas.microsoft.com/office/drawing/2010/main">
+              <a14:hiddenEffects xmlns:a14="http://schemas.microsoft.com/office/drawing/2010/main" xmlns="">
                 <a:effectLst>
                   <a:outerShdw blurRad="63500" dist="38099" dir="2700000" algn="ctr" rotWithShape="0">
                     <a:schemeClr val="bg2">
@@ -24428,7 +25626,7 @@
           <a:effectLst/>
           <a:extLst>
             <a:ext uri="{AF507438-7753-43e0-B8FC-AC1667EBCBE1}">
-              <a14:hiddenEffects xmlns="" xmlns:a14="http://schemas.microsoft.com/office/drawing/2010/main">
+              <a14:hiddenEffects xmlns:a14="http://schemas.microsoft.com/office/drawing/2010/main" xmlns="">
                 <a:effectLst>
                   <a:outerShdw blurRad="63500" dist="38099" dir="2700000" algn="ctr" rotWithShape="0">
                     <a:schemeClr val="bg2">
@@ -24506,7 +25704,7 @@
           <a:effectLst/>
           <a:extLst>
             <a:ext uri="{AF507438-7753-43e0-B8FC-AC1667EBCBE1}">
-              <a14:hiddenEffects xmlns="" xmlns:a14="http://schemas.microsoft.com/office/drawing/2010/main">
+              <a14:hiddenEffects xmlns:a14="http://schemas.microsoft.com/office/drawing/2010/main" xmlns="">
                 <a:effectLst>
                   <a:outerShdw blurRad="63500" dist="38099" dir="2700000" algn="ctr" rotWithShape="0">
                     <a:schemeClr val="bg2">
@@ -24584,7 +25782,7 @@
           <a:effectLst/>
           <a:extLst>
             <a:ext uri="{AF507438-7753-43e0-B8FC-AC1667EBCBE1}">
-              <a14:hiddenEffects xmlns="" xmlns:a14="http://schemas.microsoft.com/office/drawing/2010/main">
+              <a14:hiddenEffects xmlns:a14="http://schemas.microsoft.com/office/drawing/2010/main" xmlns="">
                 <a:effectLst>
                   <a:outerShdw blurRad="63500" dist="38099" dir="2700000" algn="ctr" rotWithShape="0">
                     <a:schemeClr val="bg2">
@@ -24662,7 +25860,7 @@
           <a:effectLst/>
           <a:extLst>
             <a:ext uri="{AF507438-7753-43e0-B8FC-AC1667EBCBE1}">
-              <a14:hiddenEffects xmlns="" xmlns:a14="http://schemas.microsoft.com/office/drawing/2010/main">
+              <a14:hiddenEffects xmlns:a14="http://schemas.microsoft.com/office/drawing/2010/main" xmlns="">
                 <a:effectLst>
                   <a:outerShdw blurRad="63500" dist="38099" dir="2700000" algn="ctr" rotWithShape="0">
                     <a:schemeClr val="bg2">
@@ -24740,7 +25938,7 @@
           <a:effectLst/>
           <a:extLst>
             <a:ext uri="{AF507438-7753-43e0-B8FC-AC1667EBCBE1}">
-              <a14:hiddenEffects xmlns="" xmlns:a14="http://schemas.microsoft.com/office/drawing/2010/main">
+              <a14:hiddenEffects xmlns:a14="http://schemas.microsoft.com/office/drawing/2010/main" xmlns="">
                 <a:effectLst>
                   <a:outerShdw blurRad="63500" dist="38099" dir="2700000" algn="ctr" rotWithShape="0">
                     <a:schemeClr val="bg2">
@@ -24818,7 +26016,7 @@
           <a:effectLst/>
           <a:extLst>
             <a:ext uri="{AF507438-7753-43e0-B8FC-AC1667EBCBE1}">
-              <a14:hiddenEffects xmlns="" xmlns:a14="http://schemas.microsoft.com/office/drawing/2010/main">
+              <a14:hiddenEffects xmlns:a14="http://schemas.microsoft.com/office/drawing/2010/main" xmlns="">
                 <a:effectLst>
                   <a:outerShdw blurRad="63500" dist="38099" dir="2700000" algn="ctr" rotWithShape="0">
                     <a:schemeClr val="bg2">
@@ -24896,7 +26094,7 @@
           <a:effectLst/>
           <a:extLst>
             <a:ext uri="{AF507438-7753-43e0-B8FC-AC1667EBCBE1}">
-              <a14:hiddenEffects xmlns="" xmlns:a14="http://schemas.microsoft.com/office/drawing/2010/main">
+              <a14:hiddenEffects xmlns:a14="http://schemas.microsoft.com/office/drawing/2010/main" xmlns="">
                 <a:effectLst>
                   <a:outerShdw blurRad="63500" dist="38099" dir="2700000" algn="ctr" rotWithShape="0">
                     <a:schemeClr val="bg2">
@@ -24974,7 +26172,7 @@
           <a:effectLst/>
           <a:extLst>
             <a:ext uri="{AF507438-7753-43e0-B8FC-AC1667EBCBE1}">
-              <a14:hiddenEffects xmlns="" xmlns:a14="http://schemas.microsoft.com/office/drawing/2010/main">
+              <a14:hiddenEffects xmlns:a14="http://schemas.microsoft.com/office/drawing/2010/main" xmlns="">
                 <a:effectLst>
                   <a:outerShdw blurRad="63500" dist="38099" dir="2700000" algn="ctr" rotWithShape="0">
                     <a:schemeClr val="bg2">
@@ -25052,7 +26250,7 @@
           <a:effectLst/>
           <a:extLst>
             <a:ext uri="{AF507438-7753-43e0-B8FC-AC1667EBCBE1}">
-              <a14:hiddenEffects xmlns="" xmlns:a14="http://schemas.microsoft.com/office/drawing/2010/main">
+              <a14:hiddenEffects xmlns:a14="http://schemas.microsoft.com/office/drawing/2010/main" xmlns="">
                 <a:effectLst>
                   <a:outerShdw blurRad="63500" dist="38099" dir="2700000" algn="ctr" rotWithShape="0">
                     <a:schemeClr val="bg2">
@@ -25130,7 +26328,7 @@
           <a:effectLst/>
           <a:extLst>
             <a:ext uri="{AF507438-7753-43e0-B8FC-AC1667EBCBE1}">
-              <a14:hiddenEffects xmlns="" xmlns:a14="http://schemas.microsoft.com/office/drawing/2010/main">
+              <a14:hiddenEffects xmlns:a14="http://schemas.microsoft.com/office/drawing/2010/main" xmlns="">
                 <a:effectLst>
                   <a:outerShdw blurRad="63500" dist="38099" dir="2700000" algn="ctr" rotWithShape="0">
                     <a:schemeClr val="bg2">
@@ -25208,7 +26406,7 @@
           <a:effectLst/>
           <a:extLst>
             <a:ext uri="{AF507438-7753-43e0-B8FC-AC1667EBCBE1}">
-              <a14:hiddenEffects xmlns="" xmlns:a14="http://schemas.microsoft.com/office/drawing/2010/main">
+              <a14:hiddenEffects xmlns:a14="http://schemas.microsoft.com/office/drawing/2010/main" xmlns="">
                 <a:effectLst>
                   <a:outerShdw blurRad="63500" dist="38099" dir="2700000" algn="ctr" rotWithShape="0">
                     <a:schemeClr val="bg2">
@@ -25286,7 +26484,7 @@
           <a:effectLst/>
           <a:extLst>
             <a:ext uri="{AF507438-7753-43e0-B8FC-AC1667EBCBE1}">
-              <a14:hiddenEffects xmlns="" xmlns:a14="http://schemas.microsoft.com/office/drawing/2010/main">
+              <a14:hiddenEffects xmlns:a14="http://schemas.microsoft.com/office/drawing/2010/main" xmlns="">
                 <a:effectLst>
                   <a:outerShdw blurRad="63500" dist="38099" dir="2700000" algn="ctr" rotWithShape="0">
                     <a:schemeClr val="bg2">
@@ -25364,7 +26562,7 @@
           <a:effectLst/>
           <a:extLst>
             <a:ext uri="{AF507438-7753-43e0-B8FC-AC1667EBCBE1}">
-              <a14:hiddenEffects xmlns="" xmlns:a14="http://schemas.microsoft.com/office/drawing/2010/main">
+              <a14:hiddenEffects xmlns:a14="http://schemas.microsoft.com/office/drawing/2010/main" xmlns="">
                 <a:effectLst>
                   <a:outerShdw blurRad="63500" dist="38099" dir="2700000" algn="ctr" rotWithShape="0">
                     <a:schemeClr val="bg2">
@@ -25442,7 +26640,7 @@
           <a:effectLst/>
           <a:extLst>
             <a:ext uri="{AF507438-7753-43e0-B8FC-AC1667EBCBE1}">
-              <a14:hiddenEffects xmlns="" xmlns:a14="http://schemas.microsoft.com/office/drawing/2010/main">
+              <a14:hiddenEffects xmlns:a14="http://schemas.microsoft.com/office/drawing/2010/main" xmlns="">
                 <a:effectLst>
                   <a:outerShdw blurRad="63500" dist="38099" dir="2700000" algn="ctr" rotWithShape="0">
                     <a:schemeClr val="bg2">
@@ -25520,7 +26718,7 @@
           <a:effectLst/>
           <a:extLst>
             <a:ext uri="{AF507438-7753-43e0-B8FC-AC1667EBCBE1}">
-              <a14:hiddenEffects xmlns="" xmlns:a14="http://schemas.microsoft.com/office/drawing/2010/main">
+              <a14:hiddenEffects xmlns:a14="http://schemas.microsoft.com/office/drawing/2010/main" xmlns="">
                 <a:effectLst>
                   <a:outerShdw blurRad="63500" dist="38099" dir="2700000" algn="ctr" rotWithShape="0">
                     <a:schemeClr val="bg2">
@@ -25598,7 +26796,7 @@
           <a:effectLst/>
           <a:extLst>
             <a:ext uri="{AF507438-7753-43e0-B8FC-AC1667EBCBE1}">
-              <a14:hiddenEffects xmlns="" xmlns:a14="http://schemas.microsoft.com/office/drawing/2010/main">
+              <a14:hiddenEffects xmlns:a14="http://schemas.microsoft.com/office/drawing/2010/main" xmlns="">
                 <a:effectLst>
                   <a:outerShdw blurRad="63500" dist="38099" dir="2700000" algn="ctr" rotWithShape="0">
                     <a:schemeClr val="bg2">
@@ -25676,7 +26874,7 @@
           <a:effectLst/>
           <a:extLst>
             <a:ext uri="{AF507438-7753-43e0-B8FC-AC1667EBCBE1}">
-              <a14:hiddenEffects xmlns="" xmlns:a14="http://schemas.microsoft.com/office/drawing/2010/main">
+              <a14:hiddenEffects xmlns:a14="http://schemas.microsoft.com/office/drawing/2010/main" xmlns="">
                 <a:effectLst>
                   <a:outerShdw blurRad="63500" dist="38099" dir="2700000" algn="ctr" rotWithShape="0">
                     <a:schemeClr val="bg2">
@@ -25754,7 +26952,7 @@
           <a:effectLst/>
           <a:extLst>
             <a:ext uri="{AF507438-7753-43e0-B8FC-AC1667EBCBE1}">
-              <a14:hiddenEffects xmlns="" xmlns:a14="http://schemas.microsoft.com/office/drawing/2010/main">
+              <a14:hiddenEffects xmlns:a14="http://schemas.microsoft.com/office/drawing/2010/main" xmlns="">
                 <a:effectLst>
                   <a:outerShdw blurRad="63500" dist="38099" dir="2700000" algn="ctr" rotWithShape="0">
                     <a:schemeClr val="bg2">
@@ -25832,7 +27030,7 @@
           <a:effectLst/>
           <a:extLst>
             <a:ext uri="{AF507438-7753-43e0-B8FC-AC1667EBCBE1}">
-              <a14:hiddenEffects xmlns="" xmlns:a14="http://schemas.microsoft.com/office/drawing/2010/main">
+              <a14:hiddenEffects xmlns:a14="http://schemas.microsoft.com/office/drawing/2010/main" xmlns="">
                 <a:effectLst>
                   <a:outerShdw blurRad="63500" dist="38099" dir="2700000" algn="ctr" rotWithShape="0">
                     <a:schemeClr val="bg2">
@@ -25910,7 +27108,7 @@
           <a:effectLst/>
           <a:extLst>
             <a:ext uri="{AF507438-7753-43e0-B8FC-AC1667EBCBE1}">
-              <a14:hiddenEffects xmlns="" xmlns:a14="http://schemas.microsoft.com/office/drawing/2010/main">
+              <a14:hiddenEffects xmlns:a14="http://schemas.microsoft.com/office/drawing/2010/main" xmlns="">
                 <a:effectLst>
                   <a:outerShdw blurRad="63500" dist="38099" dir="2700000" algn="ctr" rotWithShape="0">
                     <a:schemeClr val="bg2">
@@ -25988,7 +27186,7 @@
           <a:effectLst/>
           <a:extLst>
             <a:ext uri="{AF507438-7753-43e0-B8FC-AC1667EBCBE1}">
-              <a14:hiddenEffects xmlns="" xmlns:a14="http://schemas.microsoft.com/office/drawing/2010/main">
+              <a14:hiddenEffects xmlns:a14="http://schemas.microsoft.com/office/drawing/2010/main" xmlns="">
                 <a:effectLst>
                   <a:outerShdw blurRad="63500" dist="38099" dir="2700000" algn="ctr" rotWithShape="0">
                     <a:schemeClr val="bg2">
@@ -26066,7 +27264,7 @@
           <a:effectLst/>
           <a:extLst>
             <a:ext uri="{AF507438-7753-43e0-B8FC-AC1667EBCBE1}">
-              <a14:hiddenEffects xmlns="" xmlns:a14="http://schemas.microsoft.com/office/drawing/2010/main">
+              <a14:hiddenEffects xmlns:a14="http://schemas.microsoft.com/office/drawing/2010/main" xmlns="">
                 <a:effectLst>
                   <a:outerShdw blurRad="63500" dist="38099" dir="2700000" algn="ctr" rotWithShape="0">
                     <a:schemeClr val="bg2">
@@ -26144,7 +27342,7 @@
           <a:effectLst/>
           <a:extLst>
             <a:ext uri="{AF507438-7753-43e0-B8FC-AC1667EBCBE1}">
-              <a14:hiddenEffects xmlns="" xmlns:a14="http://schemas.microsoft.com/office/drawing/2010/main">
+              <a14:hiddenEffects xmlns:a14="http://schemas.microsoft.com/office/drawing/2010/main" xmlns="">
                 <a:effectLst>
                   <a:outerShdw blurRad="63500" dist="38099" dir="2700000" algn="ctr" rotWithShape="0">
                     <a:schemeClr val="bg2">
@@ -26222,7 +27420,7 @@
           <a:effectLst/>
           <a:extLst>
             <a:ext uri="{AF507438-7753-43e0-B8FC-AC1667EBCBE1}">
-              <a14:hiddenEffects xmlns="" xmlns:a14="http://schemas.microsoft.com/office/drawing/2010/main">
+              <a14:hiddenEffects xmlns:a14="http://schemas.microsoft.com/office/drawing/2010/main" xmlns="">
                 <a:effectLst>
                   <a:outerShdw blurRad="63500" dist="38099" dir="2700000" algn="ctr" rotWithShape="0">
                     <a:schemeClr val="bg2">
@@ -26300,7 +27498,7 @@
           <a:effectLst/>
           <a:extLst>
             <a:ext uri="{AF507438-7753-43e0-B8FC-AC1667EBCBE1}">
-              <a14:hiddenEffects xmlns="" xmlns:a14="http://schemas.microsoft.com/office/drawing/2010/main">
+              <a14:hiddenEffects xmlns:a14="http://schemas.microsoft.com/office/drawing/2010/main" xmlns="">
                 <a:effectLst>
                   <a:outerShdw blurRad="63500" dist="38099" dir="2700000" algn="ctr" rotWithShape="0">
                     <a:schemeClr val="bg2">
@@ -26378,7 +27576,7 @@
           <a:effectLst/>
           <a:extLst>
             <a:ext uri="{AF507438-7753-43e0-B8FC-AC1667EBCBE1}">
-              <a14:hiddenEffects xmlns="" xmlns:a14="http://schemas.microsoft.com/office/drawing/2010/main">
+              <a14:hiddenEffects xmlns:a14="http://schemas.microsoft.com/office/drawing/2010/main" xmlns="">
                 <a:effectLst>
                   <a:outerShdw blurRad="63500" dist="38099" dir="2700000" algn="ctr" rotWithShape="0">
                     <a:schemeClr val="bg2">
@@ -26456,7 +27654,7 @@
           <a:effectLst/>
           <a:extLst>
             <a:ext uri="{AF507438-7753-43e0-B8FC-AC1667EBCBE1}">
-              <a14:hiddenEffects xmlns="" xmlns:a14="http://schemas.microsoft.com/office/drawing/2010/main">
+              <a14:hiddenEffects xmlns:a14="http://schemas.microsoft.com/office/drawing/2010/main" xmlns="">
                 <a:effectLst>
                   <a:outerShdw blurRad="63500" dist="38099" dir="2700000" algn="ctr" rotWithShape="0">
                     <a:schemeClr val="bg2">
@@ -26534,7 +27732,7 @@
           <a:effectLst/>
           <a:extLst>
             <a:ext uri="{AF507438-7753-43e0-B8FC-AC1667EBCBE1}">
-              <a14:hiddenEffects xmlns="" xmlns:a14="http://schemas.microsoft.com/office/drawing/2010/main">
+              <a14:hiddenEffects xmlns:a14="http://schemas.microsoft.com/office/drawing/2010/main" xmlns="">
                 <a:effectLst>
                   <a:outerShdw blurRad="63500" dist="38099" dir="2700000" algn="ctr" rotWithShape="0">
                     <a:schemeClr val="bg2">
@@ -26612,7 +27810,7 @@
           <a:effectLst/>
           <a:extLst>
             <a:ext uri="{AF507438-7753-43e0-B8FC-AC1667EBCBE1}">
-              <a14:hiddenEffects xmlns="" xmlns:a14="http://schemas.microsoft.com/office/drawing/2010/main">
+              <a14:hiddenEffects xmlns:a14="http://schemas.microsoft.com/office/drawing/2010/main" xmlns="">
                 <a:effectLst>
                   <a:outerShdw blurRad="63500" dist="38099" dir="2700000" algn="ctr" rotWithShape="0">
                     <a:schemeClr val="bg2">
@@ -26690,7 +27888,7 @@
           <a:effectLst/>
           <a:extLst>
             <a:ext uri="{AF507438-7753-43e0-B8FC-AC1667EBCBE1}">
-              <a14:hiddenEffects xmlns="" xmlns:a14="http://schemas.microsoft.com/office/drawing/2010/main">
+              <a14:hiddenEffects xmlns:a14="http://schemas.microsoft.com/office/drawing/2010/main" xmlns="">
                 <a:effectLst>
                   <a:outerShdw blurRad="63500" dist="38099" dir="2700000" algn="ctr" rotWithShape="0">
                     <a:schemeClr val="bg2">
@@ -26768,7 +27966,7 @@
           <a:effectLst/>
           <a:extLst>
             <a:ext uri="{AF507438-7753-43e0-B8FC-AC1667EBCBE1}">
-              <a14:hiddenEffects xmlns="" xmlns:a14="http://schemas.microsoft.com/office/drawing/2010/main">
+              <a14:hiddenEffects xmlns:a14="http://schemas.microsoft.com/office/drawing/2010/main" xmlns="">
                 <a:effectLst>
                   <a:outerShdw blurRad="63500" dist="38099" dir="2700000" algn="ctr" rotWithShape="0">
                     <a:schemeClr val="bg2">
@@ -26851,7 +28049,7 @@
           <a:effectLst/>
           <a:extLst>
             <a:ext uri="{AF507438-7753-43e0-B8FC-AC1667EBCBE1}">
-              <a14:hiddenEffects xmlns="" xmlns:a14="http://schemas.microsoft.com/office/drawing/2010/main">
+              <a14:hiddenEffects xmlns:a14="http://schemas.microsoft.com/office/drawing/2010/main" xmlns="">
                 <a:effectLst>
                   <a:outerShdw blurRad="63500" dist="38099" dir="2700000" algn="ctr" rotWithShape="0">
                     <a:schemeClr val="bg2">
@@ -26964,7 +28162,7 @@
           <a:effectLst/>
           <a:extLst>
             <a:ext uri="{AF507438-7753-43e0-B8FC-AC1667EBCBE1}">
-              <a14:hiddenEffects xmlns="" xmlns:a14="http://schemas.microsoft.com/office/drawing/2010/main">
+              <a14:hiddenEffects xmlns:a14="http://schemas.microsoft.com/office/drawing/2010/main" xmlns="">
                 <a:effectLst>
                   <a:outerShdw blurRad="63500" dist="38099" dir="2700000" algn="ctr" rotWithShape="0">
                     <a:schemeClr val="bg2">
@@ -27077,7 +28275,7 @@
           <a:effectLst/>
           <a:extLst>
             <a:ext uri="{AF507438-7753-43e0-B8FC-AC1667EBCBE1}">
-              <a14:hiddenEffects xmlns="" xmlns:a14="http://schemas.microsoft.com/office/drawing/2010/main">
+              <a14:hiddenEffects xmlns:a14="http://schemas.microsoft.com/office/drawing/2010/main" xmlns="">
                 <a:effectLst>
                   <a:outerShdw blurRad="63500" dist="38099" dir="2700000" algn="ctr" rotWithShape="0">
                     <a:schemeClr val="bg2">
@@ -27200,7 +28398,7 @@
           <p:cNvPr id="10241" name="Rectangle 2">
             <a:extLst>
               <a:ext uri="{FF2B5EF4-FFF2-40B4-BE49-F238E27FC236}">
-                <a16:creationId xmlns:a16="http://schemas.microsoft.com/office/drawing/2014/main" xmlns="" id="{2C64CE8F-6DC1-7B46-AA41-065734F9FFFA}"/>
+                <a16:creationId xmlns="" xmlns:a16="http://schemas.microsoft.com/office/drawing/2014/main" id="{2C64CE8F-6DC1-7B46-AA41-065734F9FFFA}"/>
               </a:ext>
             </a:extLst>
           </p:cNvPr>
@@ -27234,11 +28432,7 @@
             </a:br>
             <a:r>
               <a:rPr lang="fr-CA" dirty="0" smtClean="0"/>
-              <a:t>Problématique</a:t>
-            </a:r>
-            <a:r>
-              <a:rPr lang="fr-CA" dirty="0" smtClean="0"/>
-              <a:t>: États des réservoirs</a:t>
+              <a:t>Problématique: États des réservoirs</a:t>
             </a:r>
             <a:endParaRPr lang="fr-CA" altLang="fr-FR" dirty="0"/>
           </a:p>
@@ -27249,7 +28443,7 @@
           <p:cNvPr id="10243" name="Espace réservé du numéro de diapositive 1">
             <a:extLst>
               <a:ext uri="{FF2B5EF4-FFF2-40B4-BE49-F238E27FC236}">
-                <a16:creationId xmlns:a16="http://schemas.microsoft.com/office/drawing/2014/main" xmlns="" id="{A32D7E7E-5EC9-B640-8806-5F060AD25EEB}"/>
+                <a16:creationId xmlns="" xmlns:a16="http://schemas.microsoft.com/office/drawing/2014/main" id="{A32D7E7E-5EC9-B640-8806-5F060AD25EEB}"/>
               </a:ext>
             </a:extLst>
           </p:cNvPr>
@@ -27497,7 +28691,7 @@
           </a:scene3d>
           <a:extLst>
             <a:ext uri="{AF507438-7753-43e0-B8FC-AC1667EBCBE1}">
-              <a14:hiddenEffects xmlns="" xmlns:a14="http://schemas.microsoft.com/office/drawing/2010/main">
+              <a14:hiddenEffects xmlns:a14="http://schemas.microsoft.com/office/drawing/2010/main" xmlns="">
                 <a:effectLst>
                   <a:outerShdw blurRad="63500" dist="38099" dir="2700000" algn="ctr" rotWithShape="0">
                     <a:schemeClr val="bg2">
@@ -27575,7 +28769,7 @@
           <a:effectLst/>
           <a:extLst>
             <a:ext uri="{AF507438-7753-43e0-B8FC-AC1667EBCBE1}">
-              <a14:hiddenEffects xmlns="" xmlns:a14="http://schemas.microsoft.com/office/drawing/2010/main">
+              <a14:hiddenEffects xmlns:a14="http://schemas.microsoft.com/office/drawing/2010/main" xmlns="">
                 <a:effectLst>
                   <a:outerShdw blurRad="63500" dist="38099" dir="2700000" algn="ctr" rotWithShape="0">
                     <a:schemeClr val="bg2">
@@ -27653,7 +28847,7 @@
           <a:effectLst/>
           <a:extLst>
             <a:ext uri="{AF507438-7753-43e0-B8FC-AC1667EBCBE1}">
-              <a14:hiddenEffects xmlns="" xmlns:a14="http://schemas.microsoft.com/office/drawing/2010/main">
+              <a14:hiddenEffects xmlns:a14="http://schemas.microsoft.com/office/drawing/2010/main" xmlns="">
                 <a:effectLst>
                   <a:outerShdw blurRad="63500" dist="38099" dir="2700000" algn="ctr" rotWithShape="0">
                     <a:schemeClr val="bg2">
@@ -27731,7 +28925,7 @@
           <a:effectLst/>
           <a:extLst>
             <a:ext uri="{AF507438-7753-43e0-B8FC-AC1667EBCBE1}">
-              <a14:hiddenEffects xmlns="" xmlns:a14="http://schemas.microsoft.com/office/drawing/2010/main">
+              <a14:hiddenEffects xmlns:a14="http://schemas.microsoft.com/office/drawing/2010/main" xmlns="">
                 <a:effectLst>
                   <a:outerShdw blurRad="63500" dist="38099" dir="2700000" algn="ctr" rotWithShape="0">
                     <a:schemeClr val="bg2">
@@ -27819,7 +29013,7 @@
           </a:scene3d>
           <a:extLst>
             <a:ext uri="{AF507438-7753-43e0-B8FC-AC1667EBCBE1}">
-              <a14:hiddenEffects xmlns="" xmlns:a14="http://schemas.microsoft.com/office/drawing/2010/main">
+              <a14:hiddenEffects xmlns:a14="http://schemas.microsoft.com/office/drawing/2010/main" xmlns="">
                 <a:effectLst>
                   <a:outerShdw blurRad="63500" dist="38099" dir="2700000" algn="ctr" rotWithShape="0">
                     <a:schemeClr val="bg2">
@@ -27897,7 +29091,7 @@
           <a:effectLst/>
           <a:extLst>
             <a:ext uri="{AF507438-7753-43e0-B8FC-AC1667EBCBE1}">
-              <a14:hiddenEffects xmlns="" xmlns:a14="http://schemas.microsoft.com/office/drawing/2010/main">
+              <a14:hiddenEffects xmlns:a14="http://schemas.microsoft.com/office/drawing/2010/main" xmlns="">
                 <a:effectLst>
                   <a:outerShdw blurRad="63500" dist="38099" dir="2700000" algn="ctr" rotWithShape="0">
                     <a:schemeClr val="bg2">
@@ -27975,7 +29169,7 @@
           <a:effectLst/>
           <a:extLst>
             <a:ext uri="{AF507438-7753-43e0-B8FC-AC1667EBCBE1}">
-              <a14:hiddenEffects xmlns="" xmlns:a14="http://schemas.microsoft.com/office/drawing/2010/main">
+              <a14:hiddenEffects xmlns:a14="http://schemas.microsoft.com/office/drawing/2010/main" xmlns="">
                 <a:effectLst>
                   <a:outerShdw blurRad="63500" dist="38099" dir="2700000" algn="ctr" rotWithShape="0">
                     <a:schemeClr val="bg2">
@@ -28053,7 +29247,7 @@
           <a:effectLst/>
           <a:extLst>
             <a:ext uri="{AF507438-7753-43e0-B8FC-AC1667EBCBE1}">
-              <a14:hiddenEffects xmlns="" xmlns:a14="http://schemas.microsoft.com/office/drawing/2010/main">
+              <a14:hiddenEffects xmlns:a14="http://schemas.microsoft.com/office/drawing/2010/main" xmlns="">
                 <a:effectLst>
                   <a:outerShdw blurRad="63500" dist="38099" dir="2700000" algn="ctr" rotWithShape="0">
                     <a:schemeClr val="bg2">
@@ -28131,7 +29325,7 @@
           <a:effectLst/>
           <a:extLst>
             <a:ext uri="{AF507438-7753-43e0-B8FC-AC1667EBCBE1}">
-              <a14:hiddenEffects xmlns="" xmlns:a14="http://schemas.microsoft.com/office/drawing/2010/main">
+              <a14:hiddenEffects xmlns:a14="http://schemas.microsoft.com/office/drawing/2010/main" xmlns="">
                 <a:effectLst>
                   <a:outerShdw blurRad="63500" dist="38099" dir="2700000" algn="ctr" rotWithShape="0">
                     <a:schemeClr val="bg2">
@@ -28209,7 +29403,7 @@
           <a:effectLst/>
           <a:extLst>
             <a:ext uri="{AF507438-7753-43e0-B8FC-AC1667EBCBE1}">
-              <a14:hiddenEffects xmlns="" xmlns:a14="http://schemas.microsoft.com/office/drawing/2010/main">
+              <a14:hiddenEffects xmlns:a14="http://schemas.microsoft.com/office/drawing/2010/main" xmlns="">
                 <a:effectLst>
                   <a:outerShdw blurRad="63500" dist="38099" dir="2700000" algn="ctr" rotWithShape="0">
                     <a:schemeClr val="bg2">
@@ -28287,7 +29481,7 @@
           <a:effectLst/>
           <a:extLst>
             <a:ext uri="{AF507438-7753-43e0-B8FC-AC1667EBCBE1}">
-              <a14:hiddenEffects xmlns="" xmlns:a14="http://schemas.microsoft.com/office/drawing/2010/main">
+              <a14:hiddenEffects xmlns:a14="http://schemas.microsoft.com/office/drawing/2010/main" xmlns="">
                 <a:effectLst>
                   <a:outerShdw blurRad="63500" dist="38099" dir="2700000" algn="ctr" rotWithShape="0">
                     <a:schemeClr val="bg2">
@@ -28365,7 +29559,7 @@
           <a:effectLst/>
           <a:extLst>
             <a:ext uri="{AF507438-7753-43e0-B8FC-AC1667EBCBE1}">
-              <a14:hiddenEffects xmlns="" xmlns:a14="http://schemas.microsoft.com/office/drawing/2010/main">
+              <a14:hiddenEffects xmlns:a14="http://schemas.microsoft.com/office/drawing/2010/main" xmlns="">
                 <a:effectLst>
                   <a:outerShdw blurRad="63500" dist="38099" dir="2700000" algn="ctr" rotWithShape="0">
                     <a:schemeClr val="bg2">
@@ -28443,7 +29637,7 @@
           <a:effectLst/>
           <a:extLst>
             <a:ext uri="{AF507438-7753-43e0-B8FC-AC1667EBCBE1}">
-              <a14:hiddenEffects xmlns="" xmlns:a14="http://schemas.microsoft.com/office/drawing/2010/main">
+              <a14:hiddenEffects xmlns:a14="http://schemas.microsoft.com/office/drawing/2010/main" xmlns="">
                 <a:effectLst>
                   <a:outerShdw blurRad="63500" dist="38099" dir="2700000" algn="ctr" rotWithShape="0">
                     <a:schemeClr val="bg2">
@@ -28521,7 +29715,7 @@
           <a:effectLst/>
           <a:extLst>
             <a:ext uri="{AF507438-7753-43e0-B8FC-AC1667EBCBE1}">
-              <a14:hiddenEffects xmlns="" xmlns:a14="http://schemas.microsoft.com/office/drawing/2010/main">
+              <a14:hiddenEffects xmlns:a14="http://schemas.microsoft.com/office/drawing/2010/main" xmlns="">
                 <a:effectLst>
                   <a:outerShdw blurRad="63500" dist="38099" dir="2700000" algn="ctr" rotWithShape="0">
                     <a:schemeClr val="bg2">
@@ -28599,7 +29793,7 @@
           <a:effectLst/>
           <a:extLst>
             <a:ext uri="{AF507438-7753-43e0-B8FC-AC1667EBCBE1}">
-              <a14:hiddenEffects xmlns="" xmlns:a14="http://schemas.microsoft.com/office/drawing/2010/main">
+              <a14:hiddenEffects xmlns:a14="http://schemas.microsoft.com/office/drawing/2010/main" xmlns="">
                 <a:effectLst>
                   <a:outerShdw blurRad="63500" dist="38099" dir="2700000" algn="ctr" rotWithShape="0">
                     <a:schemeClr val="bg2">
@@ -28677,7 +29871,7 @@
           <a:effectLst/>
           <a:extLst>
             <a:ext uri="{AF507438-7753-43e0-B8FC-AC1667EBCBE1}">
-              <a14:hiddenEffects xmlns="" xmlns:a14="http://schemas.microsoft.com/office/drawing/2010/main">
+              <a14:hiddenEffects xmlns:a14="http://schemas.microsoft.com/office/drawing/2010/main" xmlns="">
                 <a:effectLst>
                   <a:outerShdw blurRad="63500" dist="38099" dir="2700000" algn="ctr" rotWithShape="0">
                     <a:schemeClr val="bg2">
@@ -28755,7 +29949,7 @@
           <a:effectLst/>
           <a:extLst>
             <a:ext uri="{AF507438-7753-43e0-B8FC-AC1667EBCBE1}">
-              <a14:hiddenEffects xmlns="" xmlns:a14="http://schemas.microsoft.com/office/drawing/2010/main">
+              <a14:hiddenEffects xmlns:a14="http://schemas.microsoft.com/office/drawing/2010/main" xmlns="">
                 <a:effectLst>
                   <a:outerShdw blurRad="63500" dist="38099" dir="2700000" algn="ctr" rotWithShape="0">
                     <a:schemeClr val="bg2">
@@ -28833,7 +30027,7 @@
           <a:effectLst/>
           <a:extLst>
             <a:ext uri="{AF507438-7753-43e0-B8FC-AC1667EBCBE1}">
-              <a14:hiddenEffects xmlns="" xmlns:a14="http://schemas.microsoft.com/office/drawing/2010/main">
+              <a14:hiddenEffects xmlns:a14="http://schemas.microsoft.com/office/drawing/2010/main" xmlns="">
                 <a:effectLst>
                   <a:outerShdw blurRad="63500" dist="38099" dir="2700000" algn="ctr" rotWithShape="0">
                     <a:schemeClr val="bg2">
@@ -28911,7 +30105,7 @@
           <a:effectLst/>
           <a:extLst>
             <a:ext uri="{AF507438-7753-43e0-B8FC-AC1667EBCBE1}">
-              <a14:hiddenEffects xmlns="" xmlns:a14="http://schemas.microsoft.com/office/drawing/2010/main">
+              <a14:hiddenEffects xmlns:a14="http://schemas.microsoft.com/office/drawing/2010/main" xmlns="">
                 <a:effectLst>
                   <a:outerShdw blurRad="63500" dist="38099" dir="2700000" algn="ctr" rotWithShape="0">
                     <a:schemeClr val="bg2">
@@ -28989,7 +30183,7 @@
           <a:effectLst/>
           <a:extLst>
             <a:ext uri="{AF507438-7753-43e0-B8FC-AC1667EBCBE1}">
-              <a14:hiddenEffects xmlns="" xmlns:a14="http://schemas.microsoft.com/office/drawing/2010/main">
+              <a14:hiddenEffects xmlns:a14="http://schemas.microsoft.com/office/drawing/2010/main" xmlns="">
                 <a:effectLst>
                   <a:outerShdw blurRad="63500" dist="38099" dir="2700000" algn="ctr" rotWithShape="0">
                     <a:schemeClr val="bg2">
@@ -29067,7 +30261,7 @@
           <a:effectLst/>
           <a:extLst>
             <a:ext uri="{AF507438-7753-43e0-B8FC-AC1667EBCBE1}">
-              <a14:hiddenEffects xmlns="" xmlns:a14="http://schemas.microsoft.com/office/drawing/2010/main">
+              <a14:hiddenEffects xmlns:a14="http://schemas.microsoft.com/office/drawing/2010/main" xmlns="">
                 <a:effectLst>
                   <a:outerShdw blurRad="63500" dist="38099" dir="2700000" algn="ctr" rotWithShape="0">
                     <a:schemeClr val="bg2">
@@ -29145,7 +30339,7 @@
           <a:effectLst/>
           <a:extLst>
             <a:ext uri="{AF507438-7753-43e0-B8FC-AC1667EBCBE1}">
-              <a14:hiddenEffects xmlns="" xmlns:a14="http://schemas.microsoft.com/office/drawing/2010/main">
+              <a14:hiddenEffects xmlns:a14="http://schemas.microsoft.com/office/drawing/2010/main" xmlns="">
                 <a:effectLst>
                   <a:outerShdw blurRad="63500" dist="38099" dir="2700000" algn="ctr" rotWithShape="0">
                     <a:schemeClr val="bg2">
@@ -29233,7 +30427,7 @@
           </a:scene3d>
           <a:extLst>
             <a:ext uri="{AF507438-7753-43e0-B8FC-AC1667EBCBE1}">
-              <a14:hiddenEffects xmlns="" xmlns:a14="http://schemas.microsoft.com/office/drawing/2010/main">
+              <a14:hiddenEffects xmlns:a14="http://schemas.microsoft.com/office/drawing/2010/main" xmlns="">
                 <a:effectLst>
                   <a:outerShdw blurRad="63500" dist="38099" dir="2700000" algn="ctr" rotWithShape="0">
                     <a:schemeClr val="bg2">
@@ -29311,7 +30505,7 @@
           <a:effectLst/>
           <a:extLst>
             <a:ext uri="{AF507438-7753-43e0-B8FC-AC1667EBCBE1}">
-              <a14:hiddenEffects xmlns="" xmlns:a14="http://schemas.microsoft.com/office/drawing/2010/main">
+              <a14:hiddenEffects xmlns:a14="http://schemas.microsoft.com/office/drawing/2010/main" xmlns="">
                 <a:effectLst>
                   <a:outerShdw blurRad="63500" dist="38099" dir="2700000" algn="ctr" rotWithShape="0">
                     <a:schemeClr val="bg2">
@@ -29389,7 +30583,7 @@
           <a:effectLst/>
           <a:extLst>
             <a:ext uri="{AF507438-7753-43e0-B8FC-AC1667EBCBE1}">
-              <a14:hiddenEffects xmlns="" xmlns:a14="http://schemas.microsoft.com/office/drawing/2010/main">
+              <a14:hiddenEffects xmlns:a14="http://schemas.microsoft.com/office/drawing/2010/main" xmlns="">
                 <a:effectLst>
                   <a:outerShdw blurRad="63500" dist="38099" dir="2700000" algn="ctr" rotWithShape="0">
                     <a:schemeClr val="bg2">
@@ -29467,7 +30661,7 @@
           <a:effectLst/>
           <a:extLst>
             <a:ext uri="{AF507438-7753-43e0-B8FC-AC1667EBCBE1}">
-              <a14:hiddenEffects xmlns="" xmlns:a14="http://schemas.microsoft.com/office/drawing/2010/main">
+              <a14:hiddenEffects xmlns:a14="http://schemas.microsoft.com/office/drawing/2010/main" xmlns="">
                 <a:effectLst>
                   <a:outerShdw blurRad="63500" dist="38099" dir="2700000" algn="ctr" rotWithShape="0">
                     <a:schemeClr val="bg2">
@@ -29545,7 +30739,7 @@
           <a:effectLst/>
           <a:extLst>
             <a:ext uri="{AF507438-7753-43e0-B8FC-AC1667EBCBE1}">
-              <a14:hiddenEffects xmlns="" xmlns:a14="http://schemas.microsoft.com/office/drawing/2010/main">
+              <a14:hiddenEffects xmlns:a14="http://schemas.microsoft.com/office/drawing/2010/main" xmlns="">
                 <a:effectLst>
                   <a:outerShdw blurRad="63500" dist="38099" dir="2700000" algn="ctr" rotWithShape="0">
                     <a:schemeClr val="bg2">
@@ -29623,7 +30817,7 @@
           <a:effectLst/>
           <a:extLst>
             <a:ext uri="{AF507438-7753-43e0-B8FC-AC1667EBCBE1}">
-              <a14:hiddenEffects xmlns="" xmlns:a14="http://schemas.microsoft.com/office/drawing/2010/main">
+              <a14:hiddenEffects xmlns:a14="http://schemas.microsoft.com/office/drawing/2010/main" xmlns="">
                 <a:effectLst>
                   <a:outerShdw blurRad="63500" dist="38099" dir="2700000" algn="ctr" rotWithShape="0">
                     <a:schemeClr val="bg2">
@@ -29701,7 +30895,7 @@
           <a:effectLst/>
           <a:extLst>
             <a:ext uri="{AF507438-7753-43e0-B8FC-AC1667EBCBE1}">
-              <a14:hiddenEffects xmlns="" xmlns:a14="http://schemas.microsoft.com/office/drawing/2010/main">
+              <a14:hiddenEffects xmlns:a14="http://schemas.microsoft.com/office/drawing/2010/main" xmlns="">
                 <a:effectLst>
                   <a:outerShdw blurRad="63500" dist="38099" dir="2700000" algn="ctr" rotWithShape="0">
                     <a:schemeClr val="bg2">
@@ -29779,7 +30973,7 @@
           <a:effectLst/>
           <a:extLst>
             <a:ext uri="{AF507438-7753-43e0-B8FC-AC1667EBCBE1}">
-              <a14:hiddenEffects xmlns="" xmlns:a14="http://schemas.microsoft.com/office/drawing/2010/main">
+              <a14:hiddenEffects xmlns:a14="http://schemas.microsoft.com/office/drawing/2010/main" xmlns="">
                 <a:effectLst>
                   <a:outerShdw blurRad="63500" dist="38099" dir="2700000" algn="ctr" rotWithShape="0">
                     <a:schemeClr val="bg2">
@@ -29857,7 +31051,7 @@
           <a:effectLst/>
           <a:extLst>
             <a:ext uri="{AF507438-7753-43e0-B8FC-AC1667EBCBE1}">
-              <a14:hiddenEffects xmlns="" xmlns:a14="http://schemas.microsoft.com/office/drawing/2010/main">
+              <a14:hiddenEffects xmlns:a14="http://schemas.microsoft.com/office/drawing/2010/main" xmlns="">
                 <a:effectLst>
                   <a:outerShdw blurRad="63500" dist="38099" dir="2700000" algn="ctr" rotWithShape="0">
                     <a:schemeClr val="bg2">
@@ -29935,7 +31129,7 @@
           <a:effectLst/>
           <a:extLst>
             <a:ext uri="{AF507438-7753-43e0-B8FC-AC1667EBCBE1}">
-              <a14:hiddenEffects xmlns="" xmlns:a14="http://schemas.microsoft.com/office/drawing/2010/main">
+              <a14:hiddenEffects xmlns:a14="http://schemas.microsoft.com/office/drawing/2010/main" xmlns="">
                 <a:effectLst>
                   <a:outerShdw blurRad="63500" dist="38099" dir="2700000" algn="ctr" rotWithShape="0">
                     <a:schemeClr val="bg2">
@@ -30013,7 +31207,7 @@
           <a:effectLst/>
           <a:extLst>
             <a:ext uri="{AF507438-7753-43e0-B8FC-AC1667EBCBE1}">
-              <a14:hiddenEffects xmlns="" xmlns:a14="http://schemas.microsoft.com/office/drawing/2010/main">
+              <a14:hiddenEffects xmlns:a14="http://schemas.microsoft.com/office/drawing/2010/main" xmlns="">
                 <a:effectLst>
                   <a:outerShdw blurRad="63500" dist="38099" dir="2700000" algn="ctr" rotWithShape="0">
                     <a:schemeClr val="bg2">
@@ -30091,7 +31285,7 @@
           <a:effectLst/>
           <a:extLst>
             <a:ext uri="{AF507438-7753-43e0-B8FC-AC1667EBCBE1}">
-              <a14:hiddenEffects xmlns="" xmlns:a14="http://schemas.microsoft.com/office/drawing/2010/main">
+              <a14:hiddenEffects xmlns:a14="http://schemas.microsoft.com/office/drawing/2010/main" xmlns="">
                 <a:effectLst>
                   <a:outerShdw blurRad="63500" dist="38099" dir="2700000" algn="ctr" rotWithShape="0">
                     <a:schemeClr val="bg2">
@@ -30169,7 +31363,7 @@
           <a:effectLst/>
           <a:extLst>
             <a:ext uri="{AF507438-7753-43e0-B8FC-AC1667EBCBE1}">
-              <a14:hiddenEffects xmlns="" xmlns:a14="http://schemas.microsoft.com/office/drawing/2010/main">
+              <a14:hiddenEffects xmlns:a14="http://schemas.microsoft.com/office/drawing/2010/main" xmlns="">
                 <a:effectLst>
                   <a:outerShdw blurRad="63500" dist="38099" dir="2700000" algn="ctr" rotWithShape="0">
                     <a:schemeClr val="bg2">
@@ -30247,7 +31441,7 @@
           <a:effectLst/>
           <a:extLst>
             <a:ext uri="{AF507438-7753-43e0-B8FC-AC1667EBCBE1}">
-              <a14:hiddenEffects xmlns="" xmlns:a14="http://schemas.microsoft.com/office/drawing/2010/main">
+              <a14:hiddenEffects xmlns:a14="http://schemas.microsoft.com/office/drawing/2010/main" xmlns="">
                 <a:effectLst>
                   <a:outerShdw blurRad="63500" dist="38099" dir="2700000" algn="ctr" rotWithShape="0">
                     <a:schemeClr val="bg2">
@@ -30325,7 +31519,7 @@
           <a:effectLst/>
           <a:extLst>
             <a:ext uri="{AF507438-7753-43e0-B8FC-AC1667EBCBE1}">
-              <a14:hiddenEffects xmlns="" xmlns:a14="http://schemas.microsoft.com/office/drawing/2010/main">
+              <a14:hiddenEffects xmlns:a14="http://schemas.microsoft.com/office/drawing/2010/main" xmlns="">
                 <a:effectLst>
                   <a:outerShdw blurRad="63500" dist="38099" dir="2700000" algn="ctr" rotWithShape="0">
                     <a:schemeClr val="bg2">
@@ -30403,7 +31597,7 @@
           <a:effectLst/>
           <a:extLst>
             <a:ext uri="{AF507438-7753-43e0-B8FC-AC1667EBCBE1}">
-              <a14:hiddenEffects xmlns="" xmlns:a14="http://schemas.microsoft.com/office/drawing/2010/main">
+              <a14:hiddenEffects xmlns:a14="http://schemas.microsoft.com/office/drawing/2010/main" xmlns="">
                 <a:effectLst>
                   <a:outerShdw blurRad="63500" dist="38099" dir="2700000" algn="ctr" rotWithShape="0">
                     <a:schemeClr val="bg2">
@@ -30481,7 +31675,7 @@
           <a:effectLst/>
           <a:extLst>
             <a:ext uri="{AF507438-7753-43e0-B8FC-AC1667EBCBE1}">
-              <a14:hiddenEffects xmlns="" xmlns:a14="http://schemas.microsoft.com/office/drawing/2010/main">
+              <a14:hiddenEffects xmlns:a14="http://schemas.microsoft.com/office/drawing/2010/main" xmlns="">
                 <a:effectLst>
                   <a:outerShdw blurRad="63500" dist="38099" dir="2700000" algn="ctr" rotWithShape="0">
                     <a:schemeClr val="bg2">
@@ -30559,7 +31753,7 @@
           <a:effectLst/>
           <a:extLst>
             <a:ext uri="{AF507438-7753-43e0-B8FC-AC1667EBCBE1}">
-              <a14:hiddenEffects xmlns="" xmlns:a14="http://schemas.microsoft.com/office/drawing/2010/main">
+              <a14:hiddenEffects xmlns:a14="http://schemas.microsoft.com/office/drawing/2010/main" xmlns="">
                 <a:effectLst>
                   <a:outerShdw blurRad="63500" dist="38099" dir="2700000" algn="ctr" rotWithShape="0">
                     <a:schemeClr val="bg2">
@@ -30637,7 +31831,7 @@
           <a:effectLst/>
           <a:extLst>
             <a:ext uri="{AF507438-7753-43e0-B8FC-AC1667EBCBE1}">
-              <a14:hiddenEffects xmlns="" xmlns:a14="http://schemas.microsoft.com/office/drawing/2010/main">
+              <a14:hiddenEffects xmlns:a14="http://schemas.microsoft.com/office/drawing/2010/main" xmlns="">
                 <a:effectLst>
                   <a:outerShdw blurRad="63500" dist="38099" dir="2700000" algn="ctr" rotWithShape="0">
                     <a:schemeClr val="bg2">
@@ -30715,7 +31909,7 @@
           <a:effectLst/>
           <a:extLst>
             <a:ext uri="{AF507438-7753-43e0-B8FC-AC1667EBCBE1}">
-              <a14:hiddenEffects xmlns="" xmlns:a14="http://schemas.microsoft.com/office/drawing/2010/main">
+              <a14:hiddenEffects xmlns:a14="http://schemas.microsoft.com/office/drawing/2010/main" xmlns="">
                 <a:effectLst>
                   <a:outerShdw blurRad="63500" dist="38099" dir="2700000" algn="ctr" rotWithShape="0">
                     <a:schemeClr val="bg2">
@@ -30793,7 +31987,7 @@
           <a:effectLst/>
           <a:extLst>
             <a:ext uri="{AF507438-7753-43e0-B8FC-AC1667EBCBE1}">
-              <a14:hiddenEffects xmlns="" xmlns:a14="http://schemas.microsoft.com/office/drawing/2010/main">
+              <a14:hiddenEffects xmlns:a14="http://schemas.microsoft.com/office/drawing/2010/main" xmlns="">
                 <a:effectLst>
                   <a:outerShdw blurRad="63500" dist="38099" dir="2700000" algn="ctr" rotWithShape="0">
                     <a:schemeClr val="bg2">
@@ -30871,7 +32065,7 @@
           <a:effectLst/>
           <a:extLst>
             <a:ext uri="{AF507438-7753-43e0-B8FC-AC1667EBCBE1}">
-              <a14:hiddenEffects xmlns="" xmlns:a14="http://schemas.microsoft.com/office/drawing/2010/main">
+              <a14:hiddenEffects xmlns:a14="http://schemas.microsoft.com/office/drawing/2010/main" xmlns="">
                 <a:effectLst>
                   <a:outerShdw blurRad="63500" dist="38099" dir="2700000" algn="ctr" rotWithShape="0">
                     <a:schemeClr val="bg2">
@@ -30949,7 +32143,7 @@
           <a:effectLst/>
           <a:extLst>
             <a:ext uri="{AF507438-7753-43e0-B8FC-AC1667EBCBE1}">
-              <a14:hiddenEffects xmlns="" xmlns:a14="http://schemas.microsoft.com/office/drawing/2010/main">
+              <a14:hiddenEffects xmlns:a14="http://schemas.microsoft.com/office/drawing/2010/main" xmlns="">
                 <a:effectLst>
                   <a:outerShdw blurRad="63500" dist="38099" dir="2700000" algn="ctr" rotWithShape="0">
                     <a:schemeClr val="bg2">
@@ -31027,7 +32221,7 @@
           <a:effectLst/>
           <a:extLst>
             <a:ext uri="{AF507438-7753-43e0-B8FC-AC1667EBCBE1}">
-              <a14:hiddenEffects xmlns="" xmlns:a14="http://schemas.microsoft.com/office/drawing/2010/main">
+              <a14:hiddenEffects xmlns:a14="http://schemas.microsoft.com/office/drawing/2010/main" xmlns="">
                 <a:effectLst>
                   <a:outerShdw blurRad="63500" dist="38099" dir="2700000" algn="ctr" rotWithShape="0">
                     <a:schemeClr val="bg2">
@@ -31105,7 +32299,7 @@
           <a:effectLst/>
           <a:extLst>
             <a:ext uri="{AF507438-7753-43e0-B8FC-AC1667EBCBE1}">
-              <a14:hiddenEffects xmlns="" xmlns:a14="http://schemas.microsoft.com/office/drawing/2010/main">
+              <a14:hiddenEffects xmlns:a14="http://schemas.microsoft.com/office/drawing/2010/main" xmlns="">
                 <a:effectLst>
                   <a:outerShdw blurRad="63500" dist="38099" dir="2700000" algn="ctr" rotWithShape="0">
                     <a:schemeClr val="bg2">
@@ -31183,7 +32377,7 @@
           <a:effectLst/>
           <a:extLst>
             <a:ext uri="{AF507438-7753-43e0-B8FC-AC1667EBCBE1}">
-              <a14:hiddenEffects xmlns="" xmlns:a14="http://schemas.microsoft.com/office/drawing/2010/main">
+              <a14:hiddenEffects xmlns:a14="http://schemas.microsoft.com/office/drawing/2010/main" xmlns="">
                 <a:effectLst>
                   <a:outerShdw blurRad="63500" dist="38099" dir="2700000" algn="ctr" rotWithShape="0">
                     <a:schemeClr val="bg2">
@@ -31261,7 +32455,7 @@
           <a:effectLst/>
           <a:extLst>
             <a:ext uri="{AF507438-7753-43e0-B8FC-AC1667EBCBE1}">
-              <a14:hiddenEffects xmlns="" xmlns:a14="http://schemas.microsoft.com/office/drawing/2010/main">
+              <a14:hiddenEffects xmlns:a14="http://schemas.microsoft.com/office/drawing/2010/main" xmlns="">
                 <a:effectLst>
                   <a:outerShdw blurRad="63500" dist="38099" dir="2700000" algn="ctr" rotWithShape="0">
                     <a:schemeClr val="bg2">
@@ -31339,7 +32533,7 @@
           <a:effectLst/>
           <a:extLst>
             <a:ext uri="{AF507438-7753-43e0-B8FC-AC1667EBCBE1}">
-              <a14:hiddenEffects xmlns="" xmlns:a14="http://schemas.microsoft.com/office/drawing/2010/main">
+              <a14:hiddenEffects xmlns:a14="http://schemas.microsoft.com/office/drawing/2010/main" xmlns="">
                 <a:effectLst>
                   <a:outerShdw blurRad="63500" dist="38099" dir="2700000" algn="ctr" rotWithShape="0">
                     <a:schemeClr val="bg2">
@@ -31417,7 +32611,7 @@
           <a:effectLst/>
           <a:extLst>
             <a:ext uri="{AF507438-7753-43e0-B8FC-AC1667EBCBE1}">
-              <a14:hiddenEffects xmlns="" xmlns:a14="http://schemas.microsoft.com/office/drawing/2010/main">
+              <a14:hiddenEffects xmlns:a14="http://schemas.microsoft.com/office/drawing/2010/main" xmlns="">
                 <a:effectLst>
                   <a:outerShdw blurRad="63500" dist="38099" dir="2700000" algn="ctr" rotWithShape="0">
                     <a:schemeClr val="bg2">
@@ -31495,7 +32689,7 @@
           <a:effectLst/>
           <a:extLst>
             <a:ext uri="{AF507438-7753-43e0-B8FC-AC1667EBCBE1}">
-              <a14:hiddenEffects xmlns="" xmlns:a14="http://schemas.microsoft.com/office/drawing/2010/main">
+              <a14:hiddenEffects xmlns:a14="http://schemas.microsoft.com/office/drawing/2010/main" xmlns="">
                 <a:effectLst>
                   <a:outerShdw blurRad="63500" dist="38099" dir="2700000" algn="ctr" rotWithShape="0">
                     <a:schemeClr val="bg2">
@@ -31573,7 +32767,7 @@
           <a:effectLst/>
           <a:extLst>
             <a:ext uri="{AF507438-7753-43e0-B8FC-AC1667EBCBE1}">
-              <a14:hiddenEffects xmlns="" xmlns:a14="http://schemas.microsoft.com/office/drawing/2010/main">
+              <a14:hiddenEffects xmlns:a14="http://schemas.microsoft.com/office/drawing/2010/main" xmlns="">
                 <a:effectLst>
                   <a:outerShdw blurRad="63500" dist="38099" dir="2700000" algn="ctr" rotWithShape="0">
                     <a:schemeClr val="bg2">
@@ -31651,7 +32845,7 @@
           <a:effectLst/>
           <a:extLst>
             <a:ext uri="{AF507438-7753-43e0-B8FC-AC1667EBCBE1}">
-              <a14:hiddenEffects xmlns="" xmlns:a14="http://schemas.microsoft.com/office/drawing/2010/main">
+              <a14:hiddenEffects xmlns:a14="http://schemas.microsoft.com/office/drawing/2010/main" xmlns="">
                 <a:effectLst>
                   <a:outerShdw blurRad="63500" dist="38099" dir="2700000" algn="ctr" rotWithShape="0">
                     <a:schemeClr val="bg2">
@@ -31729,7 +32923,7 @@
           <a:effectLst/>
           <a:extLst>
             <a:ext uri="{AF507438-7753-43e0-B8FC-AC1667EBCBE1}">
-              <a14:hiddenEffects xmlns="" xmlns:a14="http://schemas.microsoft.com/office/drawing/2010/main">
+              <a14:hiddenEffects xmlns:a14="http://schemas.microsoft.com/office/drawing/2010/main" xmlns="">
                 <a:effectLst>
                   <a:outerShdw blurRad="63500" dist="38099" dir="2700000" algn="ctr" rotWithShape="0">
                     <a:schemeClr val="bg2">
@@ -31807,7 +33001,7 @@
           <a:effectLst/>
           <a:extLst>
             <a:ext uri="{AF507438-7753-43e0-B8FC-AC1667EBCBE1}">
-              <a14:hiddenEffects xmlns="" xmlns:a14="http://schemas.microsoft.com/office/drawing/2010/main">
+              <a14:hiddenEffects xmlns:a14="http://schemas.microsoft.com/office/drawing/2010/main" xmlns="">
                 <a:effectLst>
                   <a:outerShdw blurRad="63500" dist="38099" dir="2700000" algn="ctr" rotWithShape="0">
                     <a:schemeClr val="bg2">
@@ -31885,7 +33079,7 @@
           <a:effectLst/>
           <a:extLst>
             <a:ext uri="{AF507438-7753-43e0-B8FC-AC1667EBCBE1}">
-              <a14:hiddenEffects xmlns="" xmlns:a14="http://schemas.microsoft.com/office/drawing/2010/main">
+              <a14:hiddenEffects xmlns:a14="http://schemas.microsoft.com/office/drawing/2010/main" xmlns="">
                 <a:effectLst>
                   <a:outerShdw blurRad="63500" dist="38099" dir="2700000" algn="ctr" rotWithShape="0">
                     <a:schemeClr val="bg2">
@@ -31963,7 +33157,7 @@
           <a:effectLst/>
           <a:extLst>
             <a:ext uri="{AF507438-7753-43e0-B8FC-AC1667EBCBE1}">
-              <a14:hiddenEffects xmlns="" xmlns:a14="http://schemas.microsoft.com/office/drawing/2010/main">
+              <a14:hiddenEffects xmlns:a14="http://schemas.microsoft.com/office/drawing/2010/main" xmlns="">
                 <a:effectLst>
                   <a:outerShdw blurRad="63500" dist="38099" dir="2700000" algn="ctr" rotWithShape="0">
                     <a:schemeClr val="bg2">
@@ -32041,7 +33235,7 @@
           <a:effectLst/>
           <a:extLst>
             <a:ext uri="{AF507438-7753-43e0-B8FC-AC1667EBCBE1}">
-              <a14:hiddenEffects xmlns="" xmlns:a14="http://schemas.microsoft.com/office/drawing/2010/main">
+              <a14:hiddenEffects xmlns:a14="http://schemas.microsoft.com/office/drawing/2010/main" xmlns="">
                 <a:effectLst>
                   <a:outerShdw blurRad="63500" dist="38099" dir="2700000" algn="ctr" rotWithShape="0">
                     <a:schemeClr val="bg2">
@@ -32119,7 +33313,7 @@
           <a:effectLst/>
           <a:extLst>
             <a:ext uri="{AF507438-7753-43e0-B8FC-AC1667EBCBE1}">
-              <a14:hiddenEffects xmlns="" xmlns:a14="http://schemas.microsoft.com/office/drawing/2010/main">
+              <a14:hiddenEffects xmlns:a14="http://schemas.microsoft.com/office/drawing/2010/main" xmlns="">
                 <a:effectLst>
                   <a:outerShdw blurRad="63500" dist="38099" dir="2700000" algn="ctr" rotWithShape="0">
                     <a:schemeClr val="bg2">
@@ -32195,7 +33389,7 @@
           <a:effectLst/>
           <a:extLst>
             <a:ext uri="{AF507438-7753-43e0-B8FC-AC1667EBCBE1}">
-              <a14:hiddenEffects xmlns="" xmlns:a14="http://schemas.microsoft.com/office/drawing/2010/main">
+              <a14:hiddenEffects xmlns:a14="http://schemas.microsoft.com/office/drawing/2010/main" xmlns="">
                 <a:effectLst>
                   <a:outerShdw blurRad="63500" dist="38099" dir="2700000" algn="ctr" rotWithShape="0">
                     <a:schemeClr val="bg2">
@@ -32288,7 +33482,7 @@
           <a:effectLst/>
           <a:extLst>
             <a:ext uri="{AF507438-7753-43e0-B8FC-AC1667EBCBE1}">
-              <a14:hiddenEffects xmlns="" xmlns:a14="http://schemas.microsoft.com/office/drawing/2010/main">
+              <a14:hiddenEffects xmlns:a14="http://schemas.microsoft.com/office/drawing/2010/main" xmlns="">
                 <a:effectLst>
                   <a:outerShdw blurRad="63500" dist="38099" dir="2700000" algn="ctr" rotWithShape="0">
                     <a:schemeClr val="bg2">
@@ -32366,7 +33560,7 @@
           <a:effectLst/>
           <a:extLst>
             <a:ext uri="{AF507438-7753-43e0-B8FC-AC1667EBCBE1}">
-              <a14:hiddenEffects xmlns="" xmlns:a14="http://schemas.microsoft.com/office/drawing/2010/main">
+              <a14:hiddenEffects xmlns:a14="http://schemas.microsoft.com/office/drawing/2010/main" xmlns="">
                 <a:effectLst>
                   <a:outerShdw blurRad="63500" dist="38099" dir="2700000" algn="ctr" rotWithShape="0">
                     <a:schemeClr val="bg2">
@@ -32442,7 +33636,7 @@
           <a:effectLst/>
           <a:extLst>
             <a:ext uri="{AF507438-7753-43e0-B8FC-AC1667EBCBE1}">
-              <a14:hiddenEffects xmlns="" xmlns:a14="http://schemas.microsoft.com/office/drawing/2010/main">
+              <a14:hiddenEffects xmlns:a14="http://schemas.microsoft.com/office/drawing/2010/main" xmlns="">
                 <a:effectLst>
                   <a:outerShdw blurRad="63500" dist="38099" dir="2700000" algn="ctr" rotWithShape="0">
                     <a:schemeClr val="bg2">
@@ -32535,7 +33729,7 @@
           <a:effectLst/>
           <a:extLst>
             <a:ext uri="{AF507438-7753-43e0-B8FC-AC1667EBCBE1}">
-              <a14:hiddenEffects xmlns="" xmlns:a14="http://schemas.microsoft.com/office/drawing/2010/main">
+              <a14:hiddenEffects xmlns:a14="http://schemas.microsoft.com/office/drawing/2010/main" xmlns="">
                 <a:effectLst>
                   <a:outerShdw blurRad="63500" dist="38099" dir="2700000" algn="ctr" rotWithShape="0">
                     <a:schemeClr val="bg2">
@@ -32613,7 +33807,7 @@
           <a:effectLst/>
           <a:extLst>
             <a:ext uri="{AF507438-7753-43e0-B8FC-AC1667EBCBE1}">
-              <a14:hiddenEffects xmlns="" xmlns:a14="http://schemas.microsoft.com/office/drawing/2010/main">
+              <a14:hiddenEffects xmlns:a14="http://schemas.microsoft.com/office/drawing/2010/main" xmlns="">
                 <a:effectLst>
                   <a:outerShdw blurRad="63500" dist="38099" dir="2700000" algn="ctr" rotWithShape="0">
                     <a:schemeClr val="bg2">
@@ -32691,7 +33885,7 @@
           <a:effectLst/>
           <a:extLst>
             <a:ext uri="{AF507438-7753-43e0-B8FC-AC1667EBCBE1}">
-              <a14:hiddenEffects xmlns="" xmlns:a14="http://schemas.microsoft.com/office/drawing/2010/main">
+              <a14:hiddenEffects xmlns:a14="http://schemas.microsoft.com/office/drawing/2010/main" xmlns="">
                 <a:effectLst>
                   <a:outerShdw blurRad="63500" dist="38099" dir="2700000" algn="ctr" rotWithShape="0">
                     <a:schemeClr val="bg2">
@@ -32769,7 +33963,7 @@
           <a:effectLst/>
           <a:extLst>
             <a:ext uri="{AF507438-7753-43e0-B8FC-AC1667EBCBE1}">
-              <a14:hiddenEffects xmlns="" xmlns:a14="http://schemas.microsoft.com/office/drawing/2010/main">
+              <a14:hiddenEffects xmlns:a14="http://schemas.microsoft.com/office/drawing/2010/main" xmlns="">
                 <a:effectLst>
                   <a:outerShdw blurRad="63500" dist="38099" dir="2700000" algn="ctr" rotWithShape="0">
                     <a:schemeClr val="bg2">
@@ -32847,7 +34041,7 @@
           <a:effectLst/>
           <a:extLst>
             <a:ext uri="{AF507438-7753-43e0-B8FC-AC1667EBCBE1}">
-              <a14:hiddenEffects xmlns="" xmlns:a14="http://schemas.microsoft.com/office/drawing/2010/main">
+              <a14:hiddenEffects xmlns:a14="http://schemas.microsoft.com/office/drawing/2010/main" xmlns="">
                 <a:effectLst>
                   <a:outerShdw blurRad="63500" dist="38099" dir="2700000" algn="ctr" rotWithShape="0">
                     <a:schemeClr val="bg2">
@@ -32925,7 +34119,7 @@
           <a:effectLst/>
           <a:extLst>
             <a:ext uri="{AF507438-7753-43e0-B8FC-AC1667EBCBE1}">
-              <a14:hiddenEffects xmlns="" xmlns:a14="http://schemas.microsoft.com/office/drawing/2010/main">
+              <a14:hiddenEffects xmlns:a14="http://schemas.microsoft.com/office/drawing/2010/main" xmlns="">
                 <a:effectLst>
                   <a:outerShdw blurRad="63500" dist="38099" dir="2700000" algn="ctr" rotWithShape="0">
                     <a:schemeClr val="bg2">
@@ -33003,7 +34197,7 @@
           <a:effectLst/>
           <a:extLst>
             <a:ext uri="{AF507438-7753-43e0-B8FC-AC1667EBCBE1}">
-              <a14:hiddenEffects xmlns="" xmlns:a14="http://schemas.microsoft.com/office/drawing/2010/main">
+              <a14:hiddenEffects xmlns:a14="http://schemas.microsoft.com/office/drawing/2010/main" xmlns="">
                 <a:effectLst>
                   <a:outerShdw blurRad="63500" dist="38099" dir="2700000" algn="ctr" rotWithShape="0">
                     <a:schemeClr val="bg2">
@@ -33081,7 +34275,7 @@
           <a:effectLst/>
           <a:extLst>
             <a:ext uri="{AF507438-7753-43e0-B8FC-AC1667EBCBE1}">
-              <a14:hiddenEffects xmlns="" xmlns:a14="http://schemas.microsoft.com/office/drawing/2010/main">
+              <a14:hiddenEffects xmlns:a14="http://schemas.microsoft.com/office/drawing/2010/main" xmlns="">
                 <a:effectLst>
                   <a:outerShdw blurRad="63500" dist="38099" dir="2700000" algn="ctr" rotWithShape="0">
                     <a:schemeClr val="bg2">
@@ -33159,7 +34353,7 @@
           <a:effectLst/>
           <a:extLst>
             <a:ext uri="{AF507438-7753-43e0-B8FC-AC1667EBCBE1}">
-              <a14:hiddenEffects xmlns="" xmlns:a14="http://schemas.microsoft.com/office/drawing/2010/main">
+              <a14:hiddenEffects xmlns:a14="http://schemas.microsoft.com/office/drawing/2010/main" xmlns="">
                 <a:effectLst>
                   <a:outerShdw blurRad="63500" dist="38099" dir="2700000" algn="ctr" rotWithShape="0">
                     <a:schemeClr val="bg2">
@@ -33274,7 +34468,7 @@
           <a:effectLst/>
           <a:extLst>
             <a:ext uri="{AF507438-7753-43e0-B8FC-AC1667EBCBE1}">
-              <a14:hiddenEffects xmlns="" xmlns:a14="http://schemas.microsoft.com/office/drawing/2010/main">
+              <a14:hiddenEffects xmlns:a14="http://schemas.microsoft.com/office/drawing/2010/main" xmlns="">
                 <a:effectLst>
                   <a:outerShdw blurRad="63500" dist="38099" dir="2700000" algn="ctr" rotWithShape="0">
                     <a:schemeClr val="bg2">
@@ -33352,7 +34546,7 @@
           <a:effectLst/>
           <a:extLst>
             <a:ext uri="{AF507438-7753-43e0-B8FC-AC1667EBCBE1}">
-              <a14:hiddenEffects xmlns="" xmlns:a14="http://schemas.microsoft.com/office/drawing/2010/main">
+              <a14:hiddenEffects xmlns:a14="http://schemas.microsoft.com/office/drawing/2010/main" xmlns="">
                 <a:effectLst>
                   <a:outerShdw blurRad="63500" dist="38099" dir="2700000" algn="ctr" rotWithShape="0">
                     <a:schemeClr val="bg2">
@@ -33430,7 +34624,7 @@
           <a:effectLst/>
           <a:extLst>
             <a:ext uri="{AF507438-7753-43e0-B8FC-AC1667EBCBE1}">
-              <a14:hiddenEffects xmlns="" xmlns:a14="http://schemas.microsoft.com/office/drawing/2010/main">
+              <a14:hiddenEffects xmlns:a14="http://schemas.microsoft.com/office/drawing/2010/main" xmlns="">
                 <a:effectLst>
                   <a:outerShdw blurRad="63500" dist="38099" dir="2700000" algn="ctr" rotWithShape="0">
                     <a:schemeClr val="bg2">
@@ -33508,7 +34702,7 @@
           <a:effectLst/>
           <a:extLst>
             <a:ext uri="{AF507438-7753-43e0-B8FC-AC1667EBCBE1}">
-              <a14:hiddenEffects xmlns="" xmlns:a14="http://schemas.microsoft.com/office/drawing/2010/main">
+              <a14:hiddenEffects xmlns:a14="http://schemas.microsoft.com/office/drawing/2010/main" xmlns="">
                 <a:effectLst>
                   <a:outerShdw blurRad="63500" dist="38099" dir="2700000" algn="ctr" rotWithShape="0">
                     <a:schemeClr val="bg2">
@@ -33596,7 +34790,7 @@
           </a:scene3d>
           <a:extLst>
             <a:ext uri="{AF507438-7753-43e0-B8FC-AC1667EBCBE1}">
-              <a14:hiddenEffects xmlns="" xmlns:a14="http://schemas.microsoft.com/office/drawing/2010/main">
+              <a14:hiddenEffects xmlns:a14="http://schemas.microsoft.com/office/drawing/2010/main" xmlns="">
                 <a:effectLst>
                   <a:outerShdw blurRad="63500" dist="38099" dir="2700000" algn="ctr" rotWithShape="0">
                     <a:schemeClr val="bg2">
@@ -33684,7 +34878,7 @@
           </a:scene3d>
           <a:extLst>
             <a:ext uri="{AF507438-7753-43e0-B8FC-AC1667EBCBE1}">
-              <a14:hiddenEffects xmlns="" xmlns:a14="http://schemas.microsoft.com/office/drawing/2010/main">
+              <a14:hiddenEffects xmlns:a14="http://schemas.microsoft.com/office/drawing/2010/main" xmlns="">
                 <a:effectLst>
                   <a:outerShdw blurRad="63500" dist="38099" dir="2700000" algn="ctr" rotWithShape="0">
                     <a:schemeClr val="bg2">
@@ -33772,7 +34966,7 @@
           </a:scene3d>
           <a:extLst>
             <a:ext uri="{AF507438-7753-43e0-B8FC-AC1667EBCBE1}">
-              <a14:hiddenEffects xmlns="" xmlns:a14="http://schemas.microsoft.com/office/drawing/2010/main">
+              <a14:hiddenEffects xmlns:a14="http://schemas.microsoft.com/office/drawing/2010/main" xmlns="">
                 <a:effectLst>
                   <a:outerShdw blurRad="63500" dist="38099" dir="2700000" algn="ctr" rotWithShape="0">
                     <a:schemeClr val="bg2">
@@ -33860,7 +35054,7 @@
           </a:scene3d>
           <a:extLst>
             <a:ext uri="{AF507438-7753-43e0-B8FC-AC1667EBCBE1}">
-              <a14:hiddenEffects xmlns="" xmlns:a14="http://schemas.microsoft.com/office/drawing/2010/main">
+              <a14:hiddenEffects xmlns:a14="http://schemas.microsoft.com/office/drawing/2010/main" xmlns="">
                 <a:effectLst>
                   <a:outerShdw blurRad="63500" dist="38099" dir="2700000" algn="ctr" rotWithShape="0">
                     <a:schemeClr val="bg2">
@@ -33916,7 +35110,7 @@
           <p:cNvPr id="10241" name="Rectangle 2">
             <a:extLst>
               <a:ext uri="{FF2B5EF4-FFF2-40B4-BE49-F238E27FC236}">
-                <a16:creationId xmlns:a16="http://schemas.microsoft.com/office/drawing/2014/main" xmlns="" id="{2C64CE8F-6DC1-7B46-AA41-065734F9FFFA}"/>
+                <a16:creationId xmlns="" xmlns:a16="http://schemas.microsoft.com/office/drawing/2014/main" id="{2C64CE8F-6DC1-7B46-AA41-065734F9FFFA}"/>
               </a:ext>
             </a:extLst>
           </p:cNvPr>
@@ -33961,7 +35155,7 @@
           <p:cNvPr id="10243" name="Espace réservé du numéro de diapositive 1">
             <a:extLst>
               <a:ext uri="{FF2B5EF4-FFF2-40B4-BE49-F238E27FC236}">
-                <a16:creationId xmlns:a16="http://schemas.microsoft.com/office/drawing/2014/main" xmlns="" id="{A32D7E7E-5EC9-B640-8806-5F060AD25EEB}"/>
+                <a16:creationId xmlns="" xmlns:a16="http://schemas.microsoft.com/office/drawing/2014/main" id="{A32D7E7E-5EC9-B640-8806-5F060AD25EEB}"/>
               </a:ext>
             </a:extLst>
           </p:cNvPr>
@@ -34199,7 +35393,7 @@
           <a:effectLst/>
           <a:extLst>
             <a:ext uri="{AF507438-7753-43e0-B8FC-AC1667EBCBE1}">
-              <a14:hiddenEffects xmlns="" xmlns:a14="http://schemas.microsoft.com/office/drawing/2010/main">
+              <a14:hiddenEffects xmlns:a14="http://schemas.microsoft.com/office/drawing/2010/main" xmlns="">
                 <a:effectLst>
                   <a:outerShdw blurRad="63500" dist="38099" dir="2700000" algn="ctr" rotWithShape="0">
                     <a:schemeClr val="bg2">
@@ -34277,7 +35471,7 @@
           <a:effectLst/>
           <a:extLst>
             <a:ext uri="{AF507438-7753-43e0-B8FC-AC1667EBCBE1}">
-              <a14:hiddenEffects xmlns="" xmlns:a14="http://schemas.microsoft.com/office/drawing/2010/main">
+              <a14:hiddenEffects xmlns:a14="http://schemas.microsoft.com/office/drawing/2010/main" xmlns="">
                 <a:effectLst>
                   <a:outerShdw blurRad="63500" dist="38099" dir="2700000" algn="ctr" rotWithShape="0">
                     <a:schemeClr val="bg2">
@@ -34355,7 +35549,7 @@
           <a:effectLst/>
           <a:extLst>
             <a:ext uri="{AF507438-7753-43e0-B8FC-AC1667EBCBE1}">
-              <a14:hiddenEffects xmlns="" xmlns:a14="http://schemas.microsoft.com/office/drawing/2010/main">
+              <a14:hiddenEffects xmlns:a14="http://schemas.microsoft.com/office/drawing/2010/main" xmlns="">
                 <a:effectLst>
                   <a:outerShdw blurRad="63500" dist="38099" dir="2700000" algn="ctr" rotWithShape="0">
                     <a:schemeClr val="bg2">
@@ -34443,7 +35637,7 @@
           </a:scene3d>
           <a:extLst>
             <a:ext uri="{AF507438-7753-43e0-B8FC-AC1667EBCBE1}">
-              <a14:hiddenEffects xmlns="" xmlns:a14="http://schemas.microsoft.com/office/drawing/2010/main">
+              <a14:hiddenEffects xmlns:a14="http://schemas.microsoft.com/office/drawing/2010/main" xmlns="">
                 <a:effectLst>
                   <a:outerShdw blurRad="63500" dist="38099" dir="2700000" algn="ctr" rotWithShape="0">
                     <a:schemeClr val="bg2">
@@ -34521,7 +35715,7 @@
           <a:effectLst/>
           <a:extLst>
             <a:ext uri="{AF507438-7753-43e0-B8FC-AC1667EBCBE1}">
-              <a14:hiddenEffects xmlns="" xmlns:a14="http://schemas.microsoft.com/office/drawing/2010/main">
+              <a14:hiddenEffects xmlns:a14="http://schemas.microsoft.com/office/drawing/2010/main" xmlns="">
                 <a:effectLst>
                   <a:outerShdw blurRad="63500" dist="38099" dir="2700000" algn="ctr" rotWithShape="0">
                     <a:schemeClr val="bg2">
@@ -34599,7 +35793,7 @@
           <a:effectLst/>
           <a:extLst>
             <a:ext uri="{AF507438-7753-43e0-B8FC-AC1667EBCBE1}">
-              <a14:hiddenEffects xmlns="" xmlns:a14="http://schemas.microsoft.com/office/drawing/2010/main">
+              <a14:hiddenEffects xmlns:a14="http://schemas.microsoft.com/office/drawing/2010/main" xmlns="">
                 <a:effectLst>
                   <a:outerShdw blurRad="63500" dist="38099" dir="2700000" algn="ctr" rotWithShape="0">
                     <a:schemeClr val="bg2">
@@ -34677,7 +35871,7 @@
           <a:effectLst/>
           <a:extLst>
             <a:ext uri="{AF507438-7753-43e0-B8FC-AC1667EBCBE1}">
-              <a14:hiddenEffects xmlns="" xmlns:a14="http://schemas.microsoft.com/office/drawing/2010/main">
+              <a14:hiddenEffects xmlns:a14="http://schemas.microsoft.com/office/drawing/2010/main" xmlns="">
                 <a:effectLst>
                   <a:outerShdw blurRad="63500" dist="38099" dir="2700000" algn="ctr" rotWithShape="0">
                     <a:schemeClr val="bg2">
@@ -34755,7 +35949,7 @@
           <a:effectLst/>
           <a:extLst>
             <a:ext uri="{AF507438-7753-43e0-B8FC-AC1667EBCBE1}">
-              <a14:hiddenEffects xmlns="" xmlns:a14="http://schemas.microsoft.com/office/drawing/2010/main">
+              <a14:hiddenEffects xmlns:a14="http://schemas.microsoft.com/office/drawing/2010/main" xmlns="">
                 <a:effectLst>
                   <a:outerShdw blurRad="63500" dist="38099" dir="2700000" algn="ctr" rotWithShape="0">
                     <a:schemeClr val="bg2">
@@ -34833,7 +36027,7 @@
           <a:effectLst/>
           <a:extLst>
             <a:ext uri="{AF507438-7753-43e0-B8FC-AC1667EBCBE1}">
-              <a14:hiddenEffects xmlns="" xmlns:a14="http://schemas.microsoft.com/office/drawing/2010/main">
+              <a14:hiddenEffects xmlns:a14="http://schemas.microsoft.com/office/drawing/2010/main" xmlns="">
                 <a:effectLst>
                   <a:outerShdw blurRad="63500" dist="38099" dir="2700000" algn="ctr" rotWithShape="0">
                     <a:schemeClr val="bg2">
@@ -34911,7 +36105,7 @@
           <a:effectLst/>
           <a:extLst>
             <a:ext uri="{AF507438-7753-43e0-B8FC-AC1667EBCBE1}">
-              <a14:hiddenEffects xmlns="" xmlns:a14="http://schemas.microsoft.com/office/drawing/2010/main">
+              <a14:hiddenEffects xmlns:a14="http://schemas.microsoft.com/office/drawing/2010/main" xmlns="">
                 <a:effectLst>
                   <a:outerShdw blurRad="63500" dist="38099" dir="2700000" algn="ctr" rotWithShape="0">
                     <a:schemeClr val="bg2">
@@ -34989,7 +36183,7 @@
           <a:effectLst/>
           <a:extLst>
             <a:ext uri="{AF507438-7753-43e0-B8FC-AC1667EBCBE1}">
-              <a14:hiddenEffects xmlns="" xmlns:a14="http://schemas.microsoft.com/office/drawing/2010/main">
+              <a14:hiddenEffects xmlns:a14="http://schemas.microsoft.com/office/drawing/2010/main" xmlns="">
                 <a:effectLst>
                   <a:outerShdw blurRad="63500" dist="38099" dir="2700000" algn="ctr" rotWithShape="0">
                     <a:schemeClr val="bg2">
@@ -35067,7 +36261,7 @@
           <a:effectLst/>
           <a:extLst>
             <a:ext uri="{AF507438-7753-43e0-B8FC-AC1667EBCBE1}">
-              <a14:hiddenEffects xmlns="" xmlns:a14="http://schemas.microsoft.com/office/drawing/2010/main">
+              <a14:hiddenEffects xmlns:a14="http://schemas.microsoft.com/office/drawing/2010/main" xmlns="">
                 <a:effectLst>
                   <a:outerShdw blurRad="63500" dist="38099" dir="2700000" algn="ctr" rotWithShape="0">
                     <a:schemeClr val="bg2">
@@ -35145,7 +36339,7 @@
           <a:effectLst/>
           <a:extLst>
             <a:ext uri="{AF507438-7753-43e0-B8FC-AC1667EBCBE1}">
-              <a14:hiddenEffects xmlns="" xmlns:a14="http://schemas.microsoft.com/office/drawing/2010/main">
+              <a14:hiddenEffects xmlns:a14="http://schemas.microsoft.com/office/drawing/2010/main" xmlns="">
                 <a:effectLst>
                   <a:outerShdw blurRad="63500" dist="38099" dir="2700000" algn="ctr" rotWithShape="0">
                     <a:schemeClr val="bg2">
@@ -35223,7 +36417,7 @@
           <a:effectLst/>
           <a:extLst>
             <a:ext uri="{AF507438-7753-43e0-B8FC-AC1667EBCBE1}">
-              <a14:hiddenEffects xmlns="" xmlns:a14="http://schemas.microsoft.com/office/drawing/2010/main">
+              <a14:hiddenEffects xmlns:a14="http://schemas.microsoft.com/office/drawing/2010/main" xmlns="">
                 <a:effectLst>
                   <a:outerShdw blurRad="63500" dist="38099" dir="2700000" algn="ctr" rotWithShape="0">
                     <a:schemeClr val="bg2">
@@ -35301,7 +36495,7 @@
           <a:effectLst/>
           <a:extLst>
             <a:ext uri="{AF507438-7753-43e0-B8FC-AC1667EBCBE1}">
-              <a14:hiddenEffects xmlns="" xmlns:a14="http://schemas.microsoft.com/office/drawing/2010/main">
+              <a14:hiddenEffects xmlns:a14="http://schemas.microsoft.com/office/drawing/2010/main" xmlns="">
                 <a:effectLst>
                   <a:outerShdw blurRad="63500" dist="38099" dir="2700000" algn="ctr" rotWithShape="0">
                     <a:schemeClr val="bg2">
@@ -35379,7 +36573,7 @@
           <a:effectLst/>
           <a:extLst>
             <a:ext uri="{AF507438-7753-43e0-B8FC-AC1667EBCBE1}">
-              <a14:hiddenEffects xmlns="" xmlns:a14="http://schemas.microsoft.com/office/drawing/2010/main">
+              <a14:hiddenEffects xmlns:a14="http://schemas.microsoft.com/office/drawing/2010/main" xmlns="">
                 <a:effectLst>
                   <a:outerShdw blurRad="63500" dist="38099" dir="2700000" algn="ctr" rotWithShape="0">
                     <a:schemeClr val="bg2">
@@ -35457,7 +36651,7 @@
           <a:effectLst/>
           <a:extLst>
             <a:ext uri="{AF507438-7753-43e0-B8FC-AC1667EBCBE1}">
-              <a14:hiddenEffects xmlns="" xmlns:a14="http://schemas.microsoft.com/office/drawing/2010/main">
+              <a14:hiddenEffects xmlns:a14="http://schemas.microsoft.com/office/drawing/2010/main" xmlns="">
                 <a:effectLst>
                   <a:outerShdw blurRad="63500" dist="38099" dir="2700000" algn="ctr" rotWithShape="0">
                     <a:schemeClr val="bg2">
@@ -35535,7 +36729,7 @@
           <a:effectLst/>
           <a:extLst>
             <a:ext uri="{AF507438-7753-43e0-B8FC-AC1667EBCBE1}">
-              <a14:hiddenEffects xmlns="" xmlns:a14="http://schemas.microsoft.com/office/drawing/2010/main">
+              <a14:hiddenEffects xmlns:a14="http://schemas.microsoft.com/office/drawing/2010/main" xmlns="">
                 <a:effectLst>
                   <a:outerShdw blurRad="63500" dist="38099" dir="2700000" algn="ctr" rotWithShape="0">
                     <a:schemeClr val="bg2">
@@ -35613,7 +36807,7 @@
           <a:effectLst/>
           <a:extLst>
             <a:ext uri="{AF507438-7753-43e0-B8FC-AC1667EBCBE1}">
-              <a14:hiddenEffects xmlns="" xmlns:a14="http://schemas.microsoft.com/office/drawing/2010/main">
+              <a14:hiddenEffects xmlns:a14="http://schemas.microsoft.com/office/drawing/2010/main" xmlns="">
                 <a:effectLst>
                   <a:outerShdw blurRad="63500" dist="38099" dir="2700000" algn="ctr" rotWithShape="0">
                     <a:schemeClr val="bg2">
@@ -35691,7 +36885,7 @@
           <a:effectLst/>
           <a:extLst>
             <a:ext uri="{AF507438-7753-43e0-B8FC-AC1667EBCBE1}">
-              <a14:hiddenEffects xmlns="" xmlns:a14="http://schemas.microsoft.com/office/drawing/2010/main">
+              <a14:hiddenEffects xmlns:a14="http://schemas.microsoft.com/office/drawing/2010/main" xmlns="">
                 <a:effectLst>
                   <a:outerShdw blurRad="63500" dist="38099" dir="2700000" algn="ctr" rotWithShape="0">
                     <a:schemeClr val="bg2">
@@ -35769,7 +36963,7 @@
           <a:effectLst/>
           <a:extLst>
             <a:ext uri="{AF507438-7753-43e0-B8FC-AC1667EBCBE1}">
-              <a14:hiddenEffects xmlns="" xmlns:a14="http://schemas.microsoft.com/office/drawing/2010/main">
+              <a14:hiddenEffects xmlns:a14="http://schemas.microsoft.com/office/drawing/2010/main" xmlns="">
                 <a:effectLst>
                   <a:outerShdw blurRad="63500" dist="38099" dir="2700000" algn="ctr" rotWithShape="0">
                     <a:schemeClr val="bg2">
@@ -35857,7 +37051,7 @@
           </a:scene3d>
           <a:extLst>
             <a:ext uri="{AF507438-7753-43e0-B8FC-AC1667EBCBE1}">
-              <a14:hiddenEffects xmlns="" xmlns:a14="http://schemas.microsoft.com/office/drawing/2010/main">
+              <a14:hiddenEffects xmlns:a14="http://schemas.microsoft.com/office/drawing/2010/main" xmlns="">
                 <a:effectLst>
                   <a:outerShdw blurRad="63500" dist="38099" dir="2700000" algn="ctr" rotWithShape="0">
                     <a:schemeClr val="bg2">
@@ -35935,7 +37129,7 @@
           <a:effectLst/>
           <a:extLst>
             <a:ext uri="{AF507438-7753-43e0-B8FC-AC1667EBCBE1}">
-              <a14:hiddenEffects xmlns="" xmlns:a14="http://schemas.microsoft.com/office/drawing/2010/main">
+              <a14:hiddenEffects xmlns:a14="http://schemas.microsoft.com/office/drawing/2010/main" xmlns="">
                 <a:effectLst>
                   <a:outerShdw blurRad="63500" dist="38099" dir="2700000" algn="ctr" rotWithShape="0">
                     <a:schemeClr val="bg2">
@@ -36013,7 +37207,7 @@
           <a:effectLst/>
           <a:extLst>
             <a:ext uri="{AF507438-7753-43e0-B8FC-AC1667EBCBE1}">
-              <a14:hiddenEffects xmlns="" xmlns:a14="http://schemas.microsoft.com/office/drawing/2010/main">
+              <a14:hiddenEffects xmlns:a14="http://schemas.microsoft.com/office/drawing/2010/main" xmlns="">
                 <a:effectLst>
                   <a:outerShdw blurRad="63500" dist="38099" dir="2700000" algn="ctr" rotWithShape="0">
                     <a:schemeClr val="bg2">
@@ -36091,7 +37285,7 @@
           <a:effectLst/>
           <a:extLst>
             <a:ext uri="{AF507438-7753-43e0-B8FC-AC1667EBCBE1}">
-              <a14:hiddenEffects xmlns="" xmlns:a14="http://schemas.microsoft.com/office/drawing/2010/main">
+              <a14:hiddenEffects xmlns:a14="http://schemas.microsoft.com/office/drawing/2010/main" xmlns="">
                 <a:effectLst>
                   <a:outerShdw blurRad="63500" dist="38099" dir="2700000" algn="ctr" rotWithShape="0">
                     <a:schemeClr val="bg2">
@@ -36169,7 +37363,7 @@
           <a:effectLst/>
           <a:extLst>
             <a:ext uri="{AF507438-7753-43e0-B8FC-AC1667EBCBE1}">
-              <a14:hiddenEffects xmlns="" xmlns:a14="http://schemas.microsoft.com/office/drawing/2010/main">
+              <a14:hiddenEffects xmlns:a14="http://schemas.microsoft.com/office/drawing/2010/main" xmlns="">
                 <a:effectLst>
                   <a:outerShdw blurRad="63500" dist="38099" dir="2700000" algn="ctr" rotWithShape="0">
                     <a:schemeClr val="bg2">
@@ -36247,7 +37441,7 @@
           <a:effectLst/>
           <a:extLst>
             <a:ext uri="{AF507438-7753-43e0-B8FC-AC1667EBCBE1}">
-              <a14:hiddenEffects xmlns="" xmlns:a14="http://schemas.microsoft.com/office/drawing/2010/main">
+              <a14:hiddenEffects xmlns:a14="http://schemas.microsoft.com/office/drawing/2010/main" xmlns="">
                 <a:effectLst>
                   <a:outerShdw blurRad="63500" dist="38099" dir="2700000" algn="ctr" rotWithShape="0">
                     <a:schemeClr val="bg2">
@@ -36325,7 +37519,7 @@
           <a:effectLst/>
           <a:extLst>
             <a:ext uri="{AF507438-7753-43e0-B8FC-AC1667EBCBE1}">
-              <a14:hiddenEffects xmlns="" xmlns:a14="http://schemas.microsoft.com/office/drawing/2010/main">
+              <a14:hiddenEffects xmlns:a14="http://schemas.microsoft.com/office/drawing/2010/main" xmlns="">
                 <a:effectLst>
                   <a:outerShdw blurRad="63500" dist="38099" dir="2700000" algn="ctr" rotWithShape="0">
                     <a:schemeClr val="bg2">
@@ -36403,7 +37597,7 @@
           <a:effectLst/>
           <a:extLst>
             <a:ext uri="{AF507438-7753-43e0-B8FC-AC1667EBCBE1}">
-              <a14:hiddenEffects xmlns="" xmlns:a14="http://schemas.microsoft.com/office/drawing/2010/main">
+              <a14:hiddenEffects xmlns:a14="http://schemas.microsoft.com/office/drawing/2010/main" xmlns="">
                 <a:effectLst>
                   <a:outerShdw blurRad="63500" dist="38099" dir="2700000" algn="ctr" rotWithShape="0">
                     <a:schemeClr val="bg2">
@@ -36481,7 +37675,7 @@
           <a:effectLst/>
           <a:extLst>
             <a:ext uri="{AF507438-7753-43e0-B8FC-AC1667EBCBE1}">
-              <a14:hiddenEffects xmlns="" xmlns:a14="http://schemas.microsoft.com/office/drawing/2010/main">
+              <a14:hiddenEffects xmlns:a14="http://schemas.microsoft.com/office/drawing/2010/main" xmlns="">
                 <a:effectLst>
                   <a:outerShdw blurRad="63500" dist="38099" dir="2700000" algn="ctr" rotWithShape="0">
                     <a:schemeClr val="bg2">
@@ -36559,7 +37753,7 @@
           <a:effectLst/>
           <a:extLst>
             <a:ext uri="{AF507438-7753-43e0-B8FC-AC1667EBCBE1}">
-              <a14:hiddenEffects xmlns="" xmlns:a14="http://schemas.microsoft.com/office/drawing/2010/main">
+              <a14:hiddenEffects xmlns:a14="http://schemas.microsoft.com/office/drawing/2010/main" xmlns="">
                 <a:effectLst>
                   <a:outerShdw blurRad="63500" dist="38099" dir="2700000" algn="ctr" rotWithShape="0">
                     <a:schemeClr val="bg2">
@@ -36637,7 +37831,7 @@
           <a:effectLst/>
           <a:extLst>
             <a:ext uri="{AF507438-7753-43e0-B8FC-AC1667EBCBE1}">
-              <a14:hiddenEffects xmlns="" xmlns:a14="http://schemas.microsoft.com/office/drawing/2010/main">
+              <a14:hiddenEffects xmlns:a14="http://schemas.microsoft.com/office/drawing/2010/main" xmlns="">
                 <a:effectLst>
                   <a:outerShdw blurRad="63500" dist="38099" dir="2700000" algn="ctr" rotWithShape="0">
                     <a:schemeClr val="bg2">
@@ -36715,7 +37909,7 @@
           <a:effectLst/>
           <a:extLst>
             <a:ext uri="{AF507438-7753-43e0-B8FC-AC1667EBCBE1}">
-              <a14:hiddenEffects xmlns="" xmlns:a14="http://schemas.microsoft.com/office/drawing/2010/main">
+              <a14:hiddenEffects xmlns:a14="http://schemas.microsoft.com/office/drawing/2010/main" xmlns="">
                 <a:effectLst>
                   <a:outerShdw blurRad="63500" dist="38099" dir="2700000" algn="ctr" rotWithShape="0">
                     <a:schemeClr val="bg2">
@@ -36793,7 +37987,7 @@
           <a:effectLst/>
           <a:extLst>
             <a:ext uri="{AF507438-7753-43e0-B8FC-AC1667EBCBE1}">
-              <a14:hiddenEffects xmlns="" xmlns:a14="http://schemas.microsoft.com/office/drawing/2010/main">
+              <a14:hiddenEffects xmlns:a14="http://schemas.microsoft.com/office/drawing/2010/main" xmlns="">
                 <a:effectLst>
                   <a:outerShdw blurRad="63500" dist="38099" dir="2700000" algn="ctr" rotWithShape="0">
                     <a:schemeClr val="bg2">
@@ -36871,7 +38065,7 @@
           <a:effectLst/>
           <a:extLst>
             <a:ext uri="{AF507438-7753-43e0-B8FC-AC1667EBCBE1}">
-              <a14:hiddenEffects xmlns="" xmlns:a14="http://schemas.microsoft.com/office/drawing/2010/main">
+              <a14:hiddenEffects xmlns:a14="http://schemas.microsoft.com/office/drawing/2010/main" xmlns="">
                 <a:effectLst>
                   <a:outerShdw blurRad="63500" dist="38099" dir="2700000" algn="ctr" rotWithShape="0">
                     <a:schemeClr val="bg2">
@@ -36949,7 +38143,7 @@
           <a:effectLst/>
           <a:extLst>
             <a:ext uri="{AF507438-7753-43e0-B8FC-AC1667EBCBE1}">
-              <a14:hiddenEffects xmlns="" xmlns:a14="http://schemas.microsoft.com/office/drawing/2010/main">
+              <a14:hiddenEffects xmlns:a14="http://schemas.microsoft.com/office/drawing/2010/main" xmlns="">
                 <a:effectLst>
                   <a:outerShdw blurRad="63500" dist="38099" dir="2700000" algn="ctr" rotWithShape="0">
                     <a:schemeClr val="bg2">
@@ -37027,7 +38221,7 @@
           <a:effectLst/>
           <a:extLst>
             <a:ext uri="{AF507438-7753-43e0-B8FC-AC1667EBCBE1}">
-              <a14:hiddenEffects xmlns="" xmlns:a14="http://schemas.microsoft.com/office/drawing/2010/main">
+              <a14:hiddenEffects xmlns:a14="http://schemas.microsoft.com/office/drawing/2010/main" xmlns="">
                 <a:effectLst>
                   <a:outerShdw blurRad="63500" dist="38099" dir="2700000" algn="ctr" rotWithShape="0">
                     <a:schemeClr val="bg2">
@@ -37105,7 +38299,7 @@
           <a:effectLst/>
           <a:extLst>
             <a:ext uri="{AF507438-7753-43e0-B8FC-AC1667EBCBE1}">
-              <a14:hiddenEffects xmlns="" xmlns:a14="http://schemas.microsoft.com/office/drawing/2010/main">
+              <a14:hiddenEffects xmlns:a14="http://schemas.microsoft.com/office/drawing/2010/main" xmlns="">
                 <a:effectLst>
                   <a:outerShdw blurRad="63500" dist="38099" dir="2700000" algn="ctr" rotWithShape="0">
                     <a:schemeClr val="bg2">
@@ -37183,7 +38377,7 @@
           <a:effectLst/>
           <a:extLst>
             <a:ext uri="{AF507438-7753-43e0-B8FC-AC1667EBCBE1}">
-              <a14:hiddenEffects xmlns="" xmlns:a14="http://schemas.microsoft.com/office/drawing/2010/main">
+              <a14:hiddenEffects xmlns:a14="http://schemas.microsoft.com/office/drawing/2010/main" xmlns="">
                 <a:effectLst>
                   <a:outerShdw blurRad="63500" dist="38099" dir="2700000" algn="ctr" rotWithShape="0">
                     <a:schemeClr val="bg2">
@@ -37261,7 +38455,7 @@
           <a:effectLst/>
           <a:extLst>
             <a:ext uri="{AF507438-7753-43e0-B8FC-AC1667EBCBE1}">
-              <a14:hiddenEffects xmlns="" xmlns:a14="http://schemas.microsoft.com/office/drawing/2010/main">
+              <a14:hiddenEffects xmlns:a14="http://schemas.microsoft.com/office/drawing/2010/main" xmlns="">
                 <a:effectLst>
                   <a:outerShdw blurRad="63500" dist="38099" dir="2700000" algn="ctr" rotWithShape="0">
                     <a:schemeClr val="bg2">
@@ -37339,7 +38533,7 @@
           <a:effectLst/>
           <a:extLst>
             <a:ext uri="{AF507438-7753-43e0-B8FC-AC1667EBCBE1}">
-              <a14:hiddenEffects xmlns="" xmlns:a14="http://schemas.microsoft.com/office/drawing/2010/main">
+              <a14:hiddenEffects xmlns:a14="http://schemas.microsoft.com/office/drawing/2010/main" xmlns="">
                 <a:effectLst>
                   <a:outerShdw blurRad="63500" dist="38099" dir="2700000" algn="ctr" rotWithShape="0">
                     <a:schemeClr val="bg2">
@@ -37417,7 +38611,7 @@
           <a:effectLst/>
           <a:extLst>
             <a:ext uri="{AF507438-7753-43e0-B8FC-AC1667EBCBE1}">
-              <a14:hiddenEffects xmlns="" xmlns:a14="http://schemas.microsoft.com/office/drawing/2010/main">
+              <a14:hiddenEffects xmlns:a14="http://schemas.microsoft.com/office/drawing/2010/main" xmlns="">
                 <a:effectLst>
                   <a:outerShdw blurRad="63500" dist="38099" dir="2700000" algn="ctr" rotWithShape="0">
                     <a:schemeClr val="bg2">
@@ -37495,7 +38689,7 @@
           <a:effectLst/>
           <a:extLst>
             <a:ext uri="{AF507438-7753-43e0-B8FC-AC1667EBCBE1}">
-              <a14:hiddenEffects xmlns="" xmlns:a14="http://schemas.microsoft.com/office/drawing/2010/main">
+              <a14:hiddenEffects xmlns:a14="http://schemas.microsoft.com/office/drawing/2010/main" xmlns="">
                 <a:effectLst>
                   <a:outerShdw blurRad="63500" dist="38099" dir="2700000" algn="ctr" rotWithShape="0">
                     <a:schemeClr val="bg2">
@@ -37573,7 +38767,7 @@
           <a:effectLst/>
           <a:extLst>
             <a:ext uri="{AF507438-7753-43e0-B8FC-AC1667EBCBE1}">
-              <a14:hiddenEffects xmlns="" xmlns:a14="http://schemas.microsoft.com/office/drawing/2010/main">
+              <a14:hiddenEffects xmlns:a14="http://schemas.microsoft.com/office/drawing/2010/main" xmlns="">
                 <a:effectLst>
                   <a:outerShdw blurRad="63500" dist="38099" dir="2700000" algn="ctr" rotWithShape="0">
                     <a:schemeClr val="bg2">
@@ -37651,7 +38845,7 @@
           <a:effectLst/>
           <a:extLst>
             <a:ext uri="{AF507438-7753-43e0-B8FC-AC1667EBCBE1}">
-              <a14:hiddenEffects xmlns="" xmlns:a14="http://schemas.microsoft.com/office/drawing/2010/main">
+              <a14:hiddenEffects xmlns:a14="http://schemas.microsoft.com/office/drawing/2010/main" xmlns="">
                 <a:effectLst>
                   <a:outerShdw blurRad="63500" dist="38099" dir="2700000" algn="ctr" rotWithShape="0">
                     <a:schemeClr val="bg2">
@@ -37729,7 +38923,7 @@
           <a:effectLst/>
           <a:extLst>
             <a:ext uri="{AF507438-7753-43e0-B8FC-AC1667EBCBE1}">
-              <a14:hiddenEffects xmlns="" xmlns:a14="http://schemas.microsoft.com/office/drawing/2010/main">
+              <a14:hiddenEffects xmlns:a14="http://schemas.microsoft.com/office/drawing/2010/main" xmlns="">
                 <a:effectLst>
                   <a:outerShdw blurRad="63500" dist="38099" dir="2700000" algn="ctr" rotWithShape="0">
                     <a:schemeClr val="bg2">
@@ -37807,7 +39001,7 @@
           <a:effectLst/>
           <a:extLst>
             <a:ext uri="{AF507438-7753-43e0-B8FC-AC1667EBCBE1}">
-              <a14:hiddenEffects xmlns="" xmlns:a14="http://schemas.microsoft.com/office/drawing/2010/main">
+              <a14:hiddenEffects xmlns:a14="http://schemas.microsoft.com/office/drawing/2010/main" xmlns="">
                 <a:effectLst>
                   <a:outerShdw blurRad="63500" dist="38099" dir="2700000" algn="ctr" rotWithShape="0">
                     <a:schemeClr val="bg2">
@@ -37885,7 +39079,7 @@
           <a:effectLst/>
           <a:extLst>
             <a:ext uri="{AF507438-7753-43e0-B8FC-AC1667EBCBE1}">
-              <a14:hiddenEffects xmlns="" xmlns:a14="http://schemas.microsoft.com/office/drawing/2010/main">
+              <a14:hiddenEffects xmlns:a14="http://schemas.microsoft.com/office/drawing/2010/main" xmlns="">
                 <a:effectLst>
                   <a:outerShdw blurRad="63500" dist="38099" dir="2700000" algn="ctr" rotWithShape="0">
                     <a:schemeClr val="bg2">
@@ -37963,7 +39157,7 @@
           <a:effectLst/>
           <a:extLst>
             <a:ext uri="{AF507438-7753-43e0-B8FC-AC1667EBCBE1}">
-              <a14:hiddenEffects xmlns="" xmlns:a14="http://schemas.microsoft.com/office/drawing/2010/main">
+              <a14:hiddenEffects xmlns:a14="http://schemas.microsoft.com/office/drawing/2010/main" xmlns="">
                 <a:effectLst>
                   <a:outerShdw blurRad="63500" dist="38099" dir="2700000" algn="ctr" rotWithShape="0">
                     <a:schemeClr val="bg2">
@@ -38041,7 +39235,7 @@
           <a:effectLst/>
           <a:extLst>
             <a:ext uri="{AF507438-7753-43e0-B8FC-AC1667EBCBE1}">
-              <a14:hiddenEffects xmlns="" xmlns:a14="http://schemas.microsoft.com/office/drawing/2010/main">
+              <a14:hiddenEffects xmlns:a14="http://schemas.microsoft.com/office/drawing/2010/main" xmlns="">
                 <a:effectLst>
                   <a:outerShdw blurRad="63500" dist="38099" dir="2700000" algn="ctr" rotWithShape="0">
                     <a:schemeClr val="bg2">
@@ -38119,7 +39313,7 @@
           <a:effectLst/>
           <a:extLst>
             <a:ext uri="{AF507438-7753-43e0-B8FC-AC1667EBCBE1}">
-              <a14:hiddenEffects xmlns="" xmlns:a14="http://schemas.microsoft.com/office/drawing/2010/main">
+              <a14:hiddenEffects xmlns:a14="http://schemas.microsoft.com/office/drawing/2010/main" xmlns="">
                 <a:effectLst>
                   <a:outerShdw blurRad="63500" dist="38099" dir="2700000" algn="ctr" rotWithShape="0">
                     <a:schemeClr val="bg2">
@@ -38197,7 +39391,7 @@
           <a:effectLst/>
           <a:extLst>
             <a:ext uri="{AF507438-7753-43e0-B8FC-AC1667EBCBE1}">
-              <a14:hiddenEffects xmlns="" xmlns:a14="http://schemas.microsoft.com/office/drawing/2010/main">
+              <a14:hiddenEffects xmlns:a14="http://schemas.microsoft.com/office/drawing/2010/main" xmlns="">
                 <a:effectLst>
                   <a:outerShdw blurRad="63500" dist="38099" dir="2700000" algn="ctr" rotWithShape="0">
                     <a:schemeClr val="bg2">
@@ -38275,7 +39469,7 @@
           <a:effectLst/>
           <a:extLst>
             <a:ext uri="{AF507438-7753-43e0-B8FC-AC1667EBCBE1}">
-              <a14:hiddenEffects xmlns="" xmlns:a14="http://schemas.microsoft.com/office/drawing/2010/main">
+              <a14:hiddenEffects xmlns:a14="http://schemas.microsoft.com/office/drawing/2010/main" xmlns="">
                 <a:effectLst>
                   <a:outerShdw blurRad="63500" dist="38099" dir="2700000" algn="ctr" rotWithShape="0">
                     <a:schemeClr val="bg2">
@@ -38353,7 +39547,7 @@
           <a:effectLst/>
           <a:extLst>
             <a:ext uri="{AF507438-7753-43e0-B8FC-AC1667EBCBE1}">
-              <a14:hiddenEffects xmlns="" xmlns:a14="http://schemas.microsoft.com/office/drawing/2010/main">
+              <a14:hiddenEffects xmlns:a14="http://schemas.microsoft.com/office/drawing/2010/main" xmlns="">
                 <a:effectLst>
                   <a:outerShdw blurRad="63500" dist="38099" dir="2700000" algn="ctr" rotWithShape="0">
                     <a:schemeClr val="bg2">
@@ -38431,7 +39625,7 @@
           <a:effectLst/>
           <a:extLst>
             <a:ext uri="{AF507438-7753-43e0-B8FC-AC1667EBCBE1}">
-              <a14:hiddenEffects xmlns="" xmlns:a14="http://schemas.microsoft.com/office/drawing/2010/main">
+              <a14:hiddenEffects xmlns:a14="http://schemas.microsoft.com/office/drawing/2010/main" xmlns="">
                 <a:effectLst>
                   <a:outerShdw blurRad="63500" dist="38099" dir="2700000" algn="ctr" rotWithShape="0">
                     <a:schemeClr val="bg2">
@@ -38509,7 +39703,7 @@
           <a:effectLst/>
           <a:extLst>
             <a:ext uri="{AF507438-7753-43e0-B8FC-AC1667EBCBE1}">
-              <a14:hiddenEffects xmlns="" xmlns:a14="http://schemas.microsoft.com/office/drawing/2010/main">
+              <a14:hiddenEffects xmlns:a14="http://schemas.microsoft.com/office/drawing/2010/main" xmlns="">
                 <a:effectLst>
                   <a:outerShdw blurRad="63500" dist="38099" dir="2700000" algn="ctr" rotWithShape="0">
                     <a:schemeClr val="bg2">
@@ -38587,7 +39781,7 @@
           <a:effectLst/>
           <a:extLst>
             <a:ext uri="{AF507438-7753-43e0-B8FC-AC1667EBCBE1}">
-              <a14:hiddenEffects xmlns="" xmlns:a14="http://schemas.microsoft.com/office/drawing/2010/main">
+              <a14:hiddenEffects xmlns:a14="http://schemas.microsoft.com/office/drawing/2010/main" xmlns="">
                 <a:effectLst>
                   <a:outerShdw blurRad="63500" dist="38099" dir="2700000" algn="ctr" rotWithShape="0">
                     <a:schemeClr val="bg2">
@@ -38665,7 +39859,7 @@
           <a:effectLst/>
           <a:extLst>
             <a:ext uri="{AF507438-7753-43e0-B8FC-AC1667EBCBE1}">
-              <a14:hiddenEffects xmlns="" xmlns:a14="http://schemas.microsoft.com/office/drawing/2010/main">
+              <a14:hiddenEffects xmlns:a14="http://schemas.microsoft.com/office/drawing/2010/main" xmlns="">
                 <a:effectLst>
                   <a:outerShdw blurRad="63500" dist="38099" dir="2700000" algn="ctr" rotWithShape="0">
                     <a:schemeClr val="bg2">
@@ -38743,7 +39937,7 @@
           <a:effectLst/>
           <a:extLst>
             <a:ext uri="{AF507438-7753-43e0-B8FC-AC1667EBCBE1}">
-              <a14:hiddenEffects xmlns="" xmlns:a14="http://schemas.microsoft.com/office/drawing/2010/main">
+              <a14:hiddenEffects xmlns:a14="http://schemas.microsoft.com/office/drawing/2010/main" xmlns="">
                 <a:effectLst>
                   <a:outerShdw blurRad="63500" dist="38099" dir="2700000" algn="ctr" rotWithShape="0">
                     <a:schemeClr val="bg2">
@@ -38821,7 +40015,7 @@
           <a:effectLst/>
           <a:extLst>
             <a:ext uri="{AF507438-7753-43e0-B8FC-AC1667EBCBE1}">
-              <a14:hiddenEffects xmlns="" xmlns:a14="http://schemas.microsoft.com/office/drawing/2010/main">
+              <a14:hiddenEffects xmlns:a14="http://schemas.microsoft.com/office/drawing/2010/main" xmlns="">
                 <a:effectLst>
                   <a:outerShdw blurRad="63500" dist="38099" dir="2700000" algn="ctr" rotWithShape="0">
                     <a:schemeClr val="bg2">
@@ -38899,7 +40093,7 @@
           <a:effectLst/>
           <a:extLst>
             <a:ext uri="{AF507438-7753-43e0-B8FC-AC1667EBCBE1}">
-              <a14:hiddenEffects xmlns="" xmlns:a14="http://schemas.microsoft.com/office/drawing/2010/main">
+              <a14:hiddenEffects xmlns:a14="http://schemas.microsoft.com/office/drawing/2010/main" xmlns="">
                 <a:effectLst>
                   <a:outerShdw blurRad="63500" dist="38099" dir="2700000" algn="ctr" rotWithShape="0">
                     <a:schemeClr val="bg2">
@@ -38977,7 +40171,7 @@
           <a:effectLst/>
           <a:extLst>
             <a:ext uri="{AF507438-7753-43e0-B8FC-AC1667EBCBE1}">
-              <a14:hiddenEffects xmlns="" xmlns:a14="http://schemas.microsoft.com/office/drawing/2010/main">
+              <a14:hiddenEffects xmlns:a14="http://schemas.microsoft.com/office/drawing/2010/main" xmlns="">
                 <a:effectLst>
                   <a:outerShdw blurRad="63500" dist="38099" dir="2700000" algn="ctr" rotWithShape="0">
                     <a:schemeClr val="bg2">
@@ -39055,7 +40249,7 @@
           <a:effectLst/>
           <a:extLst>
             <a:ext uri="{AF507438-7753-43e0-B8FC-AC1667EBCBE1}">
-              <a14:hiddenEffects xmlns="" xmlns:a14="http://schemas.microsoft.com/office/drawing/2010/main">
+              <a14:hiddenEffects xmlns:a14="http://schemas.microsoft.com/office/drawing/2010/main" xmlns="">
                 <a:effectLst>
                   <a:outerShdw blurRad="63500" dist="38099" dir="2700000" algn="ctr" rotWithShape="0">
                     <a:schemeClr val="bg2">
@@ -39133,7 +40327,7 @@
           <a:effectLst/>
           <a:extLst>
             <a:ext uri="{AF507438-7753-43e0-B8FC-AC1667EBCBE1}">
-              <a14:hiddenEffects xmlns="" xmlns:a14="http://schemas.microsoft.com/office/drawing/2010/main">
+              <a14:hiddenEffects xmlns:a14="http://schemas.microsoft.com/office/drawing/2010/main" xmlns="">
                 <a:effectLst>
                   <a:outerShdw blurRad="63500" dist="38099" dir="2700000" algn="ctr" rotWithShape="0">
                     <a:schemeClr val="bg2">
@@ -39211,7 +40405,7 @@
           <a:effectLst/>
           <a:extLst>
             <a:ext uri="{AF507438-7753-43e0-B8FC-AC1667EBCBE1}">
-              <a14:hiddenEffects xmlns="" xmlns:a14="http://schemas.microsoft.com/office/drawing/2010/main">
+              <a14:hiddenEffects xmlns:a14="http://schemas.microsoft.com/office/drawing/2010/main" xmlns="">
                 <a:effectLst>
                   <a:outerShdw blurRad="63500" dist="38099" dir="2700000" algn="ctr" rotWithShape="0">
                     <a:schemeClr val="bg2">
@@ -39289,7 +40483,7 @@
           <a:effectLst/>
           <a:extLst>
             <a:ext uri="{AF507438-7753-43e0-B8FC-AC1667EBCBE1}">
-              <a14:hiddenEffects xmlns="" xmlns:a14="http://schemas.microsoft.com/office/drawing/2010/main">
+              <a14:hiddenEffects xmlns:a14="http://schemas.microsoft.com/office/drawing/2010/main" xmlns="">
                 <a:effectLst>
                   <a:outerShdw blurRad="63500" dist="38099" dir="2700000" algn="ctr" rotWithShape="0">
                     <a:schemeClr val="bg2">
@@ -39367,7 +40561,7 @@
           <a:effectLst/>
           <a:extLst>
             <a:ext uri="{AF507438-7753-43e0-B8FC-AC1667EBCBE1}">
-              <a14:hiddenEffects xmlns="" xmlns:a14="http://schemas.microsoft.com/office/drawing/2010/main">
+              <a14:hiddenEffects xmlns:a14="http://schemas.microsoft.com/office/drawing/2010/main" xmlns="">
                 <a:effectLst>
                   <a:outerShdw blurRad="63500" dist="38099" dir="2700000" algn="ctr" rotWithShape="0">
                     <a:schemeClr val="bg2">
@@ -39445,7 +40639,7 @@
           <a:effectLst/>
           <a:extLst>
             <a:ext uri="{AF507438-7753-43e0-B8FC-AC1667EBCBE1}">
-              <a14:hiddenEffects xmlns="" xmlns:a14="http://schemas.microsoft.com/office/drawing/2010/main">
+              <a14:hiddenEffects xmlns:a14="http://schemas.microsoft.com/office/drawing/2010/main" xmlns="">
                 <a:effectLst>
                   <a:outerShdw blurRad="63500" dist="38099" dir="2700000" algn="ctr" rotWithShape="0">
                     <a:schemeClr val="bg2">
@@ -39523,7 +40717,7 @@
           <a:effectLst/>
           <a:extLst>
             <a:ext uri="{AF507438-7753-43e0-B8FC-AC1667EBCBE1}">
-              <a14:hiddenEffects xmlns="" xmlns:a14="http://schemas.microsoft.com/office/drawing/2010/main">
+              <a14:hiddenEffects xmlns:a14="http://schemas.microsoft.com/office/drawing/2010/main" xmlns="">
                 <a:effectLst>
                   <a:outerShdw blurRad="63500" dist="38099" dir="2700000" algn="ctr" rotWithShape="0">
                     <a:schemeClr val="bg2">
@@ -39601,7 +40795,7 @@
           <a:effectLst/>
           <a:extLst>
             <a:ext uri="{AF507438-7753-43e0-B8FC-AC1667EBCBE1}">
-              <a14:hiddenEffects xmlns="" xmlns:a14="http://schemas.microsoft.com/office/drawing/2010/main">
+              <a14:hiddenEffects xmlns:a14="http://schemas.microsoft.com/office/drawing/2010/main" xmlns="">
                 <a:effectLst>
                   <a:outerShdw blurRad="63500" dist="38099" dir="2700000" algn="ctr" rotWithShape="0">
                     <a:schemeClr val="bg2">
@@ -39679,7 +40873,7 @@
           <a:effectLst/>
           <a:extLst>
             <a:ext uri="{AF507438-7753-43e0-B8FC-AC1667EBCBE1}">
-              <a14:hiddenEffects xmlns="" xmlns:a14="http://schemas.microsoft.com/office/drawing/2010/main">
+              <a14:hiddenEffects xmlns:a14="http://schemas.microsoft.com/office/drawing/2010/main" xmlns="">
                 <a:effectLst>
                   <a:outerShdw blurRad="63500" dist="38099" dir="2700000" algn="ctr" rotWithShape="0">
                     <a:schemeClr val="bg2">
@@ -39757,7 +40951,7 @@
           <a:effectLst/>
           <a:extLst>
             <a:ext uri="{AF507438-7753-43e0-B8FC-AC1667EBCBE1}">
-              <a14:hiddenEffects xmlns="" xmlns:a14="http://schemas.microsoft.com/office/drawing/2010/main">
+              <a14:hiddenEffects xmlns:a14="http://schemas.microsoft.com/office/drawing/2010/main" xmlns="">
                 <a:effectLst>
                   <a:outerShdw blurRad="63500" dist="38099" dir="2700000" algn="ctr" rotWithShape="0">
                     <a:schemeClr val="bg2">
@@ -39835,7 +41029,7 @@
           <a:effectLst/>
           <a:extLst>
             <a:ext uri="{AF507438-7753-43e0-B8FC-AC1667EBCBE1}">
-              <a14:hiddenEffects xmlns="" xmlns:a14="http://schemas.microsoft.com/office/drawing/2010/main">
+              <a14:hiddenEffects xmlns:a14="http://schemas.microsoft.com/office/drawing/2010/main" xmlns="">
                 <a:effectLst>
                   <a:outerShdw blurRad="63500" dist="38099" dir="2700000" algn="ctr" rotWithShape="0">
                     <a:schemeClr val="bg2">
@@ -39913,7 +41107,7 @@
           <a:effectLst/>
           <a:extLst>
             <a:ext uri="{AF507438-7753-43e0-B8FC-AC1667EBCBE1}">
-              <a14:hiddenEffects xmlns="" xmlns:a14="http://schemas.microsoft.com/office/drawing/2010/main">
+              <a14:hiddenEffects xmlns:a14="http://schemas.microsoft.com/office/drawing/2010/main" xmlns="">
                 <a:effectLst>
                   <a:outerShdw blurRad="63500" dist="38099" dir="2700000" algn="ctr" rotWithShape="0">
                     <a:schemeClr val="bg2">
@@ -39991,7 +41185,7 @@
           <a:effectLst/>
           <a:extLst>
             <a:ext uri="{AF507438-7753-43e0-B8FC-AC1667EBCBE1}">
-              <a14:hiddenEffects xmlns="" xmlns:a14="http://schemas.microsoft.com/office/drawing/2010/main">
+              <a14:hiddenEffects xmlns:a14="http://schemas.microsoft.com/office/drawing/2010/main" xmlns="">
                 <a:effectLst>
                   <a:outerShdw blurRad="63500" dist="38099" dir="2700000" algn="ctr" rotWithShape="0">
                     <a:schemeClr val="bg2">
@@ -40069,7 +41263,7 @@
           <a:effectLst/>
           <a:extLst>
             <a:ext uri="{AF507438-7753-43e0-B8FC-AC1667EBCBE1}">
-              <a14:hiddenEffects xmlns="" xmlns:a14="http://schemas.microsoft.com/office/drawing/2010/main">
+              <a14:hiddenEffects xmlns:a14="http://schemas.microsoft.com/office/drawing/2010/main" xmlns="">
                 <a:effectLst>
                   <a:outerShdw blurRad="63500" dist="38099" dir="2700000" algn="ctr" rotWithShape="0">
                     <a:schemeClr val="bg2">
@@ -40147,7 +41341,7 @@
           <a:effectLst/>
           <a:extLst>
             <a:ext uri="{AF507438-7753-43e0-B8FC-AC1667EBCBE1}">
-              <a14:hiddenEffects xmlns="" xmlns:a14="http://schemas.microsoft.com/office/drawing/2010/main">
+              <a14:hiddenEffects xmlns:a14="http://schemas.microsoft.com/office/drawing/2010/main" xmlns="">
                 <a:effectLst>
                   <a:outerShdw blurRad="63500" dist="38099" dir="2700000" algn="ctr" rotWithShape="0">
                     <a:schemeClr val="bg2">
@@ -40225,7 +41419,7 @@
           <a:effectLst/>
           <a:extLst>
             <a:ext uri="{AF507438-7753-43e0-B8FC-AC1667EBCBE1}">
-              <a14:hiddenEffects xmlns="" xmlns:a14="http://schemas.microsoft.com/office/drawing/2010/main">
+              <a14:hiddenEffects xmlns:a14="http://schemas.microsoft.com/office/drawing/2010/main" xmlns="">
                 <a:effectLst>
                   <a:outerShdw blurRad="63500" dist="38099" dir="2700000" algn="ctr" rotWithShape="0">
                     <a:schemeClr val="bg2">
@@ -40303,7 +41497,7 @@
           <a:effectLst/>
           <a:extLst>
             <a:ext uri="{AF507438-7753-43e0-B8FC-AC1667EBCBE1}">
-              <a14:hiddenEffects xmlns="" xmlns:a14="http://schemas.microsoft.com/office/drawing/2010/main">
+              <a14:hiddenEffects xmlns:a14="http://schemas.microsoft.com/office/drawing/2010/main" xmlns="">
                 <a:effectLst>
                   <a:outerShdw blurRad="63500" dist="38099" dir="2700000" algn="ctr" rotWithShape="0">
                     <a:schemeClr val="bg2">
@@ -40381,7 +41575,7 @@
           <a:effectLst/>
           <a:extLst>
             <a:ext uri="{AF507438-7753-43e0-B8FC-AC1667EBCBE1}">
-              <a14:hiddenEffects xmlns="" xmlns:a14="http://schemas.microsoft.com/office/drawing/2010/main">
+              <a14:hiddenEffects xmlns:a14="http://schemas.microsoft.com/office/drawing/2010/main" xmlns="">
                 <a:effectLst>
                   <a:outerShdw blurRad="63500" dist="38099" dir="2700000" algn="ctr" rotWithShape="0">
                     <a:schemeClr val="bg2">
@@ -40459,7 +41653,7 @@
           <a:effectLst/>
           <a:extLst>
             <a:ext uri="{AF507438-7753-43e0-B8FC-AC1667EBCBE1}">
-              <a14:hiddenEffects xmlns="" xmlns:a14="http://schemas.microsoft.com/office/drawing/2010/main">
+              <a14:hiddenEffects xmlns:a14="http://schemas.microsoft.com/office/drawing/2010/main" xmlns="">
                 <a:effectLst>
                   <a:outerShdw blurRad="63500" dist="38099" dir="2700000" algn="ctr" rotWithShape="0">
                     <a:schemeClr val="bg2">
@@ -40537,7 +41731,7 @@
           <a:effectLst/>
           <a:extLst>
             <a:ext uri="{AF507438-7753-43e0-B8FC-AC1667EBCBE1}">
-              <a14:hiddenEffects xmlns="" xmlns:a14="http://schemas.microsoft.com/office/drawing/2010/main">
+              <a14:hiddenEffects xmlns:a14="http://schemas.microsoft.com/office/drawing/2010/main" xmlns="">
                 <a:effectLst>
                   <a:outerShdw blurRad="63500" dist="38099" dir="2700000" algn="ctr" rotWithShape="0">
                     <a:schemeClr val="bg2">
@@ -40615,7 +41809,7 @@
           <a:effectLst/>
           <a:extLst>
             <a:ext uri="{AF507438-7753-43e0-B8FC-AC1667EBCBE1}">
-              <a14:hiddenEffects xmlns="" xmlns:a14="http://schemas.microsoft.com/office/drawing/2010/main">
+              <a14:hiddenEffects xmlns:a14="http://schemas.microsoft.com/office/drawing/2010/main" xmlns="">
                 <a:effectLst>
                   <a:outerShdw blurRad="63500" dist="38099" dir="2700000" algn="ctr" rotWithShape="0">
                     <a:schemeClr val="bg2">
@@ -40693,7 +41887,7 @@
           <a:effectLst/>
           <a:extLst>
             <a:ext uri="{AF507438-7753-43e0-B8FC-AC1667EBCBE1}">
-              <a14:hiddenEffects xmlns="" xmlns:a14="http://schemas.microsoft.com/office/drawing/2010/main">
+              <a14:hiddenEffects xmlns:a14="http://schemas.microsoft.com/office/drawing/2010/main" xmlns="">
                 <a:effectLst>
                   <a:outerShdw blurRad="63500" dist="38099" dir="2700000" algn="ctr" rotWithShape="0">
                     <a:schemeClr val="bg2">
@@ -40771,7 +41965,7 @@
           <a:effectLst/>
           <a:extLst>
             <a:ext uri="{AF507438-7753-43e0-B8FC-AC1667EBCBE1}">
-              <a14:hiddenEffects xmlns="" xmlns:a14="http://schemas.microsoft.com/office/drawing/2010/main">
+              <a14:hiddenEffects xmlns:a14="http://schemas.microsoft.com/office/drawing/2010/main" xmlns="">
                 <a:effectLst>
                   <a:outerShdw blurRad="63500" dist="38099" dir="2700000" algn="ctr" rotWithShape="0">
                     <a:schemeClr val="bg2">
@@ -40849,7 +42043,7 @@
           <a:effectLst/>
           <a:extLst>
             <a:ext uri="{AF507438-7753-43e0-B8FC-AC1667EBCBE1}">
-              <a14:hiddenEffects xmlns="" xmlns:a14="http://schemas.microsoft.com/office/drawing/2010/main">
+              <a14:hiddenEffects xmlns:a14="http://schemas.microsoft.com/office/drawing/2010/main" xmlns="">
                 <a:effectLst>
                   <a:outerShdw blurRad="63500" dist="38099" dir="2700000" algn="ctr" rotWithShape="0">
                     <a:schemeClr val="bg2">
@@ -40927,7 +42121,7 @@
           <a:effectLst/>
           <a:extLst>
             <a:ext uri="{AF507438-7753-43e0-B8FC-AC1667EBCBE1}">
-              <a14:hiddenEffects xmlns="" xmlns:a14="http://schemas.microsoft.com/office/drawing/2010/main">
+              <a14:hiddenEffects xmlns:a14="http://schemas.microsoft.com/office/drawing/2010/main" xmlns="">
                 <a:effectLst>
                   <a:outerShdw blurRad="63500" dist="38099" dir="2700000" algn="ctr" rotWithShape="0">
                     <a:schemeClr val="bg2">
@@ -41005,7 +42199,7 @@
           <a:effectLst/>
           <a:extLst>
             <a:ext uri="{AF507438-7753-43e0-B8FC-AC1667EBCBE1}">
-              <a14:hiddenEffects xmlns="" xmlns:a14="http://schemas.microsoft.com/office/drawing/2010/main">
+              <a14:hiddenEffects xmlns:a14="http://schemas.microsoft.com/office/drawing/2010/main" xmlns="">
                 <a:effectLst>
                   <a:outerShdw blurRad="63500" dist="38099" dir="2700000" algn="ctr" rotWithShape="0">
                     <a:schemeClr val="bg2">
@@ -41083,7 +42277,7 @@
           <a:effectLst/>
           <a:extLst>
             <a:ext uri="{AF507438-7753-43e0-B8FC-AC1667EBCBE1}">
-              <a14:hiddenEffects xmlns="" xmlns:a14="http://schemas.microsoft.com/office/drawing/2010/main">
+              <a14:hiddenEffects xmlns:a14="http://schemas.microsoft.com/office/drawing/2010/main" xmlns="">
                 <a:effectLst>
                   <a:outerShdw blurRad="63500" dist="38099" dir="2700000" algn="ctr" rotWithShape="0">
                     <a:schemeClr val="bg2">
@@ -41161,7 +42355,7 @@
           <a:effectLst/>
           <a:extLst>
             <a:ext uri="{AF507438-7753-43e0-B8FC-AC1667EBCBE1}">
-              <a14:hiddenEffects xmlns="" xmlns:a14="http://schemas.microsoft.com/office/drawing/2010/main">
+              <a14:hiddenEffects xmlns:a14="http://schemas.microsoft.com/office/drawing/2010/main" xmlns="">
                 <a:effectLst>
                   <a:outerShdw blurRad="63500" dist="38099" dir="2700000" algn="ctr" rotWithShape="0">
                     <a:schemeClr val="bg2">
@@ -41239,7 +42433,7 @@
           <a:effectLst/>
           <a:extLst>
             <a:ext uri="{AF507438-7753-43e0-B8FC-AC1667EBCBE1}">
-              <a14:hiddenEffects xmlns="" xmlns:a14="http://schemas.microsoft.com/office/drawing/2010/main">
+              <a14:hiddenEffects xmlns:a14="http://schemas.microsoft.com/office/drawing/2010/main" xmlns="">
                 <a:effectLst>
                   <a:outerShdw blurRad="63500" dist="38099" dir="2700000" algn="ctr" rotWithShape="0">
                     <a:schemeClr val="bg2">
@@ -41317,7 +42511,7 @@
           <a:effectLst/>
           <a:extLst>
             <a:ext uri="{AF507438-7753-43e0-B8FC-AC1667EBCBE1}">
-              <a14:hiddenEffects xmlns="" xmlns:a14="http://schemas.microsoft.com/office/drawing/2010/main">
+              <a14:hiddenEffects xmlns:a14="http://schemas.microsoft.com/office/drawing/2010/main" xmlns="">
                 <a:effectLst>
                   <a:outerShdw blurRad="63500" dist="38099" dir="2700000" algn="ctr" rotWithShape="0">
                     <a:schemeClr val="bg2">
@@ -41395,7 +42589,7 @@
           <a:effectLst/>
           <a:extLst>
             <a:ext uri="{AF507438-7753-43e0-B8FC-AC1667EBCBE1}">
-              <a14:hiddenEffects xmlns="" xmlns:a14="http://schemas.microsoft.com/office/drawing/2010/main">
+              <a14:hiddenEffects xmlns:a14="http://schemas.microsoft.com/office/drawing/2010/main" xmlns="">
                 <a:effectLst>
                   <a:outerShdw blurRad="63500" dist="38099" dir="2700000" algn="ctr" rotWithShape="0">
                     <a:schemeClr val="bg2">
@@ -41473,7 +42667,7 @@
           <a:effectLst/>
           <a:extLst>
             <a:ext uri="{AF507438-7753-43e0-B8FC-AC1667EBCBE1}">
-              <a14:hiddenEffects xmlns="" xmlns:a14="http://schemas.microsoft.com/office/drawing/2010/main">
+              <a14:hiddenEffects xmlns:a14="http://schemas.microsoft.com/office/drawing/2010/main" xmlns="">
                 <a:effectLst>
                   <a:outerShdw blurRad="63500" dist="38099" dir="2700000" algn="ctr" rotWithShape="0">
                     <a:schemeClr val="bg2">
@@ -41551,7 +42745,7 @@
           <a:effectLst/>
           <a:extLst>
             <a:ext uri="{AF507438-7753-43e0-B8FC-AC1667EBCBE1}">
-              <a14:hiddenEffects xmlns="" xmlns:a14="http://schemas.microsoft.com/office/drawing/2010/main">
+              <a14:hiddenEffects xmlns:a14="http://schemas.microsoft.com/office/drawing/2010/main" xmlns="">
                 <a:effectLst>
                   <a:outerShdw blurRad="63500" dist="38099" dir="2700000" algn="ctr" rotWithShape="0">
                     <a:schemeClr val="bg2">
@@ -41629,7 +42823,7 @@
           <a:effectLst/>
           <a:extLst>
             <a:ext uri="{AF507438-7753-43e0-B8FC-AC1667EBCBE1}">
-              <a14:hiddenEffects xmlns="" xmlns:a14="http://schemas.microsoft.com/office/drawing/2010/main">
+              <a14:hiddenEffects xmlns:a14="http://schemas.microsoft.com/office/drawing/2010/main" xmlns="">
                 <a:effectLst>
                   <a:outerShdw blurRad="63500" dist="38099" dir="2700000" algn="ctr" rotWithShape="0">
                     <a:schemeClr val="bg2">
@@ -41707,7 +42901,7 @@
           <a:effectLst/>
           <a:extLst>
             <a:ext uri="{AF507438-7753-43e0-B8FC-AC1667EBCBE1}">
-              <a14:hiddenEffects xmlns="" xmlns:a14="http://schemas.microsoft.com/office/drawing/2010/main">
+              <a14:hiddenEffects xmlns:a14="http://schemas.microsoft.com/office/drawing/2010/main" xmlns="">
                 <a:effectLst>
                   <a:outerShdw blurRad="63500" dist="38099" dir="2700000" algn="ctr" rotWithShape="0">
                     <a:schemeClr val="bg2">
@@ -41785,7 +42979,7 @@
           <a:effectLst/>
           <a:extLst>
             <a:ext uri="{AF507438-7753-43e0-B8FC-AC1667EBCBE1}">
-              <a14:hiddenEffects xmlns="" xmlns:a14="http://schemas.microsoft.com/office/drawing/2010/main">
+              <a14:hiddenEffects xmlns:a14="http://schemas.microsoft.com/office/drawing/2010/main" xmlns="">
                 <a:effectLst>
                   <a:outerShdw blurRad="63500" dist="38099" dir="2700000" algn="ctr" rotWithShape="0">
                     <a:schemeClr val="bg2">
@@ -41863,7 +43057,7 @@
           <a:effectLst/>
           <a:extLst>
             <a:ext uri="{AF507438-7753-43e0-B8FC-AC1667EBCBE1}">
-              <a14:hiddenEffects xmlns="" xmlns:a14="http://schemas.microsoft.com/office/drawing/2010/main">
+              <a14:hiddenEffects xmlns:a14="http://schemas.microsoft.com/office/drawing/2010/main" xmlns="">
                 <a:effectLst>
                   <a:outerShdw blurRad="63500" dist="38099" dir="2700000" algn="ctr" rotWithShape="0">
                     <a:schemeClr val="bg2">
@@ -41941,7 +43135,7 @@
           <a:effectLst/>
           <a:extLst>
             <a:ext uri="{AF507438-7753-43e0-B8FC-AC1667EBCBE1}">
-              <a14:hiddenEffects xmlns="" xmlns:a14="http://schemas.microsoft.com/office/drawing/2010/main">
+              <a14:hiddenEffects xmlns:a14="http://schemas.microsoft.com/office/drawing/2010/main" xmlns="">
                 <a:effectLst>
                   <a:outerShdw blurRad="63500" dist="38099" dir="2700000" algn="ctr" rotWithShape="0">
                     <a:schemeClr val="bg2">
@@ -42019,7 +43213,7 @@
           <a:effectLst/>
           <a:extLst>
             <a:ext uri="{AF507438-7753-43e0-B8FC-AC1667EBCBE1}">
-              <a14:hiddenEffects xmlns="" xmlns:a14="http://schemas.microsoft.com/office/drawing/2010/main">
+              <a14:hiddenEffects xmlns:a14="http://schemas.microsoft.com/office/drawing/2010/main" xmlns="">
                 <a:effectLst>
                   <a:outerShdw blurRad="63500" dist="38099" dir="2700000" algn="ctr" rotWithShape="0">
                     <a:schemeClr val="bg2">
@@ -42097,7 +43291,7 @@
           <a:effectLst/>
           <a:extLst>
             <a:ext uri="{AF507438-7753-43e0-B8FC-AC1667EBCBE1}">
-              <a14:hiddenEffects xmlns="" xmlns:a14="http://schemas.microsoft.com/office/drawing/2010/main">
+              <a14:hiddenEffects xmlns:a14="http://schemas.microsoft.com/office/drawing/2010/main" xmlns="">
                 <a:effectLst>
                   <a:outerShdw blurRad="63500" dist="38099" dir="2700000" algn="ctr" rotWithShape="0">
                     <a:schemeClr val="bg2">
@@ -42175,7 +43369,7 @@
           <a:effectLst/>
           <a:extLst>
             <a:ext uri="{AF507438-7753-43e0-B8FC-AC1667EBCBE1}">
-              <a14:hiddenEffects xmlns="" xmlns:a14="http://schemas.microsoft.com/office/drawing/2010/main">
+              <a14:hiddenEffects xmlns:a14="http://schemas.microsoft.com/office/drawing/2010/main" xmlns="">
                 <a:effectLst>
                   <a:outerShdw blurRad="63500" dist="38099" dir="2700000" algn="ctr" rotWithShape="0">
                     <a:schemeClr val="bg2">
@@ -42253,7 +43447,7 @@
           <a:effectLst/>
           <a:extLst>
             <a:ext uri="{AF507438-7753-43e0-B8FC-AC1667EBCBE1}">
-              <a14:hiddenEffects xmlns="" xmlns:a14="http://schemas.microsoft.com/office/drawing/2010/main">
+              <a14:hiddenEffects xmlns:a14="http://schemas.microsoft.com/office/drawing/2010/main" xmlns="">
                 <a:effectLst>
                   <a:outerShdw blurRad="63500" dist="38099" dir="2700000" algn="ctr" rotWithShape="0">
                     <a:schemeClr val="bg2">
@@ -42331,7 +43525,7 @@
           <a:effectLst/>
           <a:extLst>
             <a:ext uri="{AF507438-7753-43e0-B8FC-AC1667EBCBE1}">
-              <a14:hiddenEffects xmlns="" xmlns:a14="http://schemas.microsoft.com/office/drawing/2010/main">
+              <a14:hiddenEffects xmlns:a14="http://schemas.microsoft.com/office/drawing/2010/main" xmlns="">
                 <a:effectLst>
                   <a:outerShdw blurRad="63500" dist="38099" dir="2700000" algn="ctr" rotWithShape="0">
                     <a:schemeClr val="bg2">
@@ -42409,7 +43603,7 @@
           <a:effectLst/>
           <a:extLst>
             <a:ext uri="{AF507438-7753-43e0-B8FC-AC1667EBCBE1}">
-              <a14:hiddenEffects xmlns="" xmlns:a14="http://schemas.microsoft.com/office/drawing/2010/main">
+              <a14:hiddenEffects xmlns:a14="http://schemas.microsoft.com/office/drawing/2010/main" xmlns="">
                 <a:effectLst>
                   <a:outerShdw blurRad="63500" dist="38099" dir="2700000" algn="ctr" rotWithShape="0">
                     <a:schemeClr val="bg2">
@@ -42487,7 +43681,7 @@
           <a:effectLst/>
           <a:extLst>
             <a:ext uri="{AF507438-7753-43e0-B8FC-AC1667EBCBE1}">
-              <a14:hiddenEffects xmlns="" xmlns:a14="http://schemas.microsoft.com/office/drawing/2010/main">
+              <a14:hiddenEffects xmlns:a14="http://schemas.microsoft.com/office/drawing/2010/main" xmlns="">
                 <a:effectLst>
                   <a:outerShdw blurRad="63500" dist="38099" dir="2700000" algn="ctr" rotWithShape="0">
                     <a:schemeClr val="bg2">
@@ -42565,7 +43759,7 @@
           <a:effectLst/>
           <a:extLst>
             <a:ext uri="{AF507438-7753-43e0-B8FC-AC1667EBCBE1}">
-              <a14:hiddenEffects xmlns="" xmlns:a14="http://schemas.microsoft.com/office/drawing/2010/main">
+              <a14:hiddenEffects xmlns:a14="http://schemas.microsoft.com/office/drawing/2010/main" xmlns="">
                 <a:effectLst>
                   <a:outerShdw blurRad="63500" dist="38099" dir="2700000" algn="ctr" rotWithShape="0">
                     <a:schemeClr val="bg2">
@@ -42643,7 +43837,7 @@
           <a:effectLst/>
           <a:extLst>
             <a:ext uri="{AF507438-7753-43e0-B8FC-AC1667EBCBE1}">
-              <a14:hiddenEffects xmlns="" xmlns:a14="http://schemas.microsoft.com/office/drawing/2010/main">
+              <a14:hiddenEffects xmlns:a14="http://schemas.microsoft.com/office/drawing/2010/main" xmlns="">
                 <a:effectLst>
                   <a:outerShdw blurRad="63500" dist="38099" dir="2700000" algn="ctr" rotWithShape="0">
                     <a:schemeClr val="bg2">
@@ -42726,7 +43920,7 @@
           <a:effectLst/>
           <a:extLst>
             <a:ext uri="{AF507438-7753-43e0-B8FC-AC1667EBCBE1}">
-              <a14:hiddenEffects xmlns="" xmlns:a14="http://schemas.microsoft.com/office/drawing/2010/main">
+              <a14:hiddenEffects xmlns:a14="http://schemas.microsoft.com/office/drawing/2010/main" xmlns="">
                 <a:effectLst>
                   <a:outerShdw blurRad="63500" dist="38099" dir="2700000" algn="ctr" rotWithShape="0">
                     <a:schemeClr val="bg2">
@@ -42819,7 +44013,7 @@
           <a:effectLst/>
           <a:extLst>
             <a:ext uri="{AF507438-7753-43e0-B8FC-AC1667EBCBE1}">
-              <a14:hiddenEffects xmlns="" xmlns:a14="http://schemas.microsoft.com/office/drawing/2010/main">
+              <a14:hiddenEffects xmlns:a14="http://schemas.microsoft.com/office/drawing/2010/main" xmlns="">
                 <a:effectLst>
                   <a:outerShdw blurRad="63500" dist="38099" dir="2700000" algn="ctr" rotWithShape="0">
                     <a:schemeClr val="bg2">
@@ -42897,7 +44091,7 @@
           <a:effectLst/>
           <a:extLst>
             <a:ext uri="{AF507438-7753-43e0-B8FC-AC1667EBCBE1}">
-              <a14:hiddenEffects xmlns="" xmlns:a14="http://schemas.microsoft.com/office/drawing/2010/main">
+              <a14:hiddenEffects xmlns:a14="http://schemas.microsoft.com/office/drawing/2010/main" xmlns="">
                 <a:effectLst>
                   <a:outerShdw blurRad="63500" dist="38099" dir="2700000" algn="ctr" rotWithShape="0">
                     <a:schemeClr val="bg2">
@@ -42978,7 +44172,6 @@
               <a:rPr lang="fr-CA" dirty="0" smtClean="0"/>
               <a:t>Bilan de l’écosystème:</a:t>
             </a:r>
-            <a:endParaRPr lang="fr-CA" dirty="0" smtClean="0"/>
           </a:p>
           <a:p>
             <a:pPr marL="1257300" lvl="2" indent="-342900">
@@ -42999,7 +44192,6 @@
               <a:rPr lang="fr-CA" dirty="0" smtClean="0"/>
               <a:t>Productivité net</a:t>
             </a:r>
-            <a:endParaRPr lang="fr-CA" dirty="0" smtClean="0"/>
           </a:p>
         </p:txBody>
       </p:sp>
@@ -43283,7 +44475,7 @@
           <p:cNvPr id="10241" name="Rectangle 2">
             <a:extLst>
               <a:ext uri="{FF2B5EF4-FFF2-40B4-BE49-F238E27FC236}">
-                <a16:creationId xmlns:a16="http://schemas.microsoft.com/office/drawing/2014/main" xmlns="" id="{2C64CE8F-6DC1-7B46-AA41-065734F9FFFA}"/>
+                <a16:creationId xmlns="" xmlns:a16="http://schemas.microsoft.com/office/drawing/2014/main" id="{2C64CE8F-6DC1-7B46-AA41-065734F9FFFA}"/>
               </a:ext>
             </a:extLst>
           </p:cNvPr>
@@ -43332,7 +44524,7 @@
           <p:cNvPr id="10243" name="Espace réservé du numéro de diapositive 1">
             <a:extLst>
               <a:ext uri="{FF2B5EF4-FFF2-40B4-BE49-F238E27FC236}">
-                <a16:creationId xmlns:a16="http://schemas.microsoft.com/office/drawing/2014/main" xmlns="" id="{A32D7E7E-5EC9-B640-8806-5F060AD25EEB}"/>
+                <a16:creationId xmlns="" xmlns:a16="http://schemas.microsoft.com/office/drawing/2014/main" id="{A32D7E7E-5EC9-B640-8806-5F060AD25EEB}"/>
               </a:ext>
             </a:extLst>
           </p:cNvPr>
@@ -43606,7 +44798,6 @@
               <a:rPr lang="fr-CA" dirty="0" smtClean="0"/>
               <a:t>Obtention du bilan de carbone rapidement:</a:t>
             </a:r>
-            <a:endParaRPr lang="fr-CA" dirty="0" smtClean="0"/>
           </a:p>
           <a:p>
             <a:pPr marL="1257300" lvl="2" indent="-342900">
@@ -44423,7 +45614,7 @@
           </a:scene3d>
           <a:extLst>
             <a:ext uri="{AF507438-7753-43e0-B8FC-AC1667EBCBE1}">
-              <a14:hiddenEffects xmlns="" xmlns:a14="http://schemas.microsoft.com/office/drawing/2010/main">
+              <a14:hiddenEffects xmlns:a14="http://schemas.microsoft.com/office/drawing/2010/main" xmlns="">
                 <a:effectLst>
                   <a:outerShdw blurRad="63500" dist="38099" dir="2700000" algn="ctr" rotWithShape="0">
                     <a:schemeClr val="bg2">
@@ -44479,7 +45670,7 @@
           <p:cNvPr id="10241" name="Rectangle 2">
             <a:extLst>
               <a:ext uri="{FF2B5EF4-FFF2-40B4-BE49-F238E27FC236}">
-                <a16:creationId xmlns:a16="http://schemas.microsoft.com/office/drawing/2014/main" xmlns="" id="{2C64CE8F-6DC1-7B46-AA41-065734F9FFFA}"/>
+                <a16:creationId xmlns="" xmlns:a16="http://schemas.microsoft.com/office/drawing/2014/main" id="{2C64CE8F-6DC1-7B46-AA41-065734F9FFFA}"/>
               </a:ext>
             </a:extLst>
           </p:cNvPr>
@@ -44524,7 +45715,7 @@
           <p:cNvPr id="10243" name="Espace réservé du numéro de diapositive 1">
             <a:extLst>
               <a:ext uri="{FF2B5EF4-FFF2-40B4-BE49-F238E27FC236}">
-                <a16:creationId xmlns:a16="http://schemas.microsoft.com/office/drawing/2014/main" xmlns="" id="{A32D7E7E-5EC9-B640-8806-5F060AD25EEB}"/>
+                <a16:creationId xmlns="" xmlns:a16="http://schemas.microsoft.com/office/drawing/2014/main" id="{A32D7E7E-5EC9-B640-8806-5F060AD25EEB}"/>
               </a:ext>
             </a:extLst>
           </p:cNvPr>
@@ -44762,7 +45953,7 @@
           <a:effectLst/>
           <a:extLst>
             <a:ext uri="{AF507438-7753-43e0-B8FC-AC1667EBCBE1}">
-              <a14:hiddenEffects xmlns="" xmlns:a14="http://schemas.microsoft.com/office/drawing/2010/main">
+              <a14:hiddenEffects xmlns:a14="http://schemas.microsoft.com/office/drawing/2010/main" xmlns="">
                 <a:effectLst>
                   <a:outerShdw blurRad="63500" dist="38099" dir="2700000" algn="ctr" rotWithShape="0">
                     <a:schemeClr val="bg2">
@@ -44840,7 +46031,7 @@
           <a:effectLst/>
           <a:extLst>
             <a:ext uri="{AF507438-7753-43e0-B8FC-AC1667EBCBE1}">
-              <a14:hiddenEffects xmlns="" xmlns:a14="http://schemas.microsoft.com/office/drawing/2010/main">
+              <a14:hiddenEffects xmlns:a14="http://schemas.microsoft.com/office/drawing/2010/main" xmlns="">
                 <a:effectLst>
                   <a:outerShdw blurRad="63500" dist="38099" dir="2700000" algn="ctr" rotWithShape="0">
                     <a:schemeClr val="bg2">
@@ -44918,7 +46109,7 @@
           <a:effectLst/>
           <a:extLst>
             <a:ext uri="{AF507438-7753-43e0-B8FC-AC1667EBCBE1}">
-              <a14:hiddenEffects xmlns="" xmlns:a14="http://schemas.microsoft.com/office/drawing/2010/main">
+              <a14:hiddenEffects xmlns:a14="http://schemas.microsoft.com/office/drawing/2010/main" xmlns="">
                 <a:effectLst>
                   <a:outerShdw blurRad="63500" dist="38099" dir="2700000" algn="ctr" rotWithShape="0">
                     <a:schemeClr val="bg2">
@@ -44996,7 +46187,7 @@
           <a:effectLst/>
           <a:extLst>
             <a:ext uri="{AF507438-7753-43e0-B8FC-AC1667EBCBE1}">
-              <a14:hiddenEffects xmlns="" xmlns:a14="http://schemas.microsoft.com/office/drawing/2010/main">
+              <a14:hiddenEffects xmlns:a14="http://schemas.microsoft.com/office/drawing/2010/main" xmlns="">
                 <a:effectLst>
                   <a:outerShdw blurRad="63500" dist="38099" dir="2700000" algn="ctr" rotWithShape="0">
                     <a:schemeClr val="bg2">
@@ -45074,7 +46265,7 @@
           <a:effectLst/>
           <a:extLst>
             <a:ext uri="{AF507438-7753-43e0-B8FC-AC1667EBCBE1}">
-              <a14:hiddenEffects xmlns="" xmlns:a14="http://schemas.microsoft.com/office/drawing/2010/main">
+              <a14:hiddenEffects xmlns:a14="http://schemas.microsoft.com/office/drawing/2010/main" xmlns="">
                 <a:effectLst>
                   <a:outerShdw blurRad="63500" dist="38099" dir="2700000" algn="ctr" rotWithShape="0">
                     <a:schemeClr val="bg2">
@@ -45152,7 +46343,7 @@
           <a:effectLst/>
           <a:extLst>
             <a:ext uri="{AF507438-7753-43e0-B8FC-AC1667EBCBE1}">
-              <a14:hiddenEffects xmlns="" xmlns:a14="http://schemas.microsoft.com/office/drawing/2010/main">
+              <a14:hiddenEffects xmlns:a14="http://schemas.microsoft.com/office/drawing/2010/main" xmlns="">
                 <a:effectLst>
                   <a:outerShdw blurRad="63500" dist="38099" dir="2700000" algn="ctr" rotWithShape="0">
                     <a:schemeClr val="bg2">
@@ -45230,7 +46421,7 @@
           <a:effectLst/>
           <a:extLst>
             <a:ext uri="{AF507438-7753-43e0-B8FC-AC1667EBCBE1}">
-              <a14:hiddenEffects xmlns="" xmlns:a14="http://schemas.microsoft.com/office/drawing/2010/main">
+              <a14:hiddenEffects xmlns:a14="http://schemas.microsoft.com/office/drawing/2010/main" xmlns="">
                 <a:effectLst>
                   <a:outerShdw blurRad="63500" dist="38099" dir="2700000" algn="ctr" rotWithShape="0">
                     <a:schemeClr val="bg2">
@@ -45308,7 +46499,7 @@
           <a:effectLst/>
           <a:extLst>
             <a:ext uri="{AF507438-7753-43e0-B8FC-AC1667EBCBE1}">
-              <a14:hiddenEffects xmlns="" xmlns:a14="http://schemas.microsoft.com/office/drawing/2010/main">
+              <a14:hiddenEffects xmlns:a14="http://schemas.microsoft.com/office/drawing/2010/main" xmlns="">
                 <a:effectLst>
                   <a:outerShdw blurRad="63500" dist="38099" dir="2700000" algn="ctr" rotWithShape="0">
                     <a:schemeClr val="bg2">
@@ -45386,7 +46577,7 @@
           <a:effectLst/>
           <a:extLst>
             <a:ext uri="{AF507438-7753-43e0-B8FC-AC1667EBCBE1}">
-              <a14:hiddenEffects xmlns="" xmlns:a14="http://schemas.microsoft.com/office/drawing/2010/main">
+              <a14:hiddenEffects xmlns:a14="http://schemas.microsoft.com/office/drawing/2010/main" xmlns="">
                 <a:effectLst>
                   <a:outerShdw blurRad="63500" dist="38099" dir="2700000" algn="ctr" rotWithShape="0">
                     <a:schemeClr val="bg2">
@@ -45464,7 +46655,7 @@
           <a:effectLst/>
           <a:extLst>
             <a:ext uri="{AF507438-7753-43e0-B8FC-AC1667EBCBE1}">
-              <a14:hiddenEffects xmlns="" xmlns:a14="http://schemas.microsoft.com/office/drawing/2010/main">
+              <a14:hiddenEffects xmlns:a14="http://schemas.microsoft.com/office/drawing/2010/main" xmlns="">
                 <a:effectLst>
                   <a:outerShdw blurRad="63500" dist="38099" dir="2700000" algn="ctr" rotWithShape="0">
                     <a:schemeClr val="bg2">
@@ -45542,7 +46733,7 @@
           <a:effectLst/>
           <a:extLst>
             <a:ext uri="{AF507438-7753-43e0-B8FC-AC1667EBCBE1}">
-              <a14:hiddenEffects xmlns="" xmlns:a14="http://schemas.microsoft.com/office/drawing/2010/main">
+              <a14:hiddenEffects xmlns:a14="http://schemas.microsoft.com/office/drawing/2010/main" xmlns="">
                 <a:effectLst>
                   <a:outerShdw blurRad="63500" dist="38099" dir="2700000" algn="ctr" rotWithShape="0">
                     <a:schemeClr val="bg2">
@@ -45620,7 +46811,7 @@
           <a:effectLst/>
           <a:extLst>
             <a:ext uri="{AF507438-7753-43e0-B8FC-AC1667EBCBE1}">
-              <a14:hiddenEffects xmlns="" xmlns:a14="http://schemas.microsoft.com/office/drawing/2010/main">
+              <a14:hiddenEffects xmlns:a14="http://schemas.microsoft.com/office/drawing/2010/main" xmlns="">
                 <a:effectLst>
                   <a:outerShdw blurRad="63500" dist="38099" dir="2700000" algn="ctr" rotWithShape="0">
                     <a:schemeClr val="bg2">
@@ -45698,7 +46889,7 @@
           <a:effectLst/>
           <a:extLst>
             <a:ext uri="{AF507438-7753-43e0-B8FC-AC1667EBCBE1}">
-              <a14:hiddenEffects xmlns="" xmlns:a14="http://schemas.microsoft.com/office/drawing/2010/main">
+              <a14:hiddenEffects xmlns:a14="http://schemas.microsoft.com/office/drawing/2010/main" xmlns="">
                 <a:effectLst>
                   <a:outerShdw blurRad="63500" dist="38099" dir="2700000" algn="ctr" rotWithShape="0">
                     <a:schemeClr val="bg2">
@@ -45776,7 +46967,7 @@
           <a:effectLst/>
           <a:extLst>
             <a:ext uri="{AF507438-7753-43e0-B8FC-AC1667EBCBE1}">
-              <a14:hiddenEffects xmlns="" xmlns:a14="http://schemas.microsoft.com/office/drawing/2010/main">
+              <a14:hiddenEffects xmlns:a14="http://schemas.microsoft.com/office/drawing/2010/main" xmlns="">
                 <a:effectLst>
                   <a:outerShdw blurRad="63500" dist="38099" dir="2700000" algn="ctr" rotWithShape="0">
                     <a:schemeClr val="bg2">
@@ -45854,7 +47045,7 @@
           <a:effectLst/>
           <a:extLst>
             <a:ext uri="{AF507438-7753-43e0-B8FC-AC1667EBCBE1}">
-              <a14:hiddenEffects xmlns="" xmlns:a14="http://schemas.microsoft.com/office/drawing/2010/main">
+              <a14:hiddenEffects xmlns:a14="http://schemas.microsoft.com/office/drawing/2010/main" xmlns="">
                 <a:effectLst>
                   <a:outerShdw blurRad="63500" dist="38099" dir="2700000" algn="ctr" rotWithShape="0">
                     <a:schemeClr val="bg2">
@@ -45932,7 +47123,7 @@
           <a:effectLst/>
           <a:extLst>
             <a:ext uri="{AF507438-7753-43e0-B8FC-AC1667EBCBE1}">
-              <a14:hiddenEffects xmlns="" xmlns:a14="http://schemas.microsoft.com/office/drawing/2010/main">
+              <a14:hiddenEffects xmlns:a14="http://schemas.microsoft.com/office/drawing/2010/main" xmlns="">
                 <a:effectLst>
                   <a:outerShdw blurRad="63500" dist="38099" dir="2700000" algn="ctr" rotWithShape="0">
                     <a:schemeClr val="bg2">
@@ -46010,7 +47201,7 @@
           <a:effectLst/>
           <a:extLst>
             <a:ext uri="{AF507438-7753-43e0-B8FC-AC1667EBCBE1}">
-              <a14:hiddenEffects xmlns="" xmlns:a14="http://schemas.microsoft.com/office/drawing/2010/main">
+              <a14:hiddenEffects xmlns:a14="http://schemas.microsoft.com/office/drawing/2010/main" xmlns="">
                 <a:effectLst>
                   <a:outerShdw blurRad="63500" dist="38099" dir="2700000" algn="ctr" rotWithShape="0">
                     <a:schemeClr val="bg2">
@@ -46088,7 +47279,7 @@
           <a:effectLst/>
           <a:extLst>
             <a:ext uri="{AF507438-7753-43e0-B8FC-AC1667EBCBE1}">
-              <a14:hiddenEffects xmlns="" xmlns:a14="http://schemas.microsoft.com/office/drawing/2010/main">
+              <a14:hiddenEffects xmlns:a14="http://schemas.microsoft.com/office/drawing/2010/main" xmlns="">
                 <a:effectLst>
                   <a:outerShdw blurRad="63500" dist="38099" dir="2700000" algn="ctr" rotWithShape="0">
                     <a:schemeClr val="bg2">
@@ -46171,7 +47362,7 @@
           <a:effectLst/>
           <a:extLst>
             <a:ext uri="{AF507438-7753-43e0-B8FC-AC1667EBCBE1}">
-              <a14:hiddenEffects xmlns="" xmlns:a14="http://schemas.microsoft.com/office/drawing/2010/main">
+              <a14:hiddenEffects xmlns:a14="http://schemas.microsoft.com/office/drawing/2010/main" xmlns="">
                 <a:effectLst>
                   <a:outerShdw blurRad="63500" dist="38099" dir="2700000" algn="ctr" rotWithShape="0">
                     <a:schemeClr val="bg2">
@@ -46264,7 +47455,7 @@
           <a:effectLst/>
           <a:extLst>
             <a:ext uri="{AF507438-7753-43e0-B8FC-AC1667EBCBE1}">
-              <a14:hiddenEffects xmlns="" xmlns:a14="http://schemas.microsoft.com/office/drawing/2010/main">
+              <a14:hiddenEffects xmlns:a14="http://schemas.microsoft.com/office/drawing/2010/main" xmlns="">
                 <a:effectLst>
                   <a:outerShdw blurRad="63500" dist="38099" dir="2700000" algn="ctr" rotWithShape="0">
                     <a:schemeClr val="bg2">
@@ -46342,7 +47533,7 @@
           <a:effectLst/>
           <a:extLst>
             <a:ext uri="{AF507438-7753-43e0-B8FC-AC1667EBCBE1}">
-              <a14:hiddenEffects xmlns="" xmlns:a14="http://schemas.microsoft.com/office/drawing/2010/main">
+              <a14:hiddenEffects xmlns:a14="http://schemas.microsoft.com/office/drawing/2010/main" xmlns="">
                 <a:effectLst>
                   <a:outerShdw blurRad="63500" dist="38099" dir="2700000" algn="ctr" rotWithShape="0">
                     <a:schemeClr val="bg2">
@@ -46423,7 +47614,6 @@
               <a:rPr lang="fr-CA" dirty="0" smtClean="0"/>
               <a:t>Bilan de l’écosystème:</a:t>
             </a:r>
-            <a:endParaRPr lang="fr-CA" dirty="0" smtClean="0"/>
           </a:p>
           <a:p>
             <a:pPr marL="1257300" lvl="2" indent="-342900">
@@ -46444,7 +47634,6 @@
               <a:rPr lang="fr-CA" dirty="0" smtClean="0"/>
               <a:t>Productivité net</a:t>
             </a:r>
-            <a:endParaRPr lang="fr-CA" dirty="0" smtClean="0"/>
           </a:p>
         </p:txBody>
       </p:sp>
@@ -46728,7 +47917,7 @@
           <p:cNvPr id="10241" name="Rectangle 2">
             <a:extLst>
               <a:ext uri="{FF2B5EF4-FFF2-40B4-BE49-F238E27FC236}">
-                <a16:creationId xmlns:a16="http://schemas.microsoft.com/office/drawing/2014/main" xmlns="" id="{2C64CE8F-6DC1-7B46-AA41-065734F9FFFA}"/>
+                <a16:creationId xmlns="" xmlns:a16="http://schemas.microsoft.com/office/drawing/2014/main" id="{2C64CE8F-6DC1-7B46-AA41-065734F9FFFA}"/>
               </a:ext>
             </a:extLst>
           </p:cNvPr>
@@ -46773,7 +47962,7 @@
           <p:cNvPr id="10243" name="Espace réservé du numéro de diapositive 1">
             <a:extLst>
               <a:ext uri="{FF2B5EF4-FFF2-40B4-BE49-F238E27FC236}">
-                <a16:creationId xmlns:a16="http://schemas.microsoft.com/office/drawing/2014/main" xmlns="" id="{A32D7E7E-5EC9-B640-8806-5F060AD25EEB}"/>
+                <a16:creationId xmlns="" xmlns:a16="http://schemas.microsoft.com/office/drawing/2014/main" id="{A32D7E7E-5EC9-B640-8806-5F060AD25EEB}"/>
               </a:ext>
             </a:extLst>
           </p:cNvPr>
@@ -47016,7 +48205,7 @@
           <a:effectLst/>
           <a:extLst>
             <a:ext uri="{AF507438-7753-43e0-B8FC-AC1667EBCBE1}">
-              <a14:hiddenEffects xmlns="" xmlns:a14="http://schemas.microsoft.com/office/drawing/2010/main">
+              <a14:hiddenEffects xmlns:a14="http://schemas.microsoft.com/office/drawing/2010/main" xmlns="">
                 <a:effectLst>
                   <a:outerShdw blurRad="63500" dist="38099" dir="2700000" algn="ctr" rotWithShape="0">
                     <a:schemeClr val="bg2">
@@ -47148,7 +48337,7 @@
           <a:effectLst/>
           <a:extLst>
             <a:ext uri="{AF507438-7753-43e0-B8FC-AC1667EBCBE1}">
-              <a14:hiddenEffects xmlns="" xmlns:a14="http://schemas.microsoft.com/office/drawing/2010/main">
+              <a14:hiddenEffects xmlns:a14="http://schemas.microsoft.com/office/drawing/2010/main" xmlns="">
                 <a:effectLst>
                   <a:outerShdw blurRad="63500" dist="38099" dir="2700000" algn="ctr" rotWithShape="0">
                     <a:schemeClr val="bg2">
@@ -47226,7 +48415,7 @@
           <a:effectLst/>
           <a:extLst>
             <a:ext uri="{AF507438-7753-43e0-B8FC-AC1667EBCBE1}">
-              <a14:hiddenEffects xmlns="" xmlns:a14="http://schemas.microsoft.com/office/drawing/2010/main">
+              <a14:hiddenEffects xmlns:a14="http://schemas.microsoft.com/office/drawing/2010/main" xmlns="">
                 <a:effectLst>
                   <a:outerShdw blurRad="63500" dist="38099" dir="2700000" algn="ctr" rotWithShape="0">
                     <a:schemeClr val="bg2">
@@ -47543,7 +48732,7 @@
         <a:effectLst/>
         <a:extLst>
           <a:ext uri="{AF507438-7753-43e0-B8FC-AC1667EBCBE1}">
-            <a14:hiddenEffects xmlns:a14="http://schemas.microsoft.com/office/drawing/2010/main" xmlns="">
+            <a14:hiddenEffects xmlns="" xmlns:a14="http://schemas.microsoft.com/office/drawing/2010/main">
               <a:effectLst>
                 <a:outerShdw blurRad="63500" dist="38099" dir="2700000" algn="ctr" rotWithShape="0">
                   <a:schemeClr val="bg2">
@@ -47620,7 +48809,7 @@
         <a:effectLst/>
         <a:extLst>
           <a:ext uri="{AF507438-7753-43e0-B8FC-AC1667EBCBE1}">
-            <a14:hiddenEffects xmlns:a14="http://schemas.microsoft.com/office/drawing/2010/main" xmlns="">
+            <a14:hiddenEffects xmlns="" xmlns:a14="http://schemas.microsoft.com/office/drawing/2010/main">
               <a:effectLst>
                 <a:outerShdw blurRad="63500" dist="38099" dir="2700000" algn="ctr" rotWithShape="0">
                   <a:schemeClr val="bg2">
@@ -48412,7 +49601,7 @@
         <a:effectLst/>
         <a:extLst>
           <a:ext uri="{AF507438-7753-43e0-B8FC-AC1667EBCBE1}">
-            <a14:hiddenEffects xmlns="" xmlns:a14="http://schemas.microsoft.com/office/drawing/2010/main">
+            <a14:hiddenEffects xmlns:a14="http://schemas.microsoft.com/office/drawing/2010/main" xmlns="">
               <a:effectLst>
                 <a:outerShdw blurRad="63500" dist="38099" dir="2700000" algn="ctr" rotWithShape="0">
                   <a:schemeClr val="bg2">
@@ -48489,7 +49678,7 @@
         <a:effectLst/>
         <a:extLst>
           <a:ext uri="{AF507438-7753-43e0-B8FC-AC1667EBCBE1}">
-            <a14:hiddenEffects xmlns="" xmlns:a14="http://schemas.microsoft.com/office/drawing/2010/main">
+            <a14:hiddenEffects xmlns:a14="http://schemas.microsoft.com/office/drawing/2010/main" xmlns="">
               <a:effectLst>
                 <a:outerShdw blurRad="63500" dist="38099" dir="2700000" algn="ctr" rotWithShape="0">
                   <a:schemeClr val="bg2">
@@ -49676,15 +50865,6 @@
 </file>
 
 <file path=customXml/item1.xml><?xml version="1.0" encoding="utf-8"?>
-<?mso-contentType ?>
-<FormTemplates xmlns="http://schemas.microsoft.com/sharepoint/v3/contenttype/forms">
-  <Display>DocumentLibraryForm</Display>
-  <Edit>DocumentLibraryForm</Edit>
-  <New>DocumentLibraryForm</New>
-</FormTemplates>
-</file>
-
-<file path=customXml/item2.xml><?xml version="1.0" encoding="utf-8"?>
 <ct:contentTypeSchema xmlns:ct="http://schemas.microsoft.com/office/2006/metadata/contentType" xmlns:ma="http://schemas.microsoft.com/office/2006/metadata/properties/metaAttributes" ct:_="" ma:_="" ma:contentTypeName="Document" ma:contentTypeID="0x010100308D8C7535AC984C954409E86008B6B1" ma:contentTypeVersion="5" ma:contentTypeDescription="Crée un document." ma:contentTypeScope="" ma:versionID="b98d606db1d8981b42c20d29caab754c">
   <xsd:schema xmlns:xsd="http://www.w3.org/2001/XMLSchema" xmlns:xs="http://www.w3.org/2001/XMLSchema" xmlns:p="http://schemas.microsoft.com/office/2006/metadata/properties" xmlns:ns2="785701b4-08d1-402f-a497-f2f813221731" targetNamespace="http://schemas.microsoft.com/office/2006/metadata/properties" ma:root="true" ma:fieldsID="77ff28afb2ad7804448e564e5d4b2614" ns2:_="">
     <xsd:import namespace="785701b4-08d1-402f-a497-f2f813221731"/>
@@ -49830,6 +51010,15 @@
 </ct:contentTypeSchema>
 </file>
 
+<file path=customXml/item2.xml><?xml version="1.0" encoding="utf-8"?>
+<?mso-contentType ?>
+<FormTemplates xmlns="http://schemas.microsoft.com/sharepoint/v3/contenttype/forms">
+  <Display>DocumentLibraryForm</Display>
+  <Edit>DocumentLibraryForm</Edit>
+  <New>DocumentLibraryForm</New>
+</FormTemplates>
+</file>
+
 <file path=customXml/item3.xml><?xml version="1.0" encoding="utf-8"?>
 <p:properties xmlns:p="http://schemas.microsoft.com/office/2006/metadata/properties" xmlns:xsi="http://www.w3.org/2001/XMLSchema-instance" xmlns:pc="http://schemas.microsoft.com/office/infopath/2007/PartnerControls">
   <documentManagement>
@@ -49840,14 +51029,6 @@
 </file>
 
 <file path=customXml/itemProps1.xml><?xml version="1.0" encoding="utf-8"?>
-<ds:datastoreItem xmlns:ds="http://schemas.openxmlformats.org/officeDocument/2006/customXml" ds:itemID="{36B87F5F-D7D2-4A03-9569-C00D818199E2}">
-  <ds:schemaRefs>
-    <ds:schemaRef ds:uri="http://schemas.microsoft.com/sharepoint/v3/contenttype/forms"/>
-  </ds:schemaRefs>
-</ds:datastoreItem>
-</file>
-
-<file path=customXml/itemProps2.xml><?xml version="1.0" encoding="utf-8"?>
 <ds:datastoreItem xmlns:ds="http://schemas.openxmlformats.org/officeDocument/2006/customXml" ds:itemID="{05EA8467-0C25-4D82-95B8-4F4EEEE26BDC}">
   <ds:schemaRefs>
     <ds:schemaRef ds:uri="http://schemas.microsoft.com/office/2006/metadata/contentType"/>
@@ -49861,6 +51042,14 @@
     <ds:schemaRef ds:uri="http://purl.org/dc/elements/1.1/"/>
     <ds:schemaRef ds:uri="http://purl.org/dc/terms/"/>
     <ds:schemaRef ds:uri="http://schemas.microsoft.com/internal/obd"/>
+  </ds:schemaRefs>
+</ds:datastoreItem>
+</file>
+
+<file path=customXml/itemProps2.xml><?xml version="1.0" encoding="utf-8"?>
+<ds:datastoreItem xmlns:ds="http://schemas.openxmlformats.org/officeDocument/2006/customXml" ds:itemID="{36B87F5F-D7D2-4A03-9569-C00D818199E2}">
+  <ds:schemaRefs>
+    <ds:schemaRef ds:uri="http://schemas.microsoft.com/sharepoint/v3/contenttype/forms"/>
   </ds:schemaRefs>
 </ds:datastoreItem>
 </file>
